--- a/presentacion.pptx
+++ b/presentacion.pptx
@@ -115,6 +115,11 @@
       </a:defRPr>
     </a:lvl9pPr>
   </p:defaultTextStyle>
+  <p:extLst>
+    <p:ext uri="{EFAFB233-063F-42B5-8137-9DF3F51BA10A}">
+      <p15:sldGuideLst xmlns:p15="http://schemas.microsoft.com/office/powerpoint/2012/main"/>
+    </p:ext>
+  </p:extLst>
 </p:presentation>
 </file>
 
@@ -168,7 +173,7 @@
           <a:noFill/>
           <a:extLst>
             <a:ext uri="{909E8E84-426E-40dd-AFC4-6F175D3DCCD1}">
-              <a14:hiddenFill xmlns:a14="http://schemas.microsoft.com/office/drawing/2010/main" xmlns="">
+              <a14:hiddenFill xmlns="" xmlns:a14="http://schemas.microsoft.com/office/drawing/2010/main">
                 <a:solidFill>
                   <a:srgbClr val="FFFFFF"/>
                 </a:solidFill>
@@ -228,7 +233,7 @@
             </a:ln>
             <a:extLst>
               <a:ext uri="{91240B29-F687-4f45-9708-019B960494DF}">
-                <a14:hiddenLine xmlns:a14="http://schemas.microsoft.com/office/drawing/2010/main" xmlns="" w="9525">
+                <a14:hiddenLine xmlns="" xmlns:a14="http://schemas.microsoft.com/office/drawing/2010/main" w="9525">
                   <a:solidFill>
                     <a:srgbClr val="000000"/>
                   </a:solidFill>
@@ -318,7 +323,7 @@
             </a:ln>
             <a:extLst>
               <a:ext uri="{91240B29-F687-4f45-9708-019B960494DF}">
-                <a14:hiddenLine xmlns:a14="http://schemas.microsoft.com/office/drawing/2010/main" xmlns="" w="9525">
+                <a14:hiddenLine xmlns="" xmlns:a14="http://schemas.microsoft.com/office/drawing/2010/main" w="9525">
                   <a:solidFill>
                     <a:srgbClr val="000000"/>
                   </a:solidFill>
@@ -408,7 +413,7 @@
             </a:ln>
             <a:extLst>
               <a:ext uri="{91240B29-F687-4f45-9708-019B960494DF}">
-                <a14:hiddenLine xmlns:a14="http://schemas.microsoft.com/office/drawing/2010/main" xmlns="" w="9525">
+                <a14:hiddenLine xmlns="" xmlns:a14="http://schemas.microsoft.com/office/drawing/2010/main" w="9525">
                   <a:solidFill>
                     <a:srgbClr val="000000"/>
                   </a:solidFill>
@@ -442,7 +447,7 @@
             </a:ln>
             <a:extLst>
               <a:ext uri="{91240B29-F687-4f45-9708-019B960494DF}">
-                <a14:hiddenLine xmlns:a14="http://schemas.microsoft.com/office/drawing/2010/main" xmlns="" w="9525">
+                <a14:hiddenLine xmlns="" xmlns:a14="http://schemas.microsoft.com/office/drawing/2010/main" w="9525">
                   <a:solidFill>
                     <a:srgbClr val="000000"/>
                   </a:solidFill>
@@ -532,7 +537,7 @@
             </a:ln>
             <a:extLst>
               <a:ext uri="{91240B29-F687-4f45-9708-019B960494DF}">
-                <a14:hiddenLine xmlns:a14="http://schemas.microsoft.com/office/drawing/2010/main" xmlns="" w="9525">
+                <a14:hiddenLine xmlns="" xmlns:a14="http://schemas.microsoft.com/office/drawing/2010/main" w="9525">
                   <a:solidFill>
                     <a:srgbClr val="000000"/>
                   </a:solidFill>
@@ -594,7 +599,7 @@
             </a:ln>
             <a:extLst>
               <a:ext uri="{91240B29-F687-4f45-9708-019B960494DF}">
-                <a14:hiddenLine xmlns:a14="http://schemas.microsoft.com/office/drawing/2010/main" xmlns="" w="9525">
+                <a14:hiddenLine xmlns="" xmlns:a14="http://schemas.microsoft.com/office/drawing/2010/main" w="9525">
                   <a:solidFill>
                     <a:srgbClr val="000000"/>
                   </a:solidFill>
@@ -656,7 +661,7 @@
             </a:ln>
             <a:extLst>
               <a:ext uri="{91240B29-F687-4f45-9708-019B960494DF}">
-                <a14:hiddenLine xmlns:a14="http://schemas.microsoft.com/office/drawing/2010/main" xmlns="" w="9525">
+                <a14:hiddenLine xmlns="" xmlns:a14="http://schemas.microsoft.com/office/drawing/2010/main" w="9525">
                   <a:solidFill>
                     <a:srgbClr val="000000"/>
                   </a:solidFill>
@@ -746,7 +751,7 @@
             </a:ln>
             <a:extLst>
               <a:ext uri="{91240B29-F687-4f45-9708-019B960494DF}">
-                <a14:hiddenLine xmlns:a14="http://schemas.microsoft.com/office/drawing/2010/main" xmlns="" w="9525">
+                <a14:hiddenLine xmlns="" xmlns:a14="http://schemas.microsoft.com/office/drawing/2010/main" w="9525">
                   <a:solidFill>
                     <a:srgbClr val="000000"/>
                   </a:solidFill>
@@ -808,7 +813,7 @@
             </a:ln>
             <a:extLst>
               <a:ext uri="{91240B29-F687-4f45-9708-019B960494DF}">
-                <a14:hiddenLine xmlns:a14="http://schemas.microsoft.com/office/drawing/2010/main" xmlns="" w="9525">
+                <a14:hiddenLine xmlns="" xmlns:a14="http://schemas.microsoft.com/office/drawing/2010/main" w="9525">
                   <a:solidFill>
                     <a:srgbClr val="000000"/>
                   </a:solidFill>
@@ -870,7 +875,7 @@
             </a:ln>
             <a:extLst>
               <a:ext uri="{91240B29-F687-4f45-9708-019B960494DF}">
-                <a14:hiddenLine xmlns:a14="http://schemas.microsoft.com/office/drawing/2010/main" xmlns="" w="9525">
+                <a14:hiddenLine xmlns="" xmlns:a14="http://schemas.microsoft.com/office/drawing/2010/main" w="9525">
                   <a:solidFill>
                     <a:srgbClr val="000000"/>
                   </a:solidFill>
@@ -960,7 +965,7 @@
             </a:ln>
             <a:extLst>
               <a:ext uri="{91240B29-F687-4f45-9708-019B960494DF}">
-                <a14:hiddenLine xmlns:a14="http://schemas.microsoft.com/office/drawing/2010/main" xmlns="" w="9525">
+                <a14:hiddenLine xmlns="" xmlns:a14="http://schemas.microsoft.com/office/drawing/2010/main" w="9525">
                   <a:solidFill>
                     <a:srgbClr val="000000"/>
                   </a:solidFill>
@@ -1050,7 +1055,7 @@
             </a:ln>
             <a:extLst>
               <a:ext uri="{91240B29-F687-4f45-9708-019B960494DF}">
-                <a14:hiddenLine xmlns:a14="http://schemas.microsoft.com/office/drawing/2010/main" xmlns="" w="9525">
+                <a14:hiddenLine xmlns="" xmlns:a14="http://schemas.microsoft.com/office/drawing/2010/main" w="9525">
                   <a:solidFill>
                     <a:srgbClr val="000000"/>
                   </a:solidFill>
@@ -1112,7 +1117,7 @@
             </a:ln>
             <a:extLst>
               <a:ext uri="{91240B29-F687-4f45-9708-019B960494DF}">
-                <a14:hiddenLine xmlns:a14="http://schemas.microsoft.com/office/drawing/2010/main" xmlns="" w="9525">
+                <a14:hiddenLine xmlns="" xmlns:a14="http://schemas.microsoft.com/office/drawing/2010/main" w="9525">
                   <a:solidFill>
                     <a:srgbClr val="000000"/>
                   </a:solidFill>
@@ -1222,7 +1227,7 @@
             </a:ln>
             <a:extLst>
               <a:ext uri="{91240B29-F687-4f45-9708-019B960494DF}">
-                <a14:hiddenLine xmlns:a14="http://schemas.microsoft.com/office/drawing/2010/main" xmlns="" w="9525">
+                <a14:hiddenLine xmlns="" xmlns:a14="http://schemas.microsoft.com/office/drawing/2010/main" w="9525">
                   <a:solidFill>
                     <a:srgbClr val="000000"/>
                   </a:solidFill>
@@ -1284,7 +1289,7 @@
             </a:ln>
             <a:extLst>
               <a:ext uri="{91240B29-F687-4f45-9708-019B960494DF}">
-                <a14:hiddenLine xmlns:a14="http://schemas.microsoft.com/office/drawing/2010/main" xmlns="" w="9525">
+                <a14:hiddenLine xmlns="" xmlns:a14="http://schemas.microsoft.com/office/drawing/2010/main" w="9525">
                   <a:solidFill>
                     <a:srgbClr val="000000"/>
                   </a:solidFill>
@@ -1374,7 +1379,7 @@
             </a:ln>
             <a:extLst>
               <a:ext uri="{91240B29-F687-4f45-9708-019B960494DF}">
-                <a14:hiddenLine xmlns:a14="http://schemas.microsoft.com/office/drawing/2010/main" xmlns="" w="9525">
+                <a14:hiddenLine xmlns="" xmlns:a14="http://schemas.microsoft.com/office/drawing/2010/main" w="9525">
                   <a:solidFill>
                     <a:srgbClr val="000000"/>
                   </a:solidFill>
@@ -1464,7 +1469,7 @@
             </a:ln>
             <a:extLst>
               <a:ext uri="{91240B29-F687-4f45-9708-019B960494DF}">
-                <a14:hiddenLine xmlns:a14="http://schemas.microsoft.com/office/drawing/2010/main" xmlns="" w="9525">
+                <a14:hiddenLine xmlns="" xmlns:a14="http://schemas.microsoft.com/office/drawing/2010/main" w="9525">
                   <a:solidFill>
                     <a:srgbClr val="000000"/>
                   </a:solidFill>
@@ -1526,7 +1531,7 @@
             </a:ln>
             <a:extLst>
               <a:ext uri="{91240B29-F687-4f45-9708-019B960494DF}">
-                <a14:hiddenLine xmlns:a14="http://schemas.microsoft.com/office/drawing/2010/main" xmlns="" w="9525">
+                <a14:hiddenLine xmlns="" xmlns:a14="http://schemas.microsoft.com/office/drawing/2010/main" w="9525">
                   <a:solidFill>
                     <a:srgbClr val="000000"/>
                   </a:solidFill>
@@ -1616,7 +1621,7 @@
             </a:ln>
             <a:extLst>
               <a:ext uri="{91240B29-F687-4f45-9708-019B960494DF}">
-                <a14:hiddenLine xmlns:a14="http://schemas.microsoft.com/office/drawing/2010/main" xmlns="" w="9525">
+                <a14:hiddenLine xmlns="" xmlns:a14="http://schemas.microsoft.com/office/drawing/2010/main" w="9525">
                   <a:solidFill>
                     <a:srgbClr val="000000"/>
                   </a:solidFill>
@@ -1706,7 +1711,7 @@
             </a:ln>
             <a:extLst>
               <a:ext uri="{91240B29-F687-4f45-9708-019B960494DF}">
-                <a14:hiddenLine xmlns:a14="http://schemas.microsoft.com/office/drawing/2010/main" xmlns="" w="9525">
+                <a14:hiddenLine xmlns="" xmlns:a14="http://schemas.microsoft.com/office/drawing/2010/main" w="9525">
                   <a:solidFill>
                     <a:srgbClr val="000000"/>
                   </a:solidFill>
@@ -1762,7 +1767,7 @@
             </a:ln>
             <a:extLst>
               <a:ext uri="{91240B29-F687-4f45-9708-019B960494DF}">
-                <a14:hiddenLine xmlns:a14="http://schemas.microsoft.com/office/drawing/2010/main" xmlns="" w="9525">
+                <a14:hiddenLine xmlns="" xmlns:a14="http://schemas.microsoft.com/office/drawing/2010/main" w="9525">
                   <a:solidFill>
                     <a:srgbClr val="000000"/>
                   </a:solidFill>
@@ -1852,7 +1857,7 @@
             </a:ln>
             <a:extLst>
               <a:ext uri="{91240B29-F687-4f45-9708-019B960494DF}">
-                <a14:hiddenLine xmlns:a14="http://schemas.microsoft.com/office/drawing/2010/main" xmlns="" w="9525">
+                <a14:hiddenLine xmlns="" xmlns:a14="http://schemas.microsoft.com/office/drawing/2010/main" w="9525">
                   <a:solidFill>
                     <a:srgbClr val="000000"/>
                   </a:solidFill>
@@ -1908,7 +1913,7 @@
             </a:ln>
             <a:extLst>
               <a:ext uri="{91240B29-F687-4f45-9708-019B960494DF}">
-                <a14:hiddenLine xmlns:a14="http://schemas.microsoft.com/office/drawing/2010/main" xmlns="" w="9525">
+                <a14:hiddenLine xmlns="" xmlns:a14="http://schemas.microsoft.com/office/drawing/2010/main" w="9525">
                   <a:solidFill>
                     <a:srgbClr val="000000"/>
                   </a:solidFill>
@@ -1998,7 +2003,7 @@
             </a:ln>
             <a:extLst>
               <a:ext uri="{91240B29-F687-4f45-9708-019B960494DF}">
-                <a14:hiddenLine xmlns:a14="http://schemas.microsoft.com/office/drawing/2010/main" xmlns="" w="9525">
+                <a14:hiddenLine xmlns="" xmlns:a14="http://schemas.microsoft.com/office/drawing/2010/main" w="9525">
                   <a:solidFill>
                     <a:srgbClr val="000000"/>
                   </a:solidFill>
@@ -2066,7 +2071,7 @@
             </a:ln>
             <a:extLst>
               <a:ext uri="{91240B29-F687-4f45-9708-019B960494DF}">
-                <a14:hiddenLine xmlns:a14="http://schemas.microsoft.com/office/drawing/2010/main" xmlns="" w="9525">
+                <a14:hiddenLine xmlns="" xmlns:a14="http://schemas.microsoft.com/office/drawing/2010/main" w="9525">
                   <a:solidFill>
                     <a:srgbClr val="000000"/>
                   </a:solidFill>
@@ -2156,7 +2161,7 @@
             </a:ln>
             <a:extLst>
               <a:ext uri="{91240B29-F687-4f45-9708-019B960494DF}">
-                <a14:hiddenLine xmlns:a14="http://schemas.microsoft.com/office/drawing/2010/main" xmlns="" w="9525">
+                <a14:hiddenLine xmlns="" xmlns:a14="http://schemas.microsoft.com/office/drawing/2010/main" w="9525">
                   <a:solidFill>
                     <a:srgbClr val="000000"/>
                   </a:solidFill>
@@ -2224,7 +2229,7 @@
             </a:ln>
             <a:extLst>
               <a:ext uri="{91240B29-F687-4f45-9708-019B960494DF}">
-                <a14:hiddenLine xmlns:a14="http://schemas.microsoft.com/office/drawing/2010/main" xmlns="" w="9525">
+                <a14:hiddenLine xmlns="" xmlns:a14="http://schemas.microsoft.com/office/drawing/2010/main" w="9525">
                   <a:solidFill>
                     <a:srgbClr val="000000"/>
                   </a:solidFill>
@@ -2314,7 +2319,7 @@
             </a:ln>
             <a:extLst>
               <a:ext uri="{91240B29-F687-4f45-9708-019B960494DF}">
-                <a14:hiddenLine xmlns:a14="http://schemas.microsoft.com/office/drawing/2010/main" xmlns="" w="9525">
+                <a14:hiddenLine xmlns="" xmlns:a14="http://schemas.microsoft.com/office/drawing/2010/main" w="9525">
                   <a:solidFill>
                     <a:srgbClr val="000000"/>
                   </a:solidFill>
@@ -2348,7 +2353,7 @@
             </a:ln>
             <a:extLst>
               <a:ext uri="{91240B29-F687-4f45-9708-019B960494DF}">
-                <a14:hiddenLine xmlns:a14="http://schemas.microsoft.com/office/drawing/2010/main" xmlns="" w="9525">
+                <a14:hiddenLine xmlns="" xmlns:a14="http://schemas.microsoft.com/office/drawing/2010/main" w="9525">
                   <a:solidFill>
                     <a:srgbClr val="000000"/>
                   </a:solidFill>
@@ -2438,7 +2443,7 @@
             </a:ln>
             <a:extLst>
               <a:ext uri="{91240B29-F687-4f45-9708-019B960494DF}">
-                <a14:hiddenLine xmlns:a14="http://schemas.microsoft.com/office/drawing/2010/main" xmlns="" w="9525">
+                <a14:hiddenLine xmlns="" xmlns:a14="http://schemas.microsoft.com/office/drawing/2010/main" w="9525">
                   <a:solidFill>
                     <a:srgbClr val="000000"/>
                   </a:solidFill>
@@ -2500,7 +2505,7 @@
             </a:ln>
             <a:extLst>
               <a:ext uri="{91240B29-F687-4f45-9708-019B960494DF}">
-                <a14:hiddenLine xmlns:a14="http://schemas.microsoft.com/office/drawing/2010/main" xmlns="" w="9525">
+                <a14:hiddenLine xmlns="" xmlns:a14="http://schemas.microsoft.com/office/drawing/2010/main" w="9525">
                   <a:solidFill>
                     <a:srgbClr val="000000"/>
                   </a:solidFill>
@@ -2562,7 +2567,7 @@
             </a:ln>
             <a:extLst>
               <a:ext uri="{91240B29-F687-4f45-9708-019B960494DF}">
-                <a14:hiddenLine xmlns:a14="http://schemas.microsoft.com/office/drawing/2010/main" xmlns="" w="9525">
+                <a14:hiddenLine xmlns="" xmlns:a14="http://schemas.microsoft.com/office/drawing/2010/main" w="9525">
                   <a:solidFill>
                     <a:srgbClr val="000000"/>
                   </a:solidFill>
@@ -2652,7 +2657,7 @@
             </a:ln>
             <a:extLst>
               <a:ext uri="{91240B29-F687-4f45-9708-019B960494DF}">
-                <a14:hiddenLine xmlns:a14="http://schemas.microsoft.com/office/drawing/2010/main" xmlns="" w="9525">
+                <a14:hiddenLine xmlns="" xmlns:a14="http://schemas.microsoft.com/office/drawing/2010/main" w="9525">
                   <a:solidFill>
                     <a:srgbClr val="000000"/>
                   </a:solidFill>
@@ -2720,7 +2725,7 @@
             </a:ln>
             <a:extLst>
               <a:ext uri="{91240B29-F687-4f45-9708-019B960494DF}">
-                <a14:hiddenLine xmlns:a14="http://schemas.microsoft.com/office/drawing/2010/main" xmlns="" w="9525">
+                <a14:hiddenLine xmlns="" xmlns:a14="http://schemas.microsoft.com/office/drawing/2010/main" w="9525">
                   <a:solidFill>
                     <a:srgbClr val="000000"/>
                   </a:solidFill>
@@ -2782,7 +2787,7 @@
             </a:ln>
             <a:extLst>
               <a:ext uri="{91240B29-F687-4f45-9708-019B960494DF}">
-                <a14:hiddenLine xmlns:a14="http://schemas.microsoft.com/office/drawing/2010/main" xmlns="" w="9525">
+                <a14:hiddenLine xmlns="" xmlns:a14="http://schemas.microsoft.com/office/drawing/2010/main" w="9525">
                   <a:solidFill>
                     <a:srgbClr val="000000"/>
                   </a:solidFill>
@@ -2872,7 +2877,7 @@
             </a:ln>
             <a:extLst>
               <a:ext uri="{91240B29-F687-4f45-9708-019B960494DF}">
-                <a14:hiddenLine xmlns:a14="http://schemas.microsoft.com/office/drawing/2010/main" xmlns="" w="9525">
+                <a14:hiddenLine xmlns="" xmlns:a14="http://schemas.microsoft.com/office/drawing/2010/main" w="9525">
                   <a:solidFill>
                     <a:srgbClr val="000000"/>
                   </a:solidFill>
@@ -2934,7 +2939,7 @@
             </a:ln>
             <a:extLst>
               <a:ext uri="{91240B29-F687-4f45-9708-019B960494DF}">
-                <a14:hiddenLine xmlns:a14="http://schemas.microsoft.com/office/drawing/2010/main" xmlns="" w="9525">
+                <a14:hiddenLine xmlns="" xmlns:a14="http://schemas.microsoft.com/office/drawing/2010/main" w="9525">
                   <a:solidFill>
                     <a:srgbClr val="000000"/>
                   </a:solidFill>
@@ -3024,7 +3029,7 @@
             </a:ln>
             <a:extLst>
               <a:ext uri="{91240B29-F687-4f45-9708-019B960494DF}">
-                <a14:hiddenLine xmlns:a14="http://schemas.microsoft.com/office/drawing/2010/main" xmlns="" w="9525">
+                <a14:hiddenLine xmlns="" xmlns:a14="http://schemas.microsoft.com/office/drawing/2010/main" w="9525">
                   <a:solidFill>
                     <a:srgbClr val="000000"/>
                   </a:solidFill>
@@ -3086,7 +3091,7 @@
             </a:ln>
             <a:extLst>
               <a:ext uri="{91240B29-F687-4f45-9708-019B960494DF}">
-                <a14:hiddenLine xmlns:a14="http://schemas.microsoft.com/office/drawing/2010/main" xmlns="" w="9525">
+                <a14:hiddenLine xmlns="" xmlns:a14="http://schemas.microsoft.com/office/drawing/2010/main" w="9525">
                   <a:solidFill>
                     <a:srgbClr val="000000"/>
                   </a:solidFill>
@@ -3176,7 +3181,7 @@
             </a:ln>
             <a:extLst>
               <a:ext uri="{91240B29-F687-4f45-9708-019B960494DF}">
-                <a14:hiddenLine xmlns:a14="http://schemas.microsoft.com/office/drawing/2010/main" xmlns="" w="9525">
+                <a14:hiddenLine xmlns="" xmlns:a14="http://schemas.microsoft.com/office/drawing/2010/main" w="9525">
                   <a:solidFill>
                     <a:srgbClr val="000000"/>
                   </a:solidFill>
@@ -3210,7 +3215,7 @@
             </a:ln>
             <a:extLst>
               <a:ext uri="{91240B29-F687-4f45-9708-019B960494DF}">
-                <a14:hiddenLine xmlns:a14="http://schemas.microsoft.com/office/drawing/2010/main" xmlns="" w="9525">
+                <a14:hiddenLine xmlns="" xmlns:a14="http://schemas.microsoft.com/office/drawing/2010/main" w="9525">
                   <a:solidFill>
                     <a:srgbClr val="000000"/>
                   </a:solidFill>
@@ -3275,7 +3280,7 @@
             </a:ln>
             <a:extLst>
               <a:ext uri="{91240B29-F687-4f45-9708-019B960494DF}">
-                <a14:hiddenLine xmlns:a14="http://schemas.microsoft.com/office/drawing/2010/main" xmlns="" w="9525">
+                <a14:hiddenLine xmlns="" xmlns:a14="http://schemas.microsoft.com/office/drawing/2010/main" w="9525">
                   <a:solidFill>
                     <a:srgbClr val="000000"/>
                   </a:solidFill>
@@ -3365,7 +3370,7 @@
             </a:ln>
             <a:extLst>
               <a:ext uri="{91240B29-F687-4f45-9708-019B960494DF}">
-                <a14:hiddenLine xmlns:a14="http://schemas.microsoft.com/office/drawing/2010/main" xmlns="" w="9525">
+                <a14:hiddenLine xmlns="" xmlns:a14="http://schemas.microsoft.com/office/drawing/2010/main" w="9525">
                   <a:solidFill>
                     <a:srgbClr val="000000"/>
                   </a:solidFill>
@@ -3427,7 +3432,7 @@
             </a:ln>
             <a:extLst>
               <a:ext uri="{91240B29-F687-4f45-9708-019B960494DF}">
-                <a14:hiddenLine xmlns:a14="http://schemas.microsoft.com/office/drawing/2010/main" xmlns="" w="9525">
+                <a14:hiddenLine xmlns="" xmlns:a14="http://schemas.microsoft.com/office/drawing/2010/main" w="9525">
                   <a:solidFill>
                     <a:srgbClr val="000000"/>
                   </a:solidFill>
@@ -3517,7 +3522,7 @@
             </a:ln>
             <a:extLst>
               <a:ext uri="{91240B29-F687-4f45-9708-019B960494DF}">
-                <a14:hiddenLine xmlns:a14="http://schemas.microsoft.com/office/drawing/2010/main" xmlns="" w="9525">
+                <a14:hiddenLine xmlns="" xmlns:a14="http://schemas.microsoft.com/office/drawing/2010/main" w="9525">
                   <a:solidFill>
                     <a:srgbClr val="000000"/>
                   </a:solidFill>
@@ -3607,7 +3612,7 @@
             </a:ln>
             <a:extLst>
               <a:ext uri="{91240B29-F687-4f45-9708-019B960494DF}">
-                <a14:hiddenLine xmlns:a14="http://schemas.microsoft.com/office/drawing/2010/main" xmlns="" w="9525">
+                <a14:hiddenLine xmlns="" xmlns:a14="http://schemas.microsoft.com/office/drawing/2010/main" w="9525">
                   <a:solidFill>
                     <a:srgbClr val="000000"/>
                   </a:solidFill>
@@ -3672,7 +3677,7 @@
             </a:ln>
             <a:extLst>
               <a:ext uri="{91240B29-F687-4f45-9708-019B960494DF}">
-                <a14:hiddenLine xmlns:a14="http://schemas.microsoft.com/office/drawing/2010/main" xmlns="" w="9525">
+                <a14:hiddenLine xmlns="" xmlns:a14="http://schemas.microsoft.com/office/drawing/2010/main" w="9525">
                   <a:solidFill>
                     <a:srgbClr val="000000"/>
                   </a:solidFill>
@@ -3734,7 +3739,7 @@
             </a:ln>
             <a:extLst>
               <a:ext uri="{91240B29-F687-4f45-9708-019B960494DF}">
-                <a14:hiddenLine xmlns:a14="http://schemas.microsoft.com/office/drawing/2010/main" xmlns="" w="9525">
+                <a14:hiddenLine xmlns="" xmlns:a14="http://schemas.microsoft.com/office/drawing/2010/main" w="9525">
                   <a:solidFill>
                     <a:srgbClr val="000000"/>
                   </a:solidFill>
@@ -3824,7 +3829,7 @@
             </a:ln>
             <a:extLst>
               <a:ext uri="{91240B29-F687-4f45-9708-019B960494DF}">
-                <a14:hiddenLine xmlns:a14="http://schemas.microsoft.com/office/drawing/2010/main" xmlns="" w="9525">
+                <a14:hiddenLine xmlns="" xmlns:a14="http://schemas.microsoft.com/office/drawing/2010/main" w="9525">
                   <a:solidFill>
                     <a:srgbClr val="000000"/>
                   </a:solidFill>
@@ -3914,7 +3919,7 @@
             </a:ln>
             <a:extLst>
               <a:ext uri="{91240B29-F687-4f45-9708-019B960494DF}">
-                <a14:hiddenLine xmlns:a14="http://schemas.microsoft.com/office/drawing/2010/main" xmlns="" w="9525">
+                <a14:hiddenLine xmlns="" xmlns:a14="http://schemas.microsoft.com/office/drawing/2010/main" w="9525">
                   <a:solidFill>
                     <a:srgbClr val="000000"/>
                   </a:solidFill>
@@ -3976,7 +3981,7 @@
             </a:ln>
             <a:extLst>
               <a:ext uri="{91240B29-F687-4f45-9708-019B960494DF}">
-                <a14:hiddenLine xmlns:a14="http://schemas.microsoft.com/office/drawing/2010/main" xmlns="" w="9525">
+                <a14:hiddenLine xmlns="" xmlns:a14="http://schemas.microsoft.com/office/drawing/2010/main" w="9525">
                   <a:solidFill>
                     <a:srgbClr val="000000"/>
                   </a:solidFill>
@@ -4096,7 +4101,7 @@
             </a:ln>
             <a:extLst>
               <a:ext uri="{91240B29-F687-4f45-9708-019B960494DF}">
-                <a14:hiddenLine xmlns:a14="http://schemas.microsoft.com/office/drawing/2010/main" xmlns="" w="9525">
+                <a14:hiddenLine xmlns="" xmlns:a14="http://schemas.microsoft.com/office/drawing/2010/main" w="9525">
                   <a:solidFill>
                     <a:srgbClr val="000000"/>
                   </a:solidFill>
@@ -4164,7 +4169,7 @@
             </a:ln>
             <a:extLst>
               <a:ext uri="{91240B29-F687-4f45-9708-019B960494DF}">
-                <a14:hiddenLine xmlns:a14="http://schemas.microsoft.com/office/drawing/2010/main" xmlns="" w="9525">
+                <a14:hiddenLine xmlns="" xmlns:a14="http://schemas.microsoft.com/office/drawing/2010/main" w="9525">
                   <a:solidFill>
                     <a:srgbClr val="000000"/>
                   </a:solidFill>
@@ -4254,7 +4259,7 @@
             </a:ln>
             <a:extLst>
               <a:ext uri="{91240B29-F687-4f45-9708-019B960494DF}">
-                <a14:hiddenLine xmlns:a14="http://schemas.microsoft.com/office/drawing/2010/main" xmlns="" w="9525">
+                <a14:hiddenLine xmlns="" xmlns:a14="http://schemas.microsoft.com/office/drawing/2010/main" w="9525">
                   <a:solidFill>
                     <a:srgbClr val="000000"/>
                   </a:solidFill>
@@ -9101,7 +9106,7 @@
           <a:noFill/>
           <a:extLst>
             <a:ext uri="{909E8E84-426E-40dd-AFC4-6F175D3DCCD1}">
-              <a14:hiddenFill xmlns:a14="http://schemas.microsoft.com/office/drawing/2010/main" xmlns="">
+              <a14:hiddenFill xmlns="" xmlns:a14="http://schemas.microsoft.com/office/drawing/2010/main">
                 <a:solidFill>
                   <a:srgbClr val="FFFFFF"/>
                 </a:solidFill>
@@ -9175,7 +9180,7 @@
               </a:ln>
               <a:extLst>
                 <a:ext uri="{91240B29-F687-4f45-9708-019B960494DF}">
-                  <a14:hiddenLine xmlns:a14="http://schemas.microsoft.com/office/drawing/2010/main" xmlns="" w="9525">
+                  <a14:hiddenLine xmlns="" xmlns:a14="http://schemas.microsoft.com/office/drawing/2010/main" w="9525">
                     <a:solidFill>
                       <a:srgbClr val="000000"/>
                     </a:solidFill>
@@ -9265,7 +9270,7 @@
               </a:ln>
               <a:extLst>
                 <a:ext uri="{91240B29-F687-4f45-9708-019B960494DF}">
-                  <a14:hiddenLine xmlns:a14="http://schemas.microsoft.com/office/drawing/2010/main" xmlns="" w="9525">
+                  <a14:hiddenLine xmlns="" xmlns:a14="http://schemas.microsoft.com/office/drawing/2010/main" w="9525">
                     <a:solidFill>
                       <a:srgbClr val="000000"/>
                     </a:solidFill>
@@ -9355,7 +9360,7 @@
               </a:ln>
               <a:extLst>
                 <a:ext uri="{91240B29-F687-4f45-9708-019B960494DF}">
-                  <a14:hiddenLine xmlns:a14="http://schemas.microsoft.com/office/drawing/2010/main" xmlns="" w="9525">
+                  <a14:hiddenLine xmlns="" xmlns:a14="http://schemas.microsoft.com/office/drawing/2010/main" w="9525">
                     <a:solidFill>
                       <a:srgbClr val="000000"/>
                     </a:solidFill>
@@ -9417,7 +9422,7 @@
               </a:ln>
               <a:extLst>
                 <a:ext uri="{91240B29-F687-4f45-9708-019B960494DF}">
-                  <a14:hiddenLine xmlns:a14="http://schemas.microsoft.com/office/drawing/2010/main" xmlns="" w="9525">
+                  <a14:hiddenLine xmlns="" xmlns:a14="http://schemas.microsoft.com/office/drawing/2010/main" w="9525">
                     <a:solidFill>
                       <a:srgbClr val="000000"/>
                     </a:solidFill>
@@ -9507,7 +9512,7 @@
               </a:ln>
               <a:extLst>
                 <a:ext uri="{91240B29-F687-4f45-9708-019B960494DF}">
-                  <a14:hiddenLine xmlns:a14="http://schemas.microsoft.com/office/drawing/2010/main" xmlns="" w="9525">
+                  <a14:hiddenLine xmlns="" xmlns:a14="http://schemas.microsoft.com/office/drawing/2010/main" w="9525">
                     <a:solidFill>
                       <a:srgbClr val="000000"/>
                     </a:solidFill>
@@ -9569,7 +9574,7 @@
               </a:ln>
               <a:extLst>
                 <a:ext uri="{91240B29-F687-4f45-9708-019B960494DF}">
-                  <a14:hiddenLine xmlns:a14="http://schemas.microsoft.com/office/drawing/2010/main" xmlns="" w="9525">
+                  <a14:hiddenLine xmlns="" xmlns:a14="http://schemas.microsoft.com/office/drawing/2010/main" w="9525">
                     <a:solidFill>
                       <a:srgbClr val="000000"/>
                     </a:solidFill>
@@ -9631,7 +9636,7 @@
               </a:ln>
               <a:extLst>
                 <a:ext uri="{91240B29-F687-4f45-9708-019B960494DF}">
-                  <a14:hiddenLine xmlns:a14="http://schemas.microsoft.com/office/drawing/2010/main" xmlns="" w="9525">
+                  <a14:hiddenLine xmlns="" xmlns:a14="http://schemas.microsoft.com/office/drawing/2010/main" w="9525">
                     <a:solidFill>
                       <a:srgbClr val="000000"/>
                     </a:solidFill>
@@ -9721,7 +9726,7 @@
               </a:ln>
               <a:extLst>
                 <a:ext uri="{91240B29-F687-4f45-9708-019B960494DF}">
-                  <a14:hiddenLine xmlns:a14="http://schemas.microsoft.com/office/drawing/2010/main" xmlns="" w="9525">
+                  <a14:hiddenLine xmlns="" xmlns:a14="http://schemas.microsoft.com/office/drawing/2010/main" w="9525">
                     <a:solidFill>
                       <a:srgbClr val="000000"/>
                     </a:solidFill>
@@ -9811,7 +9816,7 @@
               </a:ln>
               <a:extLst>
                 <a:ext uri="{91240B29-F687-4f45-9708-019B960494DF}">
-                  <a14:hiddenLine xmlns:a14="http://schemas.microsoft.com/office/drawing/2010/main" xmlns="" w="9525">
+                  <a14:hiddenLine xmlns="" xmlns:a14="http://schemas.microsoft.com/office/drawing/2010/main" w="9525">
                     <a:solidFill>
                       <a:srgbClr val="000000"/>
                     </a:solidFill>
@@ -9873,7 +9878,7 @@
               </a:ln>
               <a:extLst>
                 <a:ext uri="{91240B29-F687-4f45-9708-019B960494DF}">
-                  <a14:hiddenLine xmlns:a14="http://schemas.microsoft.com/office/drawing/2010/main" xmlns="" w="9525">
+                  <a14:hiddenLine xmlns="" xmlns:a14="http://schemas.microsoft.com/office/drawing/2010/main" w="9525">
                     <a:solidFill>
                       <a:srgbClr val="000000"/>
                     </a:solidFill>
@@ -9983,7 +9988,7 @@
               </a:ln>
               <a:extLst>
                 <a:ext uri="{91240B29-F687-4f45-9708-019B960494DF}">
-                  <a14:hiddenLine xmlns:a14="http://schemas.microsoft.com/office/drawing/2010/main" xmlns="" w="9525">
+                  <a14:hiddenLine xmlns="" xmlns:a14="http://schemas.microsoft.com/office/drawing/2010/main" w="9525">
                     <a:solidFill>
                       <a:srgbClr val="000000"/>
                     </a:solidFill>
@@ -10067,7 +10072,7 @@
               </a:ln>
               <a:extLst>
                 <a:ext uri="{91240B29-F687-4f45-9708-019B960494DF}">
-                  <a14:hiddenLine xmlns:a14="http://schemas.microsoft.com/office/drawing/2010/main" xmlns="" w="9525">
+                  <a14:hiddenLine xmlns="" xmlns:a14="http://schemas.microsoft.com/office/drawing/2010/main" w="9525">
                     <a:solidFill>
                       <a:srgbClr val="000000"/>
                     </a:solidFill>
@@ -10129,7 +10134,7 @@
               </a:ln>
               <a:extLst>
                 <a:ext uri="{91240B29-F687-4f45-9708-019B960494DF}">
-                  <a14:hiddenLine xmlns:a14="http://schemas.microsoft.com/office/drawing/2010/main" xmlns="" w="9525">
+                  <a14:hiddenLine xmlns="" xmlns:a14="http://schemas.microsoft.com/office/drawing/2010/main" w="9525">
                     <a:solidFill>
                       <a:srgbClr val="000000"/>
                     </a:solidFill>
@@ -10191,7 +10196,7 @@
               </a:ln>
               <a:extLst>
                 <a:ext uri="{91240B29-F687-4f45-9708-019B960494DF}">
-                  <a14:hiddenLine xmlns:a14="http://schemas.microsoft.com/office/drawing/2010/main" xmlns="" w="9525">
+                  <a14:hiddenLine xmlns="" xmlns:a14="http://schemas.microsoft.com/office/drawing/2010/main" w="9525">
                     <a:solidFill>
                       <a:srgbClr val="000000"/>
                     </a:solidFill>
@@ -10281,7 +10286,7 @@
               </a:ln>
               <a:extLst>
                 <a:ext uri="{91240B29-F687-4f45-9708-019B960494DF}">
-                  <a14:hiddenLine xmlns:a14="http://schemas.microsoft.com/office/drawing/2010/main" xmlns="" w="9525">
+                  <a14:hiddenLine xmlns="" xmlns:a14="http://schemas.microsoft.com/office/drawing/2010/main" w="9525">
                     <a:solidFill>
                       <a:srgbClr val="000000"/>
                     </a:solidFill>
@@ -10315,7 +10320,7 @@
               </a:ln>
               <a:extLst>
                 <a:ext uri="{91240B29-F687-4f45-9708-019B960494DF}">
-                  <a14:hiddenLine xmlns:a14="http://schemas.microsoft.com/office/drawing/2010/main" xmlns="" w="9525">
+                  <a14:hiddenLine xmlns="" xmlns:a14="http://schemas.microsoft.com/office/drawing/2010/main" w="9525">
                     <a:solidFill>
                       <a:srgbClr val="000000"/>
                     </a:solidFill>
@@ -10380,7 +10385,7 @@
               </a:ln>
               <a:extLst>
                 <a:ext uri="{91240B29-F687-4f45-9708-019B960494DF}">
-                  <a14:hiddenLine xmlns:a14="http://schemas.microsoft.com/office/drawing/2010/main" xmlns="" w="9525">
+                  <a14:hiddenLine xmlns="" xmlns:a14="http://schemas.microsoft.com/office/drawing/2010/main" w="9525">
                     <a:solidFill>
                       <a:srgbClr val="000000"/>
                     </a:solidFill>
@@ -10470,7 +10475,7 @@
               </a:ln>
               <a:extLst>
                 <a:ext uri="{91240B29-F687-4f45-9708-019B960494DF}">
-                  <a14:hiddenLine xmlns:a14="http://schemas.microsoft.com/office/drawing/2010/main" xmlns="" w="9525">
+                  <a14:hiddenLine xmlns="" xmlns:a14="http://schemas.microsoft.com/office/drawing/2010/main" w="9525">
                     <a:solidFill>
                       <a:srgbClr val="000000"/>
                     </a:solidFill>
@@ -10532,7 +10537,7 @@
               </a:ln>
               <a:extLst>
                 <a:ext uri="{91240B29-F687-4f45-9708-019B960494DF}">
-                  <a14:hiddenLine xmlns:a14="http://schemas.microsoft.com/office/drawing/2010/main" xmlns="" w="9525">
+                  <a14:hiddenLine xmlns="" xmlns:a14="http://schemas.microsoft.com/office/drawing/2010/main" w="9525">
                     <a:solidFill>
                       <a:srgbClr val="000000"/>
                     </a:solidFill>
@@ -10622,7 +10627,7 @@
               </a:ln>
               <a:extLst>
                 <a:ext uri="{91240B29-F687-4f45-9708-019B960494DF}">
-                  <a14:hiddenLine xmlns:a14="http://schemas.microsoft.com/office/drawing/2010/main" xmlns="" w="9525">
+                  <a14:hiddenLine xmlns="" xmlns:a14="http://schemas.microsoft.com/office/drawing/2010/main" w="9525">
                     <a:solidFill>
                       <a:srgbClr val="000000"/>
                     </a:solidFill>
@@ -10687,7 +10692,7 @@
               </a:ln>
               <a:extLst>
                 <a:ext uri="{91240B29-F687-4f45-9708-019B960494DF}">
-                  <a14:hiddenLine xmlns:a14="http://schemas.microsoft.com/office/drawing/2010/main" xmlns="" w="9525">
+                  <a14:hiddenLine xmlns="" xmlns:a14="http://schemas.microsoft.com/office/drawing/2010/main" w="9525">
                     <a:solidFill>
                       <a:srgbClr val="000000"/>
                     </a:solidFill>
@@ -10749,7 +10754,7 @@
               </a:ln>
               <a:extLst>
                 <a:ext uri="{91240B29-F687-4f45-9708-019B960494DF}">
-                  <a14:hiddenLine xmlns:a14="http://schemas.microsoft.com/office/drawing/2010/main" xmlns="" w="9525">
+                  <a14:hiddenLine xmlns="" xmlns:a14="http://schemas.microsoft.com/office/drawing/2010/main" w="9525">
                     <a:solidFill>
                       <a:srgbClr val="000000"/>
                     </a:solidFill>
@@ -10839,7 +10844,7 @@
               </a:ln>
               <a:extLst>
                 <a:ext uri="{91240B29-F687-4f45-9708-019B960494DF}">
-                  <a14:hiddenLine xmlns:a14="http://schemas.microsoft.com/office/drawing/2010/main" xmlns="" w="9525">
+                  <a14:hiddenLine xmlns="" xmlns:a14="http://schemas.microsoft.com/office/drawing/2010/main" w="9525">
                     <a:solidFill>
                       <a:srgbClr val="000000"/>
                     </a:solidFill>
@@ -10929,7 +10934,7 @@
               </a:ln>
               <a:extLst>
                 <a:ext uri="{91240B29-F687-4f45-9708-019B960494DF}">
-                  <a14:hiddenLine xmlns:a14="http://schemas.microsoft.com/office/drawing/2010/main" xmlns="" w="9525">
+                  <a14:hiddenLine xmlns="" xmlns:a14="http://schemas.microsoft.com/office/drawing/2010/main" w="9525">
                     <a:solidFill>
                       <a:srgbClr val="000000"/>
                     </a:solidFill>
@@ -10994,7 +10999,7 @@
               </a:ln>
               <a:extLst>
                 <a:ext uri="{91240B29-F687-4f45-9708-019B960494DF}">
-                  <a14:hiddenLine xmlns:a14="http://schemas.microsoft.com/office/drawing/2010/main" xmlns="" w="9525">
+                  <a14:hiddenLine xmlns="" xmlns:a14="http://schemas.microsoft.com/office/drawing/2010/main" w="9525">
                     <a:solidFill>
                       <a:srgbClr val="000000"/>
                     </a:solidFill>
@@ -11114,7 +11119,7 @@
               </a:ln>
               <a:extLst>
                 <a:ext uri="{91240B29-F687-4f45-9708-019B960494DF}">
-                  <a14:hiddenLine xmlns:a14="http://schemas.microsoft.com/office/drawing/2010/main" xmlns="" w="9525">
+                  <a14:hiddenLine xmlns="" xmlns:a14="http://schemas.microsoft.com/office/drawing/2010/main" w="9525">
                     <a:solidFill>
                       <a:srgbClr val="000000"/>
                     </a:solidFill>
@@ -11212,7 +11217,7 @@
               </a:ln>
               <a:extLst>
                 <a:ext uri="{91240B29-F687-4f45-9708-019B960494DF}">
-                  <a14:hiddenLine xmlns:a14="http://schemas.microsoft.com/office/drawing/2010/main" xmlns="" w="9525">
+                  <a14:hiddenLine xmlns="" xmlns:a14="http://schemas.microsoft.com/office/drawing/2010/main" w="9525">
                     <a:solidFill>
                       <a:srgbClr val="000000"/>
                     </a:solidFill>
@@ -11327,7 +11332,7 @@
               </a:ln>
               <a:extLst>
                 <a:ext uri="{91240B29-F687-4f45-9708-019B960494DF}">
-                  <a14:hiddenLine xmlns:a14="http://schemas.microsoft.com/office/drawing/2010/main" xmlns="" w="9525">
+                  <a14:hiddenLine xmlns="" xmlns:a14="http://schemas.microsoft.com/office/drawing/2010/main" w="9525">
                     <a:solidFill>
                       <a:srgbClr val="000000"/>
                     </a:solidFill>
@@ -11417,7 +11422,7 @@
               </a:ln>
               <a:extLst>
                 <a:ext uri="{91240B29-F687-4f45-9708-019B960494DF}">
-                  <a14:hiddenLine xmlns:a14="http://schemas.microsoft.com/office/drawing/2010/main" xmlns="" w="9525">
+                  <a14:hiddenLine xmlns="" xmlns:a14="http://schemas.microsoft.com/office/drawing/2010/main" w="9525">
                     <a:solidFill>
                       <a:srgbClr val="000000"/>
                     </a:solidFill>
@@ -11482,7 +11487,7 @@
               </a:ln>
               <a:extLst>
                 <a:ext uri="{91240B29-F687-4f45-9708-019B960494DF}">
-                  <a14:hiddenLine xmlns:a14="http://schemas.microsoft.com/office/drawing/2010/main" xmlns="" w="9525">
+                  <a14:hiddenLine xmlns="" xmlns:a14="http://schemas.microsoft.com/office/drawing/2010/main" w="9525">
                     <a:solidFill>
                       <a:srgbClr val="000000"/>
                     </a:solidFill>
@@ -11572,7 +11577,7 @@
               </a:ln>
               <a:extLst>
                 <a:ext uri="{91240B29-F687-4f45-9708-019B960494DF}">
-                  <a14:hiddenLine xmlns:a14="http://schemas.microsoft.com/office/drawing/2010/main" xmlns="" w="9525">
+                  <a14:hiddenLine xmlns="" xmlns:a14="http://schemas.microsoft.com/office/drawing/2010/main" w="9525">
                     <a:solidFill>
                       <a:srgbClr val="000000"/>
                     </a:solidFill>
@@ -11640,7 +11645,7 @@
               </a:ln>
               <a:extLst>
                 <a:ext uri="{91240B29-F687-4f45-9708-019B960494DF}">
-                  <a14:hiddenLine xmlns:a14="http://schemas.microsoft.com/office/drawing/2010/main" xmlns="" w="9525">
+                  <a14:hiddenLine xmlns="" xmlns:a14="http://schemas.microsoft.com/office/drawing/2010/main" w="9525">
                     <a:solidFill>
                       <a:srgbClr val="000000"/>
                     </a:solidFill>
@@ -11730,7 +11735,7 @@
               </a:ln>
               <a:extLst>
                 <a:ext uri="{91240B29-F687-4f45-9708-019B960494DF}">
-                  <a14:hiddenLine xmlns:a14="http://schemas.microsoft.com/office/drawing/2010/main" xmlns="" w="9525">
+                  <a14:hiddenLine xmlns="" xmlns:a14="http://schemas.microsoft.com/office/drawing/2010/main" w="9525">
                     <a:solidFill>
                       <a:srgbClr val="000000"/>
                     </a:solidFill>
@@ -11798,7 +11803,7 @@
               </a:ln>
               <a:extLst>
                 <a:ext uri="{91240B29-F687-4f45-9708-019B960494DF}">
-                  <a14:hiddenLine xmlns:a14="http://schemas.microsoft.com/office/drawing/2010/main" xmlns="" w="9525">
+                  <a14:hiddenLine xmlns="" xmlns:a14="http://schemas.microsoft.com/office/drawing/2010/main" w="9525">
                     <a:solidFill>
                       <a:srgbClr val="000000"/>
                     </a:solidFill>
@@ -11888,7 +11893,7 @@
               </a:ln>
               <a:extLst>
                 <a:ext uri="{91240B29-F687-4f45-9708-019B960494DF}">
-                  <a14:hiddenLine xmlns:a14="http://schemas.microsoft.com/office/drawing/2010/main" xmlns="" w="9525">
+                  <a14:hiddenLine xmlns="" xmlns:a14="http://schemas.microsoft.com/office/drawing/2010/main" w="9525">
                     <a:solidFill>
                       <a:srgbClr val="000000"/>
                     </a:solidFill>
@@ -11922,7 +11927,7 @@
               </a:ln>
               <a:extLst>
                 <a:ext uri="{91240B29-F687-4f45-9708-019B960494DF}">
-                  <a14:hiddenLine xmlns:a14="http://schemas.microsoft.com/office/drawing/2010/main" xmlns="" w="9525">
+                  <a14:hiddenLine xmlns="" xmlns:a14="http://schemas.microsoft.com/office/drawing/2010/main" w="9525">
                     <a:solidFill>
                       <a:srgbClr val="000000"/>
                     </a:solidFill>
@@ -12569,9 +12574,25 @@
   <p:cSld>
     <p:bg>
       <p:bgPr>
-        <a:solidFill>
-          <a:schemeClr val="bg1"/>
-        </a:solidFill>
+        <a:blipFill>
+          <a:blip r:embed="rId2">
+            <a:duotone>
+              <a:schemeClr val="bg2">
+                <a:shade val="88000"/>
+                <a:hueMod val="106000"/>
+                <a:satMod val="140000"/>
+                <a:lumMod val="54000"/>
+              </a:schemeClr>
+              <a:schemeClr val="bg2">
+                <a:tint val="98000"/>
+                <a:hueMod val="90000"/>
+                <a:satMod val="150000"/>
+                <a:lumMod val="160000"/>
+              </a:schemeClr>
+            </a:duotone>
+          </a:blip>
+          <a:stretch/>
+        </a:blipFill>
         <a:effectLst/>
       </p:bgPr>
     </p:bg>
@@ -12591,7 +12612,7 @@
       </p:grpSpPr>
       <p:pic>
         <p:nvPicPr>
-          <p:cNvPr id="73" name="Picture 2">
+          <p:cNvPr id="201" name="Picture 2">
             <a:extLst>
               <a:ext uri="{FF2B5EF4-FFF2-40B4-BE49-F238E27FC236}">
                 <a16:creationId xmlns:a16="http://schemas.microsoft.com/office/drawing/2014/main" id="{678E285C-BE9E-45B7-A3EE-B9792DAE9917}"/>
@@ -12613,7 +12634,7 @@
           </p:nvPr>
         </p:nvPicPr>
         <p:blipFill>
-          <a:blip r:embed="rId2">
+          <a:blip r:embed="rId3">
             <a:alphaModFix amt="30000"/>
             <a:extLst>
               <a:ext uri="{28A0092B-C50C-407E-A947-70E740481C1C}">
@@ -12648,7 +12669,7 @@
       </p:pic>
       <p:grpSp>
         <p:nvGrpSpPr>
-          <p:cNvPr id="75" name="Group 74">
+          <p:cNvPr id="203" name="Group 202">
             <a:extLst>
               <a:ext uri="{FF2B5EF4-FFF2-40B4-BE49-F238E27FC236}">
                 <a16:creationId xmlns:a16="http://schemas.microsoft.com/office/drawing/2014/main" id="{AB86F577-8905-4B21-8AF3-C1BB3433775D}"/>
@@ -12694,7 +12715,7 @@
         </p:grpSpPr>
         <p:sp>
           <p:nvSpPr>
-            <p:cNvPr id="76" name="Rectangle 5">
+            <p:cNvPr id="204" name="Rectangle 5">
               <a:extLst>
                 <a:ext uri="{FF2B5EF4-FFF2-40B4-BE49-F238E27FC236}">
                   <a16:creationId xmlns:a16="http://schemas.microsoft.com/office/drawing/2014/main" id="{D2F1CFF3-A579-4D24-B5F9-1C71BA6FE5E8}"/>
@@ -12743,7 +12764,7 @@
         </p:sp>
         <p:sp>
           <p:nvSpPr>
-            <p:cNvPr id="77" name="Freeform 6">
+            <p:cNvPr id="205" name="Freeform 6">
               <a:extLst>
                 <a:ext uri="{FF2B5EF4-FFF2-40B4-BE49-F238E27FC236}">
                   <a16:creationId xmlns:a16="http://schemas.microsoft.com/office/drawing/2014/main" id="{57601B50-7EB1-43FA-8360-4297BCD76328}"/>
@@ -12848,7 +12869,7 @@
         </p:sp>
         <p:sp>
           <p:nvSpPr>
-            <p:cNvPr id="78" name="Freeform 7">
+            <p:cNvPr id="206" name="Freeform 7">
               <a:extLst>
                 <a:ext uri="{FF2B5EF4-FFF2-40B4-BE49-F238E27FC236}">
                   <a16:creationId xmlns:a16="http://schemas.microsoft.com/office/drawing/2014/main" id="{60BD8B7A-CD01-4638-A2C9-299AC68B9B98}"/>
@@ -12953,7 +12974,7 @@
         </p:sp>
         <p:sp>
           <p:nvSpPr>
-            <p:cNvPr id="79" name="Rectangle 8">
+            <p:cNvPr id="207" name="Rectangle 8">
               <a:extLst>
                 <a:ext uri="{FF2B5EF4-FFF2-40B4-BE49-F238E27FC236}">
                   <a16:creationId xmlns:a16="http://schemas.microsoft.com/office/drawing/2014/main" id="{095B58F9-6C29-48BE-9DA6-38550805212F}"/>
@@ -13002,7 +13023,7 @@
         </p:sp>
         <p:sp>
           <p:nvSpPr>
-            <p:cNvPr id="80" name="Freeform 9">
+            <p:cNvPr id="208" name="Freeform 9">
               <a:extLst>
                 <a:ext uri="{FF2B5EF4-FFF2-40B4-BE49-F238E27FC236}">
                   <a16:creationId xmlns:a16="http://schemas.microsoft.com/office/drawing/2014/main" id="{0C84674F-2E8A-4B70-B801-00722CDD5816}"/>
@@ -13107,7 +13128,7 @@
         </p:sp>
         <p:sp>
           <p:nvSpPr>
-            <p:cNvPr id="81" name="Freeform 10">
+            <p:cNvPr id="209" name="Freeform 10">
               <a:extLst>
                 <a:ext uri="{FF2B5EF4-FFF2-40B4-BE49-F238E27FC236}">
                   <a16:creationId xmlns:a16="http://schemas.microsoft.com/office/drawing/2014/main" id="{34F320BB-D6A9-45FE-8556-498B763B1E6F}"/>
@@ -13184,7 +13205,7 @@
         </p:sp>
         <p:sp>
           <p:nvSpPr>
-            <p:cNvPr id="82" name="Freeform 11">
+            <p:cNvPr id="210" name="Freeform 11">
               <a:extLst>
                 <a:ext uri="{FF2B5EF4-FFF2-40B4-BE49-F238E27FC236}">
                   <a16:creationId xmlns:a16="http://schemas.microsoft.com/office/drawing/2014/main" id="{5493D54A-532A-46ED-AF63-A0A54818EF83}"/>
@@ -13261,7 +13282,7 @@
         </p:sp>
         <p:sp>
           <p:nvSpPr>
-            <p:cNvPr id="83" name="Freeform 12">
+            <p:cNvPr id="211" name="Freeform 12">
               <a:extLst>
                 <a:ext uri="{FF2B5EF4-FFF2-40B4-BE49-F238E27FC236}">
                   <a16:creationId xmlns:a16="http://schemas.microsoft.com/office/drawing/2014/main" id="{EAF2EDFA-9C0B-44E2-B4BB-312B58BCA8ED}"/>
@@ -13366,7 +13387,7 @@
         </p:sp>
         <p:sp>
           <p:nvSpPr>
-            <p:cNvPr id="84" name="Freeform 13">
+            <p:cNvPr id="212" name="Freeform 13">
               <a:extLst>
                 <a:ext uri="{FF2B5EF4-FFF2-40B4-BE49-F238E27FC236}">
                   <a16:creationId xmlns:a16="http://schemas.microsoft.com/office/drawing/2014/main" id="{A3641113-CE35-42A4-B605-41BC06BF4F0A}"/>
@@ -13443,7 +13464,7 @@
         </p:sp>
         <p:sp>
           <p:nvSpPr>
-            <p:cNvPr id="85" name="Freeform 14">
+            <p:cNvPr id="213" name="Freeform 14">
               <a:extLst>
                 <a:ext uri="{FF2B5EF4-FFF2-40B4-BE49-F238E27FC236}">
                   <a16:creationId xmlns:a16="http://schemas.microsoft.com/office/drawing/2014/main" id="{DA2E5B2C-BAC4-4440-9B7E-F38783197AB7}"/>
@@ -13520,7 +13541,7 @@
         </p:sp>
         <p:sp>
           <p:nvSpPr>
-            <p:cNvPr id="86" name="Freeform 15">
+            <p:cNvPr id="214" name="Freeform 15">
               <a:extLst>
                 <a:ext uri="{FF2B5EF4-FFF2-40B4-BE49-F238E27FC236}">
                   <a16:creationId xmlns:a16="http://schemas.microsoft.com/office/drawing/2014/main" id="{D8A506DF-2E53-42C9-94BE-B98E32E05782}"/>
@@ -13625,7 +13646,7 @@
         </p:sp>
         <p:sp>
           <p:nvSpPr>
-            <p:cNvPr id="87" name="Freeform 16">
+            <p:cNvPr id="215" name="Freeform 16">
               <a:extLst>
                 <a:ext uri="{FF2B5EF4-FFF2-40B4-BE49-F238E27FC236}">
                   <a16:creationId xmlns:a16="http://schemas.microsoft.com/office/drawing/2014/main" id="{12934FF8-5F70-40BF-BBB6-5EB941FB9BDF}"/>
@@ -13730,7 +13751,7 @@
         </p:sp>
         <p:sp>
           <p:nvSpPr>
-            <p:cNvPr id="88" name="Freeform 17">
+            <p:cNvPr id="216" name="Freeform 17">
               <a:extLst>
                 <a:ext uri="{FF2B5EF4-FFF2-40B4-BE49-F238E27FC236}">
                   <a16:creationId xmlns:a16="http://schemas.microsoft.com/office/drawing/2014/main" id="{8EB3FB08-D01D-4E24-BE40-C16269DF6247}"/>
@@ -13807,7 +13828,7 @@
         </p:sp>
         <p:sp>
           <p:nvSpPr>
-            <p:cNvPr id="89" name="Freeform 18">
+            <p:cNvPr id="217" name="Freeform 18">
               <a:extLst>
                 <a:ext uri="{FF2B5EF4-FFF2-40B4-BE49-F238E27FC236}">
                   <a16:creationId xmlns:a16="http://schemas.microsoft.com/office/drawing/2014/main" id="{D24E50D7-2753-4169-AD51-C106DA1B7A25}"/>
@@ -13932,7 +13953,7 @@
         </p:sp>
         <p:sp>
           <p:nvSpPr>
-            <p:cNvPr id="90" name="Freeform 19">
+            <p:cNvPr id="218" name="Freeform 19">
               <a:extLst>
                 <a:ext uri="{FF2B5EF4-FFF2-40B4-BE49-F238E27FC236}">
                   <a16:creationId xmlns:a16="http://schemas.microsoft.com/office/drawing/2014/main" id="{DF94B7E0-D9B6-4096-94D0-18D3AC0EF611}"/>
@@ -14009,7 +14030,7 @@
         </p:sp>
         <p:sp>
           <p:nvSpPr>
-            <p:cNvPr id="91" name="Freeform 20">
+            <p:cNvPr id="219" name="Freeform 20">
               <a:extLst>
                 <a:ext uri="{FF2B5EF4-FFF2-40B4-BE49-F238E27FC236}">
                   <a16:creationId xmlns:a16="http://schemas.microsoft.com/office/drawing/2014/main" id="{EBC05ADE-BBA2-4387-B005-3196E2E19826}"/>
@@ -14114,7 +14135,7 @@
         </p:sp>
         <p:sp>
           <p:nvSpPr>
-            <p:cNvPr id="92" name="Freeform 21">
+            <p:cNvPr id="220" name="Freeform 21">
               <a:extLst>
                 <a:ext uri="{FF2B5EF4-FFF2-40B4-BE49-F238E27FC236}">
                   <a16:creationId xmlns:a16="http://schemas.microsoft.com/office/drawing/2014/main" id="{BBED1CEE-14D2-442F-AB08-401ABE3EFBD8}"/>
@@ -14219,7 +14240,7 @@
         </p:sp>
         <p:sp>
           <p:nvSpPr>
-            <p:cNvPr id="93" name="Freeform 22">
+            <p:cNvPr id="221" name="Freeform 22">
               <a:extLst>
                 <a:ext uri="{FF2B5EF4-FFF2-40B4-BE49-F238E27FC236}">
                   <a16:creationId xmlns:a16="http://schemas.microsoft.com/office/drawing/2014/main" id="{4F6574C0-78E8-49EA-84BC-EE9D55707F21}"/>
@@ -14296,7 +14317,7 @@
         </p:sp>
         <p:sp>
           <p:nvSpPr>
-            <p:cNvPr id="94" name="Freeform 23">
+            <p:cNvPr id="222" name="Freeform 23">
               <a:extLst>
                 <a:ext uri="{FF2B5EF4-FFF2-40B4-BE49-F238E27FC236}">
                   <a16:creationId xmlns:a16="http://schemas.microsoft.com/office/drawing/2014/main" id="{65BCDB0B-615E-4CA1-AFD5-6B121CB7CEB6}"/>
@@ -14401,7 +14422,7 @@
         </p:sp>
         <p:sp>
           <p:nvSpPr>
-            <p:cNvPr id="95" name="Freeform 24">
+            <p:cNvPr id="223" name="Freeform 24">
               <a:extLst>
                 <a:ext uri="{FF2B5EF4-FFF2-40B4-BE49-F238E27FC236}">
                   <a16:creationId xmlns:a16="http://schemas.microsoft.com/office/drawing/2014/main" id="{40627863-B7FC-44D1-9E53-E728FFF675AF}"/>
@@ -14506,7 +14527,7 @@
         </p:sp>
         <p:sp>
           <p:nvSpPr>
-            <p:cNvPr id="96" name="Freeform 25">
+            <p:cNvPr id="224" name="Freeform 25">
               <a:extLst>
                 <a:ext uri="{FF2B5EF4-FFF2-40B4-BE49-F238E27FC236}">
                   <a16:creationId xmlns:a16="http://schemas.microsoft.com/office/drawing/2014/main" id="{52FD6F8C-3AF1-487E-91F4-6E55146F1F26}"/>
@@ -14577,7 +14598,7 @@
         </p:sp>
         <p:sp>
           <p:nvSpPr>
-            <p:cNvPr id="97" name="Freeform 26">
+            <p:cNvPr id="225" name="Freeform 26">
               <a:extLst>
                 <a:ext uri="{FF2B5EF4-FFF2-40B4-BE49-F238E27FC236}">
                   <a16:creationId xmlns:a16="http://schemas.microsoft.com/office/drawing/2014/main" id="{50323CF3-93CB-4E03-95C0-B180BB87A86D}"/>
@@ -14682,7 +14703,7 @@
         </p:sp>
         <p:sp>
           <p:nvSpPr>
-            <p:cNvPr id="98" name="Freeform 27">
+            <p:cNvPr id="226" name="Freeform 27">
               <a:extLst>
                 <a:ext uri="{FF2B5EF4-FFF2-40B4-BE49-F238E27FC236}">
                   <a16:creationId xmlns:a16="http://schemas.microsoft.com/office/drawing/2014/main" id="{EB47D82F-CF1B-47E6-9FA2-F3A9C5F945B8}"/>
@@ -14753,7 +14774,7 @@
         </p:sp>
         <p:sp>
           <p:nvSpPr>
-            <p:cNvPr id="99" name="Freeform 28">
+            <p:cNvPr id="227" name="Freeform 28">
               <a:extLst>
                 <a:ext uri="{FF2B5EF4-FFF2-40B4-BE49-F238E27FC236}">
                   <a16:creationId xmlns:a16="http://schemas.microsoft.com/office/drawing/2014/main" id="{0606708F-F2D4-4678-8ED2-39041BC64D7D}"/>
@@ -14858,7 +14879,7 @@
         </p:sp>
         <p:sp>
           <p:nvSpPr>
-            <p:cNvPr id="100" name="Freeform 29">
+            <p:cNvPr id="228" name="Freeform 29">
               <a:extLst>
                 <a:ext uri="{FF2B5EF4-FFF2-40B4-BE49-F238E27FC236}">
                   <a16:creationId xmlns:a16="http://schemas.microsoft.com/office/drawing/2014/main" id="{D7EB95B4-15E4-433D-B36F-21FF341AD9A1}"/>
@@ -14941,7 +14962,7 @@
         </p:sp>
         <p:sp>
           <p:nvSpPr>
-            <p:cNvPr id="101" name="Freeform 30">
+            <p:cNvPr id="229" name="Freeform 30">
               <a:extLst>
                 <a:ext uri="{FF2B5EF4-FFF2-40B4-BE49-F238E27FC236}">
                   <a16:creationId xmlns:a16="http://schemas.microsoft.com/office/drawing/2014/main" id="{500A541B-4C75-497C-A489-097ED29964FE}"/>
@@ -15046,7 +15067,7 @@
         </p:sp>
         <p:sp>
           <p:nvSpPr>
-            <p:cNvPr id="102" name="Freeform 31">
+            <p:cNvPr id="230" name="Freeform 31">
               <a:extLst>
                 <a:ext uri="{FF2B5EF4-FFF2-40B4-BE49-F238E27FC236}">
                   <a16:creationId xmlns:a16="http://schemas.microsoft.com/office/drawing/2014/main" id="{5789326F-12A4-48B8-B0ED-A6A2AE0C2778}"/>
@@ -15129,7 +15150,7 @@
         </p:sp>
         <p:sp>
           <p:nvSpPr>
-            <p:cNvPr id="103" name="Freeform 32">
+            <p:cNvPr id="231" name="Freeform 32">
               <a:extLst>
                 <a:ext uri="{FF2B5EF4-FFF2-40B4-BE49-F238E27FC236}">
                   <a16:creationId xmlns:a16="http://schemas.microsoft.com/office/drawing/2014/main" id="{25FA672E-2B65-477F-AA75-6261CE652F25}"/>
@@ -15234,7 +15255,7 @@
         </p:sp>
         <p:sp>
           <p:nvSpPr>
-            <p:cNvPr id="104" name="Rectangle 33">
+            <p:cNvPr id="232" name="Rectangle 33">
               <a:extLst>
                 <a:ext uri="{FF2B5EF4-FFF2-40B4-BE49-F238E27FC236}">
                   <a16:creationId xmlns:a16="http://schemas.microsoft.com/office/drawing/2014/main" id="{BB09AF8D-E68B-499C-B9F5-2F365813D3C0}"/>
@@ -15283,7 +15304,7 @@
         </p:sp>
         <p:sp>
           <p:nvSpPr>
-            <p:cNvPr id="105" name="Freeform 34">
+            <p:cNvPr id="233" name="Freeform 34">
               <a:extLst>
                 <a:ext uri="{FF2B5EF4-FFF2-40B4-BE49-F238E27FC236}">
                   <a16:creationId xmlns:a16="http://schemas.microsoft.com/office/drawing/2014/main" id="{7991AEAD-B5F3-47BA-9F1B-86C16A84AD39}"/>
@@ -15388,7 +15409,7 @@
         </p:sp>
         <p:sp>
           <p:nvSpPr>
-            <p:cNvPr id="106" name="Freeform 35">
+            <p:cNvPr id="234" name="Freeform 35">
               <a:extLst>
                 <a:ext uri="{FF2B5EF4-FFF2-40B4-BE49-F238E27FC236}">
                   <a16:creationId xmlns:a16="http://schemas.microsoft.com/office/drawing/2014/main" id="{19A85F58-4C3A-4388-B55C-2329EEAECF0E}"/>
@@ -15465,7 +15486,7 @@
         </p:sp>
         <p:sp>
           <p:nvSpPr>
-            <p:cNvPr id="107" name="Freeform 36">
+            <p:cNvPr id="235" name="Freeform 36">
               <a:extLst>
                 <a:ext uri="{FF2B5EF4-FFF2-40B4-BE49-F238E27FC236}">
                   <a16:creationId xmlns:a16="http://schemas.microsoft.com/office/drawing/2014/main" id="{05652F38-94D9-41B7-A699-7E8F0C78D8C4}"/>
@@ -15542,7 +15563,7 @@
         </p:sp>
         <p:sp>
           <p:nvSpPr>
-            <p:cNvPr id="108" name="Freeform 37">
+            <p:cNvPr id="236" name="Freeform 37">
               <a:extLst>
                 <a:ext uri="{FF2B5EF4-FFF2-40B4-BE49-F238E27FC236}">
                   <a16:creationId xmlns:a16="http://schemas.microsoft.com/office/drawing/2014/main" id="{3C043852-C250-4518-BB89-C91A349171DC}"/>
@@ -15647,7 +15668,7 @@
         </p:sp>
         <p:sp>
           <p:nvSpPr>
-            <p:cNvPr id="109" name="Freeform 38">
+            <p:cNvPr id="237" name="Freeform 38">
               <a:extLst>
                 <a:ext uri="{FF2B5EF4-FFF2-40B4-BE49-F238E27FC236}">
                   <a16:creationId xmlns:a16="http://schemas.microsoft.com/office/drawing/2014/main" id="{0CAB9A07-ECF2-416C-8528-F75DACB13822}"/>
@@ -15730,7 +15751,7 @@
         </p:sp>
         <p:sp>
           <p:nvSpPr>
-            <p:cNvPr id="110" name="Freeform 39">
+            <p:cNvPr id="238" name="Freeform 39">
               <a:extLst>
                 <a:ext uri="{FF2B5EF4-FFF2-40B4-BE49-F238E27FC236}">
                   <a16:creationId xmlns:a16="http://schemas.microsoft.com/office/drawing/2014/main" id="{904A314C-A829-4AA6-92E2-529BCCF95C93}"/>
@@ -15807,7 +15828,7 @@
         </p:sp>
         <p:sp>
           <p:nvSpPr>
-            <p:cNvPr id="111" name="Freeform 40">
+            <p:cNvPr id="239" name="Freeform 40">
               <a:extLst>
                 <a:ext uri="{FF2B5EF4-FFF2-40B4-BE49-F238E27FC236}">
                   <a16:creationId xmlns:a16="http://schemas.microsoft.com/office/drawing/2014/main" id="{244EE6BA-4569-43ED-9E2E-1FB66201B7EB}"/>
@@ -15912,7 +15933,7 @@
         </p:sp>
         <p:sp>
           <p:nvSpPr>
-            <p:cNvPr id="112" name="Freeform 41">
+            <p:cNvPr id="240" name="Freeform 41">
               <a:extLst>
                 <a:ext uri="{FF2B5EF4-FFF2-40B4-BE49-F238E27FC236}">
                   <a16:creationId xmlns:a16="http://schemas.microsoft.com/office/drawing/2014/main" id="{BEB8252E-FB2A-4BB5-BEC6-CA10FF6F7CAA}"/>
@@ -15989,7 +16010,7 @@
         </p:sp>
         <p:sp>
           <p:nvSpPr>
-            <p:cNvPr id="113" name="Freeform 42">
+            <p:cNvPr id="241" name="Freeform 42">
               <a:extLst>
                 <a:ext uri="{FF2B5EF4-FFF2-40B4-BE49-F238E27FC236}">
                   <a16:creationId xmlns:a16="http://schemas.microsoft.com/office/drawing/2014/main" id="{91414711-C3A4-4E96-854A-DDDEB2F2E3E8}"/>
@@ -16094,7 +16115,7 @@
         </p:sp>
         <p:sp>
           <p:nvSpPr>
-            <p:cNvPr id="114" name="Freeform 43">
+            <p:cNvPr id="242" name="Freeform 43">
               <a:extLst>
                 <a:ext uri="{FF2B5EF4-FFF2-40B4-BE49-F238E27FC236}">
                   <a16:creationId xmlns:a16="http://schemas.microsoft.com/office/drawing/2014/main" id="{86815BA8-3055-4B42-98C3-4202FD92E0D0}"/>
@@ -16171,7 +16192,7 @@
         </p:sp>
         <p:sp>
           <p:nvSpPr>
-            <p:cNvPr id="115" name="Freeform 44">
+            <p:cNvPr id="243" name="Freeform 44">
               <a:extLst>
                 <a:ext uri="{FF2B5EF4-FFF2-40B4-BE49-F238E27FC236}">
                   <a16:creationId xmlns:a16="http://schemas.microsoft.com/office/drawing/2014/main" id="{44457813-E991-44AE-9A83-B7488D1F362B}"/>
@@ -16276,7 +16297,7 @@
         </p:sp>
         <p:sp>
           <p:nvSpPr>
-            <p:cNvPr id="116" name="Rectangle 45">
+            <p:cNvPr id="244" name="Rectangle 45">
               <a:extLst>
                 <a:ext uri="{FF2B5EF4-FFF2-40B4-BE49-F238E27FC236}">
                   <a16:creationId xmlns:a16="http://schemas.microsoft.com/office/drawing/2014/main" id="{8CE1CF47-A73F-4560-8835-AE1DC51E5CAE}"/>
@@ -16325,7 +16346,7 @@
         </p:sp>
         <p:sp>
           <p:nvSpPr>
-            <p:cNvPr id="117" name="Freeform 46">
+            <p:cNvPr id="245" name="Freeform 46">
               <a:extLst>
                 <a:ext uri="{FF2B5EF4-FFF2-40B4-BE49-F238E27FC236}">
                   <a16:creationId xmlns:a16="http://schemas.microsoft.com/office/drawing/2014/main" id="{C2A935E4-AACC-4CB9-995E-D28617887316}"/>
@@ -16405,7 +16426,7 @@
         </p:sp>
         <p:sp>
           <p:nvSpPr>
-            <p:cNvPr id="118" name="Freeform 47">
+            <p:cNvPr id="246" name="Freeform 47">
               <a:extLst>
                 <a:ext uri="{FF2B5EF4-FFF2-40B4-BE49-F238E27FC236}">
                   <a16:creationId xmlns:a16="http://schemas.microsoft.com/office/drawing/2014/main" id="{93B5B778-8ACB-4004-932D-BD95997BAEFF}"/>
@@ -16510,7 +16531,7 @@
         </p:sp>
         <p:sp>
           <p:nvSpPr>
-            <p:cNvPr id="119" name="Freeform 48">
+            <p:cNvPr id="247" name="Freeform 48">
               <a:extLst>
                 <a:ext uri="{FF2B5EF4-FFF2-40B4-BE49-F238E27FC236}">
                   <a16:creationId xmlns:a16="http://schemas.microsoft.com/office/drawing/2014/main" id="{1434AF34-0919-40AD-84B1-446D4FF2D6D3}"/>
@@ -16587,7 +16608,7 @@
         </p:sp>
         <p:sp>
           <p:nvSpPr>
-            <p:cNvPr id="120" name="Freeform 49">
+            <p:cNvPr id="248" name="Freeform 49">
               <a:extLst>
                 <a:ext uri="{FF2B5EF4-FFF2-40B4-BE49-F238E27FC236}">
                   <a16:creationId xmlns:a16="http://schemas.microsoft.com/office/drawing/2014/main" id="{29546CF3-6DDD-4073-AB7F-C6E722257AAC}"/>
@@ -16692,7 +16713,7 @@
         </p:sp>
         <p:sp>
           <p:nvSpPr>
-            <p:cNvPr id="121" name="Freeform 50">
+            <p:cNvPr id="249" name="Freeform 50">
               <a:extLst>
                 <a:ext uri="{FF2B5EF4-FFF2-40B4-BE49-F238E27FC236}">
                   <a16:creationId xmlns:a16="http://schemas.microsoft.com/office/drawing/2014/main" id="{289D46AB-128A-477F-B6C9-F40F115D6CEB}"/>
@@ -16797,7 +16818,7 @@
         </p:sp>
         <p:sp>
           <p:nvSpPr>
-            <p:cNvPr id="122" name="Freeform 51">
+            <p:cNvPr id="250" name="Freeform 51">
               <a:extLst>
                 <a:ext uri="{FF2B5EF4-FFF2-40B4-BE49-F238E27FC236}">
                   <a16:creationId xmlns:a16="http://schemas.microsoft.com/office/drawing/2014/main" id="{A7DA7E67-3368-44AD-AACD-EB64AE34870B}"/>
@@ -16877,7 +16898,7 @@
         </p:sp>
         <p:sp>
           <p:nvSpPr>
-            <p:cNvPr id="123" name="Freeform 52">
+            <p:cNvPr id="251" name="Freeform 52">
               <a:extLst>
                 <a:ext uri="{FF2B5EF4-FFF2-40B4-BE49-F238E27FC236}">
                   <a16:creationId xmlns:a16="http://schemas.microsoft.com/office/drawing/2014/main" id="{78BB1152-AB85-4AD8-BBA1-07CEA1F50817}"/>
@@ -16954,7 +16975,7 @@
         </p:sp>
         <p:sp>
           <p:nvSpPr>
-            <p:cNvPr id="124" name="Freeform 53">
+            <p:cNvPr id="252" name="Freeform 53">
               <a:extLst>
                 <a:ext uri="{FF2B5EF4-FFF2-40B4-BE49-F238E27FC236}">
                   <a16:creationId xmlns:a16="http://schemas.microsoft.com/office/drawing/2014/main" id="{A982E7F2-DD68-4093-B9C5-3E42B475AB44}"/>
@@ -17059,7 +17080,7 @@
         </p:sp>
         <p:sp>
           <p:nvSpPr>
-            <p:cNvPr id="125" name="Freeform 54">
+            <p:cNvPr id="253" name="Freeform 54">
               <a:extLst>
                 <a:ext uri="{FF2B5EF4-FFF2-40B4-BE49-F238E27FC236}">
                   <a16:creationId xmlns:a16="http://schemas.microsoft.com/office/drawing/2014/main" id="{A682E224-4CD6-420B-897A-B23D50B82EDA}"/>
@@ -17164,7 +17185,7 @@
         </p:sp>
         <p:sp>
           <p:nvSpPr>
-            <p:cNvPr id="126" name="Freeform 55">
+            <p:cNvPr id="254" name="Freeform 55">
               <a:extLst>
                 <a:ext uri="{FF2B5EF4-FFF2-40B4-BE49-F238E27FC236}">
                   <a16:creationId xmlns:a16="http://schemas.microsoft.com/office/drawing/2014/main" id="{31B90F10-06CD-480E-8D35-6E0FFFB8945B}"/>
@@ -17241,7 +17262,7 @@
         </p:sp>
         <p:sp>
           <p:nvSpPr>
-            <p:cNvPr id="127" name="Freeform 56">
+            <p:cNvPr id="255" name="Freeform 56">
               <a:extLst>
                 <a:ext uri="{FF2B5EF4-FFF2-40B4-BE49-F238E27FC236}">
                   <a16:creationId xmlns:a16="http://schemas.microsoft.com/office/drawing/2014/main" id="{7BC977DB-69B0-4D8D-B77C-E1127EC41724}"/>
@@ -17376,7 +17397,7 @@
         </p:sp>
         <p:sp>
           <p:nvSpPr>
-            <p:cNvPr id="128" name="Freeform 57">
+            <p:cNvPr id="256" name="Freeform 57">
               <a:extLst>
                 <a:ext uri="{FF2B5EF4-FFF2-40B4-BE49-F238E27FC236}">
                   <a16:creationId xmlns:a16="http://schemas.microsoft.com/office/drawing/2014/main" id="{24127454-3FCB-41D6-ACFB-81D7E05A7925}"/>
@@ -17459,5044 +17480,10 @@
         </p:sp>
         <p:sp>
           <p:nvSpPr>
-            <p:cNvPr id="129" name="Freeform 58">
+            <p:cNvPr id="257" name="Freeform 58">
               <a:extLst>
                 <a:ext uri="{FF2B5EF4-FFF2-40B4-BE49-F238E27FC236}">
                   <a16:creationId xmlns:a16="http://schemas.microsoft.com/office/drawing/2014/main" id="{7AA80D42-B8A8-475B-ADBF-99719CE9FE53}"/>
-                </a:ext>
-                <a:ext uri="{C183D7F6-B498-43B3-948B-1728B52AA6E4}">
-                  <adec:decorative xmlns:adec="http://schemas.microsoft.com/office/drawing/2017/decorative" val="1"/>
-                </a:ext>
-              </a:extLst>
-            </p:cNvPr>
-            <p:cNvSpPr>
-              <a:spLocks noEditPoints="1"/>
-            </p:cNvSpPr>
-            <p:nvPr>
-              <p:extLst>
-                <p:ext uri="{386F3935-93C4-4BCD-93E2-E3B085C9AB24}">
-                  <p16:designElem xmlns:p16="http://schemas.microsoft.com/office/powerpoint/2015/main" val="1"/>
-                </p:ext>
-              </p:extLst>
-            </p:nvPr>
-          </p:nvSpPr>
-          <p:spPr bwMode="auto">
-            <a:xfrm>
-              <a:off x="633413" y="5103813"/>
-              <a:ext cx="185738" cy="185738"/>
-            </a:xfrm>
-            <a:custGeom>
-              <a:avLst/>
-              <a:gdLst/>
-              <a:ahLst/>
-              <a:cxnLst/>
-              <a:rect l="0" t="0" r="r" b="b"/>
-              <a:pathLst>
-                <a:path w="39" h="39">
-                  <a:moveTo>
-                    <a:pt x="20" y="39"/>
-                  </a:moveTo>
-                  <a:cubicBezTo>
-                    <a:pt x="9" y="39"/>
-                    <a:pt x="0" y="30"/>
-                    <a:pt x="0" y="19"/>
-                  </a:cubicBezTo>
-                  <a:cubicBezTo>
-                    <a:pt x="0" y="9"/>
-                    <a:pt x="9" y="0"/>
-                    <a:pt x="20" y="0"/>
-                  </a:cubicBezTo>
-                  <a:cubicBezTo>
-                    <a:pt x="30" y="0"/>
-                    <a:pt x="39" y="9"/>
-                    <a:pt x="39" y="19"/>
-                  </a:cubicBezTo>
-                  <a:cubicBezTo>
-                    <a:pt x="39" y="30"/>
-                    <a:pt x="30" y="39"/>
-                    <a:pt x="20" y="39"/>
-                  </a:cubicBezTo>
-                  <a:close/>
-                  <a:moveTo>
-                    <a:pt x="20" y="4"/>
-                  </a:moveTo>
-                  <a:cubicBezTo>
-                    <a:pt x="11" y="4"/>
-                    <a:pt x="4" y="11"/>
-                    <a:pt x="4" y="19"/>
-                  </a:cubicBezTo>
-                  <a:cubicBezTo>
-                    <a:pt x="4" y="28"/>
-                    <a:pt x="11" y="35"/>
-                    <a:pt x="20" y="35"/>
-                  </a:cubicBezTo>
-                  <a:cubicBezTo>
-                    <a:pt x="28" y="35"/>
-                    <a:pt x="35" y="28"/>
-                    <a:pt x="35" y="19"/>
-                  </a:cubicBezTo>
-                  <a:cubicBezTo>
-                    <a:pt x="35" y="11"/>
-                    <a:pt x="28" y="4"/>
-                    <a:pt x="20" y="4"/>
-                  </a:cubicBezTo>
-                  <a:close/>
-                </a:path>
-              </a:pathLst>
-            </a:custGeom>
-            <a:grpFill/>
-            <a:ln>
-              <a:noFill/>
-            </a:ln>
-            <a:extLst>
-              <a:ext uri="{91240B29-F687-4f45-9708-019B960494DF}">
-                <a14:hiddenLine xmlns="" xmlns:a16="http://schemas.microsoft.com/office/drawing/2014/main" xmlns:p14="http://schemas.microsoft.com/office/powerpoint/2010/main" xmlns:a14="http://schemas.microsoft.com/office/drawing/2010/main" w="9525">
-                  <a:solidFill>
-                    <a:srgbClr val="000000"/>
-                  </a:solidFill>
-                  <a:round/>
-                  <a:headEnd/>
-                  <a:tailEnd/>
-                </a14:hiddenLine>
-              </a:ext>
-            </a:extLst>
-          </p:spPr>
-        </p:sp>
-      </p:grpSp>
-      <p:sp>
-        <p:nvSpPr>
-          <p:cNvPr id="131" name="Rectangle 130">
-            <a:extLst>
-              <a:ext uri="{FF2B5EF4-FFF2-40B4-BE49-F238E27FC236}">
-                <a16:creationId xmlns:a16="http://schemas.microsoft.com/office/drawing/2014/main" id="{34106153-7990-4956-BD26-A04A030064E7}"/>
-              </a:ext>
-              <a:ext uri="{C183D7F6-B498-43B3-948B-1728B52AA6E4}">
-                <adec:decorative xmlns:adec="http://schemas.microsoft.com/office/drawing/2017/decorative" val="1"/>
-              </a:ext>
-            </a:extLst>
-          </p:cNvPr>
-          <p:cNvSpPr>
-            <a:spLocks noGrp="1" noRot="1" noChangeAspect="1" noMove="1" noResize="1" noEditPoints="1" noAdjustHandles="1" noChangeArrowheads="1" noChangeShapeType="1" noTextEdit="1"/>
-          </p:cNvSpPr>
-          <p:nvPr>
-            <p:extLst>
-              <p:ext uri="{386F3935-93C4-4BCD-93E2-E3B085C9AB24}">
-                <p16:designElem xmlns:p16="http://schemas.microsoft.com/office/powerpoint/2015/main" val="1"/>
-              </p:ext>
-            </p:extLst>
-          </p:nvPr>
-        </p:nvSpPr>
-        <p:spPr>
-          <a:xfrm>
-            <a:off x="0" y="0"/>
-            <a:ext cx="12192000" cy="6858000"/>
-          </a:xfrm>
-          <a:prstGeom prst="rect">
-            <a:avLst/>
-          </a:prstGeom>
-          <a:ln>
-            <a:noFill/>
-          </a:ln>
-        </p:spPr>
-        <p:style>
-          <a:lnRef idx="2">
-            <a:schemeClr val="accent1">
-              <a:shade val="50000"/>
-            </a:schemeClr>
-          </a:lnRef>
-          <a:fillRef idx="1003">
-            <a:schemeClr val="dk2"/>
-          </a:fillRef>
-          <a:effectRef idx="0">
-            <a:schemeClr val="accent1"/>
-          </a:effectRef>
-          <a:fontRef idx="minor">
-            <a:schemeClr val="lt1"/>
-          </a:fontRef>
-        </p:style>
-        <p:txBody>
-          <a:bodyPr rtlCol="0" anchor="ctr"/>
-          <a:lstStyle/>
-          <a:p>
-            <a:pPr algn="ctr"/>
-            <a:endParaRPr lang="en-US"/>
-          </a:p>
-        </p:txBody>
-      </p:sp>
-      <p:pic>
-        <p:nvPicPr>
-          <p:cNvPr id="133" name="Picture 2">
-            <a:extLst>
-              <a:ext uri="{FF2B5EF4-FFF2-40B4-BE49-F238E27FC236}">
-                <a16:creationId xmlns:a16="http://schemas.microsoft.com/office/drawing/2014/main" id="{BDEA11A5-20BA-4650-A324-47C0465FF5A4}"/>
-              </a:ext>
-              <a:ext uri="{C183D7F6-B498-43B3-948B-1728B52AA6E4}">
-                <adec:decorative xmlns:adec="http://schemas.microsoft.com/office/drawing/2017/decorative" val="1"/>
-              </a:ext>
-            </a:extLst>
-          </p:cNvPr>
-          <p:cNvPicPr>
-            <a:picLocks noGrp="1" noRot="1" noChangeAspect="1" noMove="1" noResize="1" noEditPoints="1" noAdjustHandles="1" noChangeArrowheads="1" noChangeShapeType="1" noCrop="1"/>
-          </p:cNvPicPr>
-          <p:nvPr>
-            <p:extLst>
-              <p:ext uri="{386F3935-93C4-4BCD-93E2-E3B085C9AB24}">
-                <p16:designElem xmlns:p16="http://schemas.microsoft.com/office/powerpoint/2015/main" val="1"/>
-              </p:ext>
-            </p:extLst>
-          </p:nvPr>
-        </p:nvPicPr>
-        <p:blipFill>
-          <a:blip r:embed="rId2">
-            <a:alphaModFix amt="30000"/>
-            <a:extLst>
-              <a:ext uri="{28A0092B-C50C-407E-A947-70E740481C1C}">
-                <a14:useLocalDpi xmlns:a14="http://schemas.microsoft.com/office/drawing/2010/main" val="0"/>
-              </a:ext>
-            </a:extLst>
-          </a:blip>
-          <a:srcRect/>
-          <a:stretch>
-            <a:fillRect/>
-          </a:stretch>
-        </p:blipFill>
-        <p:spPr bwMode="auto">
-          <a:xfrm>
-            <a:off x="-3" y="-3747"/>
-            <a:ext cx="12192003" cy="6858001"/>
-          </a:xfrm>
-          <a:prstGeom prst="rect">
-            <a:avLst/>
-          </a:prstGeom>
-          <a:noFill/>
-          <a:extLst>
-            <a:ext uri="{909E8E84-426E-40dd-AFC4-6F175D3DCCD1}">
-              <a14:hiddenFill xmlns="" xmlns:a16="http://schemas.microsoft.com/office/drawing/2014/main" xmlns:p14="http://schemas.microsoft.com/office/powerpoint/2010/main" xmlns:a14="http://schemas.microsoft.com/office/drawing/2010/main">
-                <a:solidFill>
-                  <a:srgbClr val="FFFFFF"/>
-                </a:solidFill>
-              </a14:hiddenFill>
-            </a:ext>
-          </a:extLst>
-        </p:spPr>
-      </p:pic>
-      <p:grpSp>
-        <p:nvGrpSpPr>
-          <p:cNvPr id="135" name="Group 134">
-            <a:extLst>
-              <a:ext uri="{FF2B5EF4-FFF2-40B4-BE49-F238E27FC236}">
-                <a16:creationId xmlns:a16="http://schemas.microsoft.com/office/drawing/2014/main" id="{866FCB64-0A37-46EB-8A9B-EC0C4C000AA4}"/>
-              </a:ext>
-              <a:ext uri="{C183D7F6-B498-43B3-948B-1728B52AA6E4}">
-                <adec:decorative xmlns:adec="http://schemas.microsoft.com/office/drawing/2017/decorative" val="1"/>
-              </a:ext>
-            </a:extLst>
-          </p:cNvPr>
-          <p:cNvGrpSpPr>
-            <a:grpSpLocks noGrp="1" noUngrp="1" noRot="1" noChangeAspect="1" noMove="1" noResize="1"/>
-          </p:cNvGrpSpPr>
-          <p:nvPr>
-            <p:extLst>
-              <p:ext uri="{386F3935-93C4-4BCD-93E2-E3B085C9AB24}">
-                <p16:designElem xmlns:p16="http://schemas.microsoft.com/office/powerpoint/2015/main" val="1"/>
-              </p:ext>
-            </p:extLst>
-          </p:nvPr>
-        </p:nvGrpSpPr>
-        <p:grpSpPr>
-          <a:xfrm>
-            <a:off x="0" y="0"/>
-            <a:ext cx="2305051" cy="6858001"/>
-            <a:chOff x="0" y="0"/>
-            <a:chExt cx="2305051" cy="6858001"/>
-          </a:xfrm>
-          <a:gradFill flip="none" rotWithShape="1">
-            <a:gsLst>
-              <a:gs pos="0">
-                <a:schemeClr val="bg2"/>
-              </a:gs>
-              <a:gs pos="100000">
-                <a:schemeClr val="tx2">
-                  <a:lumMod val="60000"/>
-                  <a:lumOff val="40000"/>
-                </a:schemeClr>
-              </a:gs>
-            </a:gsLst>
-            <a:lin ang="5400000" scaled="0"/>
-            <a:tileRect/>
-          </a:gradFill>
-        </p:grpSpPr>
-        <p:sp>
-          <p:nvSpPr>
-            <p:cNvPr id="136" name="Rectangle 5">
-              <a:extLst>
-                <a:ext uri="{FF2B5EF4-FFF2-40B4-BE49-F238E27FC236}">
-                  <a16:creationId xmlns:a16="http://schemas.microsoft.com/office/drawing/2014/main" id="{8A162E18-5BEB-4E42-9B10-A1FDF6A0B8E8}"/>
-                </a:ext>
-                <a:ext uri="{C183D7F6-B498-43B3-948B-1728B52AA6E4}">
-                  <adec:decorative xmlns:adec="http://schemas.microsoft.com/office/drawing/2017/decorative" val="1"/>
-                </a:ext>
-              </a:extLst>
-            </p:cNvPr>
-            <p:cNvSpPr>
-              <a:spLocks noChangeArrowheads="1"/>
-            </p:cNvSpPr>
-            <p:nvPr>
-              <p:extLst>
-                <p:ext uri="{386F3935-93C4-4BCD-93E2-E3B085C9AB24}">
-                  <p16:designElem xmlns:p16="http://schemas.microsoft.com/office/powerpoint/2015/main" val="1"/>
-                </p:ext>
-              </p:extLst>
-            </p:nvPr>
-          </p:nvSpPr>
-          <p:spPr bwMode="auto">
-            <a:xfrm>
-              <a:off x="1209675" y="4763"/>
-              <a:ext cx="23813" cy="2181225"/>
-            </a:xfrm>
-            <a:prstGeom prst="rect">
-              <a:avLst/>
-            </a:prstGeom>
-            <a:grpFill/>
-            <a:ln>
-              <a:noFill/>
-            </a:ln>
-            <a:extLst>
-              <a:ext uri="{91240B29-F687-4f45-9708-019B960494DF}">
-                <a14:hiddenLine xmlns="" xmlns:a16="http://schemas.microsoft.com/office/drawing/2014/main" xmlns:p14="http://schemas.microsoft.com/office/powerpoint/2010/main" xmlns:a14="http://schemas.microsoft.com/office/drawing/2010/main" w="9525">
-                  <a:solidFill>
-                    <a:srgbClr val="000000"/>
-                  </a:solidFill>
-                  <a:miter lim="800000"/>
-                  <a:headEnd/>
-                  <a:tailEnd/>
-                </a14:hiddenLine>
-              </a:ext>
-            </a:extLst>
-          </p:spPr>
-        </p:sp>
-        <p:sp>
-          <p:nvSpPr>
-            <p:cNvPr id="137" name="Freeform 6">
-              <a:extLst>
-                <a:ext uri="{FF2B5EF4-FFF2-40B4-BE49-F238E27FC236}">
-                  <a16:creationId xmlns:a16="http://schemas.microsoft.com/office/drawing/2014/main" id="{7BB781C9-EC32-45FE-ACE7-C24F128C4C84}"/>
-                </a:ext>
-                <a:ext uri="{C183D7F6-B498-43B3-948B-1728B52AA6E4}">
-                  <adec:decorative xmlns:adec="http://schemas.microsoft.com/office/drawing/2017/decorative" val="1"/>
-                </a:ext>
-              </a:extLst>
-            </p:cNvPr>
-            <p:cNvSpPr>
-              <a:spLocks noEditPoints="1"/>
-            </p:cNvSpPr>
-            <p:nvPr>
-              <p:extLst>
-                <p:ext uri="{386F3935-93C4-4BCD-93E2-E3B085C9AB24}">
-                  <p16:designElem xmlns:p16="http://schemas.microsoft.com/office/powerpoint/2015/main" val="1"/>
-                </p:ext>
-              </p:extLst>
-            </p:nvPr>
-          </p:nvSpPr>
-          <p:spPr bwMode="auto">
-            <a:xfrm>
-              <a:off x="1128713" y="2176463"/>
-              <a:ext cx="190500" cy="190500"/>
-            </a:xfrm>
-            <a:custGeom>
-              <a:avLst/>
-              <a:gdLst/>
-              <a:ahLst/>
-              <a:cxnLst/>
-              <a:rect l="0" t="0" r="r" b="b"/>
-              <a:pathLst>
-                <a:path w="40" h="40">
-                  <a:moveTo>
-                    <a:pt x="20" y="40"/>
-                  </a:moveTo>
-                  <a:cubicBezTo>
-                    <a:pt x="9" y="40"/>
-                    <a:pt x="0" y="31"/>
-                    <a:pt x="0" y="20"/>
-                  </a:cubicBezTo>
-                  <a:cubicBezTo>
-                    <a:pt x="0" y="9"/>
-                    <a:pt x="9" y="0"/>
-                    <a:pt x="20" y="0"/>
-                  </a:cubicBezTo>
-                  <a:cubicBezTo>
-                    <a:pt x="31" y="0"/>
-                    <a:pt x="40" y="9"/>
-                    <a:pt x="40" y="20"/>
-                  </a:cubicBezTo>
-                  <a:cubicBezTo>
-                    <a:pt x="40" y="31"/>
-                    <a:pt x="31" y="40"/>
-                    <a:pt x="20" y="40"/>
-                  </a:cubicBezTo>
-                  <a:close/>
-                  <a:moveTo>
-                    <a:pt x="20" y="4"/>
-                  </a:moveTo>
-                  <a:cubicBezTo>
-                    <a:pt x="11" y="4"/>
-                    <a:pt x="4" y="11"/>
-                    <a:pt x="4" y="20"/>
-                  </a:cubicBezTo>
-                  <a:cubicBezTo>
-                    <a:pt x="4" y="29"/>
-                    <a:pt x="11" y="36"/>
-                    <a:pt x="20" y="36"/>
-                  </a:cubicBezTo>
-                  <a:cubicBezTo>
-                    <a:pt x="28" y="36"/>
-                    <a:pt x="36" y="29"/>
-                    <a:pt x="36" y="20"/>
-                  </a:cubicBezTo>
-                  <a:cubicBezTo>
-                    <a:pt x="36" y="11"/>
-                    <a:pt x="28" y="4"/>
-                    <a:pt x="20" y="4"/>
-                  </a:cubicBezTo>
-                  <a:close/>
-                </a:path>
-              </a:pathLst>
-            </a:custGeom>
-            <a:grpFill/>
-            <a:ln>
-              <a:noFill/>
-            </a:ln>
-            <a:extLst>
-              <a:ext uri="{91240B29-F687-4f45-9708-019B960494DF}">
-                <a14:hiddenLine xmlns="" xmlns:a16="http://schemas.microsoft.com/office/drawing/2014/main" xmlns:p14="http://schemas.microsoft.com/office/powerpoint/2010/main" xmlns:a14="http://schemas.microsoft.com/office/drawing/2010/main" w="9525">
-                  <a:solidFill>
-                    <a:srgbClr val="000000"/>
-                  </a:solidFill>
-                  <a:round/>
-                  <a:headEnd/>
-                  <a:tailEnd/>
-                </a14:hiddenLine>
-              </a:ext>
-            </a:extLst>
-          </p:spPr>
-        </p:sp>
-        <p:sp>
-          <p:nvSpPr>
-            <p:cNvPr id="138" name="Freeform 7">
-              <a:extLst>
-                <a:ext uri="{FF2B5EF4-FFF2-40B4-BE49-F238E27FC236}">
-                  <a16:creationId xmlns:a16="http://schemas.microsoft.com/office/drawing/2014/main" id="{927C5647-36E8-4A20-86D4-47831D50CF95}"/>
-                </a:ext>
-                <a:ext uri="{C183D7F6-B498-43B3-948B-1728B52AA6E4}">
-                  <adec:decorative xmlns:adec="http://schemas.microsoft.com/office/drawing/2017/decorative" val="1"/>
-                </a:ext>
-              </a:extLst>
-            </p:cNvPr>
-            <p:cNvSpPr>
-              <a:spLocks noEditPoints="1"/>
-            </p:cNvSpPr>
-            <p:nvPr>
-              <p:extLst>
-                <p:ext uri="{386F3935-93C4-4BCD-93E2-E3B085C9AB24}">
-                  <p16:designElem xmlns:p16="http://schemas.microsoft.com/office/powerpoint/2015/main" val="1"/>
-                </p:ext>
-              </p:extLst>
-            </p:nvPr>
-          </p:nvSpPr>
-          <p:spPr bwMode="auto">
-            <a:xfrm>
-              <a:off x="1123950" y="4021138"/>
-              <a:ext cx="190500" cy="188913"/>
-            </a:xfrm>
-            <a:custGeom>
-              <a:avLst/>
-              <a:gdLst/>
-              <a:ahLst/>
-              <a:cxnLst/>
-              <a:rect l="0" t="0" r="r" b="b"/>
-              <a:pathLst>
-                <a:path w="40" h="40">
-                  <a:moveTo>
-                    <a:pt x="20" y="40"/>
-                  </a:moveTo>
-                  <a:cubicBezTo>
-                    <a:pt x="9" y="40"/>
-                    <a:pt x="0" y="31"/>
-                    <a:pt x="0" y="20"/>
-                  </a:cubicBezTo>
-                  <a:cubicBezTo>
-                    <a:pt x="0" y="9"/>
-                    <a:pt x="9" y="0"/>
-                    <a:pt x="20" y="0"/>
-                  </a:cubicBezTo>
-                  <a:cubicBezTo>
-                    <a:pt x="31" y="0"/>
-                    <a:pt x="40" y="9"/>
-                    <a:pt x="40" y="20"/>
-                  </a:cubicBezTo>
-                  <a:cubicBezTo>
-                    <a:pt x="40" y="31"/>
-                    <a:pt x="31" y="40"/>
-                    <a:pt x="20" y="40"/>
-                  </a:cubicBezTo>
-                  <a:close/>
-                  <a:moveTo>
-                    <a:pt x="20" y="4"/>
-                  </a:moveTo>
-                  <a:cubicBezTo>
-                    <a:pt x="11" y="4"/>
-                    <a:pt x="4" y="11"/>
-                    <a:pt x="4" y="20"/>
-                  </a:cubicBezTo>
-                  <a:cubicBezTo>
-                    <a:pt x="4" y="29"/>
-                    <a:pt x="11" y="36"/>
-                    <a:pt x="20" y="36"/>
-                  </a:cubicBezTo>
-                  <a:cubicBezTo>
-                    <a:pt x="29" y="36"/>
-                    <a:pt x="36" y="29"/>
-                    <a:pt x="36" y="20"/>
-                  </a:cubicBezTo>
-                  <a:cubicBezTo>
-                    <a:pt x="36" y="11"/>
-                    <a:pt x="29" y="4"/>
-                    <a:pt x="20" y="4"/>
-                  </a:cubicBezTo>
-                  <a:close/>
-                </a:path>
-              </a:pathLst>
-            </a:custGeom>
-            <a:grpFill/>
-            <a:ln>
-              <a:noFill/>
-            </a:ln>
-            <a:extLst>
-              <a:ext uri="{91240B29-F687-4f45-9708-019B960494DF}">
-                <a14:hiddenLine xmlns="" xmlns:a16="http://schemas.microsoft.com/office/drawing/2014/main" xmlns:p14="http://schemas.microsoft.com/office/powerpoint/2010/main" xmlns:a14="http://schemas.microsoft.com/office/drawing/2010/main" w="9525">
-                  <a:solidFill>
-                    <a:srgbClr val="000000"/>
-                  </a:solidFill>
-                  <a:round/>
-                  <a:headEnd/>
-                  <a:tailEnd/>
-                </a14:hiddenLine>
-              </a:ext>
-            </a:extLst>
-          </p:spPr>
-        </p:sp>
-        <p:sp>
-          <p:nvSpPr>
-            <p:cNvPr id="139" name="Rectangle 8">
-              <a:extLst>
-                <a:ext uri="{FF2B5EF4-FFF2-40B4-BE49-F238E27FC236}">
-                  <a16:creationId xmlns:a16="http://schemas.microsoft.com/office/drawing/2014/main" id="{62F2AF20-CBBE-4249-B9E2-D6B30191CF88}"/>
-                </a:ext>
-                <a:ext uri="{C183D7F6-B498-43B3-948B-1728B52AA6E4}">
-                  <adec:decorative xmlns:adec="http://schemas.microsoft.com/office/drawing/2017/decorative" val="1"/>
-                </a:ext>
-              </a:extLst>
-            </p:cNvPr>
-            <p:cNvSpPr>
-              <a:spLocks noChangeArrowheads="1"/>
-            </p:cNvSpPr>
-            <p:nvPr>
-              <p:extLst>
-                <p:ext uri="{386F3935-93C4-4BCD-93E2-E3B085C9AB24}">
-                  <p16:designElem xmlns:p16="http://schemas.microsoft.com/office/powerpoint/2015/main" val="1"/>
-                </p:ext>
-              </p:extLst>
-            </p:nvPr>
-          </p:nvSpPr>
-          <p:spPr bwMode="auto">
-            <a:xfrm>
-              <a:off x="414338" y="9525"/>
-              <a:ext cx="28575" cy="4481513"/>
-            </a:xfrm>
-            <a:prstGeom prst="rect">
-              <a:avLst/>
-            </a:prstGeom>
-            <a:grpFill/>
-            <a:ln>
-              <a:noFill/>
-            </a:ln>
-            <a:extLst>
-              <a:ext uri="{91240B29-F687-4f45-9708-019B960494DF}">
-                <a14:hiddenLine xmlns="" xmlns:a16="http://schemas.microsoft.com/office/drawing/2014/main" xmlns:p14="http://schemas.microsoft.com/office/powerpoint/2010/main" xmlns:a14="http://schemas.microsoft.com/office/drawing/2010/main" w="9525">
-                  <a:solidFill>
-                    <a:srgbClr val="000000"/>
-                  </a:solidFill>
-                  <a:miter lim="800000"/>
-                  <a:headEnd/>
-                  <a:tailEnd/>
-                </a14:hiddenLine>
-              </a:ext>
-            </a:extLst>
-          </p:spPr>
-        </p:sp>
-        <p:sp>
-          <p:nvSpPr>
-            <p:cNvPr id="140" name="Freeform 9">
-              <a:extLst>
-                <a:ext uri="{FF2B5EF4-FFF2-40B4-BE49-F238E27FC236}">
-                  <a16:creationId xmlns:a16="http://schemas.microsoft.com/office/drawing/2014/main" id="{731C1229-F8A7-4B36-A52B-98A65EF869E3}"/>
-                </a:ext>
-                <a:ext uri="{C183D7F6-B498-43B3-948B-1728B52AA6E4}">
-                  <adec:decorative xmlns:adec="http://schemas.microsoft.com/office/drawing/2017/decorative" val="1"/>
-                </a:ext>
-              </a:extLst>
-            </p:cNvPr>
-            <p:cNvSpPr>
-              <a:spLocks noEditPoints="1"/>
-            </p:cNvSpPr>
-            <p:nvPr>
-              <p:extLst>
-                <p:ext uri="{386F3935-93C4-4BCD-93E2-E3B085C9AB24}">
-                  <p16:designElem xmlns:p16="http://schemas.microsoft.com/office/powerpoint/2015/main" val="1"/>
-                </p:ext>
-              </p:extLst>
-            </p:nvPr>
-          </p:nvSpPr>
-          <p:spPr bwMode="auto">
-            <a:xfrm>
-              <a:off x="333375" y="4481513"/>
-              <a:ext cx="190500" cy="190500"/>
-            </a:xfrm>
-            <a:custGeom>
-              <a:avLst/>
-              <a:gdLst/>
-              <a:ahLst/>
-              <a:cxnLst/>
-              <a:rect l="0" t="0" r="r" b="b"/>
-              <a:pathLst>
-                <a:path w="40" h="40">
-                  <a:moveTo>
-                    <a:pt x="20" y="40"/>
-                  </a:moveTo>
-                  <a:cubicBezTo>
-                    <a:pt x="9" y="40"/>
-                    <a:pt x="0" y="31"/>
-                    <a:pt x="0" y="20"/>
-                  </a:cubicBezTo>
-                  <a:cubicBezTo>
-                    <a:pt x="0" y="9"/>
-                    <a:pt x="9" y="0"/>
-                    <a:pt x="20" y="0"/>
-                  </a:cubicBezTo>
-                  <a:cubicBezTo>
-                    <a:pt x="31" y="0"/>
-                    <a:pt x="40" y="9"/>
-                    <a:pt x="40" y="20"/>
-                  </a:cubicBezTo>
-                  <a:cubicBezTo>
-                    <a:pt x="40" y="31"/>
-                    <a:pt x="31" y="40"/>
-                    <a:pt x="20" y="40"/>
-                  </a:cubicBezTo>
-                  <a:close/>
-                  <a:moveTo>
-                    <a:pt x="20" y="4"/>
-                  </a:moveTo>
-                  <a:cubicBezTo>
-                    <a:pt x="11" y="4"/>
-                    <a:pt x="4" y="11"/>
-                    <a:pt x="4" y="20"/>
-                  </a:cubicBezTo>
-                  <a:cubicBezTo>
-                    <a:pt x="4" y="29"/>
-                    <a:pt x="11" y="36"/>
-                    <a:pt x="20" y="36"/>
-                  </a:cubicBezTo>
-                  <a:cubicBezTo>
-                    <a:pt x="29" y="36"/>
-                    <a:pt x="36" y="29"/>
-                    <a:pt x="36" y="20"/>
-                  </a:cubicBezTo>
-                  <a:cubicBezTo>
-                    <a:pt x="36" y="11"/>
-                    <a:pt x="29" y="4"/>
-                    <a:pt x="20" y="4"/>
-                  </a:cubicBezTo>
-                  <a:close/>
-                </a:path>
-              </a:pathLst>
-            </a:custGeom>
-            <a:grpFill/>
-            <a:ln>
-              <a:noFill/>
-            </a:ln>
-            <a:extLst>
-              <a:ext uri="{91240B29-F687-4f45-9708-019B960494DF}">
-                <a14:hiddenLine xmlns="" xmlns:a16="http://schemas.microsoft.com/office/drawing/2014/main" xmlns:p14="http://schemas.microsoft.com/office/powerpoint/2010/main" xmlns:a14="http://schemas.microsoft.com/office/drawing/2010/main" w="9525">
-                  <a:solidFill>
-                    <a:srgbClr val="000000"/>
-                  </a:solidFill>
-                  <a:round/>
-                  <a:headEnd/>
-                  <a:tailEnd/>
-                </a14:hiddenLine>
-              </a:ext>
-            </a:extLst>
-          </p:spPr>
-        </p:sp>
-        <p:sp>
-          <p:nvSpPr>
-            <p:cNvPr id="141" name="Freeform 10">
-              <a:extLst>
-                <a:ext uri="{FF2B5EF4-FFF2-40B4-BE49-F238E27FC236}">
-                  <a16:creationId xmlns:a16="http://schemas.microsoft.com/office/drawing/2014/main" id="{609AC686-2DBB-4D82-866C-9FF222BDDFC0}"/>
-                </a:ext>
-                <a:ext uri="{C183D7F6-B498-43B3-948B-1728B52AA6E4}">
-                  <adec:decorative xmlns:adec="http://schemas.microsoft.com/office/drawing/2017/decorative" val="1"/>
-                </a:ext>
-              </a:extLst>
-            </p:cNvPr>
-            <p:cNvSpPr/>
-            <p:nvPr>
-              <p:extLst>
-                <p:ext uri="{386F3935-93C4-4BCD-93E2-E3B085C9AB24}">
-                  <p16:designElem xmlns:p16="http://schemas.microsoft.com/office/powerpoint/2015/main" val="1"/>
-                </p:ext>
-              </p:extLst>
-            </p:nvPr>
-          </p:nvSpPr>
-          <p:spPr bwMode="auto">
-            <a:xfrm>
-              <a:off x="190500" y="9525"/>
-              <a:ext cx="152400" cy="908050"/>
-            </a:xfrm>
-            <a:custGeom>
-              <a:avLst/>
-              <a:gdLst/>
-              <a:ahLst/>
-              <a:cxnLst/>
-              <a:rect l="0" t="0" r="r" b="b"/>
-              <a:pathLst>
-                <a:path w="96" h="572">
-                  <a:moveTo>
-                    <a:pt x="15" y="572"/>
-                  </a:moveTo>
-                  <a:lnTo>
-                    <a:pt x="0" y="566"/>
-                  </a:lnTo>
-                  <a:lnTo>
-                    <a:pt x="81" y="380"/>
-                  </a:lnTo>
-                  <a:lnTo>
-                    <a:pt x="81" y="0"/>
-                  </a:lnTo>
-                  <a:lnTo>
-                    <a:pt x="96" y="0"/>
-                  </a:lnTo>
-                  <a:lnTo>
-                    <a:pt x="96" y="383"/>
-                  </a:lnTo>
-                  <a:lnTo>
-                    <a:pt x="15" y="572"/>
-                  </a:lnTo>
-                  <a:close/>
-                </a:path>
-              </a:pathLst>
-            </a:custGeom>
-            <a:grpFill/>
-            <a:ln>
-              <a:noFill/>
-            </a:ln>
-            <a:extLst>
-              <a:ext uri="{91240B29-F687-4f45-9708-019B960494DF}">
-                <a14:hiddenLine xmlns="" xmlns:a16="http://schemas.microsoft.com/office/drawing/2014/main" xmlns:p14="http://schemas.microsoft.com/office/powerpoint/2010/main" xmlns:a14="http://schemas.microsoft.com/office/drawing/2010/main" w="9525">
-                  <a:solidFill>
-                    <a:srgbClr val="000000"/>
-                  </a:solidFill>
-                  <a:round/>
-                  <a:headEnd/>
-                  <a:tailEnd/>
-                </a14:hiddenLine>
-              </a:ext>
-            </a:extLst>
-          </p:spPr>
-        </p:sp>
-        <p:sp>
-          <p:nvSpPr>
-            <p:cNvPr id="142" name="Freeform 11">
-              <a:extLst>
-                <a:ext uri="{FF2B5EF4-FFF2-40B4-BE49-F238E27FC236}">
-                  <a16:creationId xmlns:a16="http://schemas.microsoft.com/office/drawing/2014/main" id="{F899E6EB-BCDD-45D2-BF4B-9CA3A279843A}"/>
-                </a:ext>
-                <a:ext uri="{C183D7F6-B498-43B3-948B-1728B52AA6E4}">
-                  <adec:decorative xmlns:adec="http://schemas.microsoft.com/office/drawing/2017/decorative" val="1"/>
-                </a:ext>
-              </a:extLst>
-            </p:cNvPr>
-            <p:cNvSpPr/>
-            <p:nvPr>
-              <p:extLst>
-                <p:ext uri="{386F3935-93C4-4BCD-93E2-E3B085C9AB24}">
-                  <p16:designElem xmlns:p16="http://schemas.microsoft.com/office/powerpoint/2015/main" val="1"/>
-                </p:ext>
-              </p:extLst>
-            </p:nvPr>
-          </p:nvSpPr>
-          <p:spPr bwMode="auto">
-            <a:xfrm>
-              <a:off x="1290638" y="14288"/>
-              <a:ext cx="376238" cy="1801813"/>
-            </a:xfrm>
-            <a:custGeom>
-              <a:avLst/>
-              <a:gdLst/>
-              <a:ahLst/>
-              <a:cxnLst/>
-              <a:rect l="0" t="0" r="r" b="b"/>
-              <a:pathLst>
-                <a:path w="237" h="1135">
-                  <a:moveTo>
-                    <a:pt x="222" y="1135"/>
-                  </a:moveTo>
-                  <a:lnTo>
-                    <a:pt x="0" y="620"/>
-                  </a:lnTo>
-                  <a:lnTo>
-                    <a:pt x="0" y="0"/>
-                  </a:lnTo>
-                  <a:lnTo>
-                    <a:pt x="18" y="0"/>
-                  </a:lnTo>
-                  <a:lnTo>
-                    <a:pt x="18" y="617"/>
-                  </a:lnTo>
-                  <a:lnTo>
-                    <a:pt x="237" y="1129"/>
-                  </a:lnTo>
-                  <a:lnTo>
-                    <a:pt x="222" y="1135"/>
-                  </a:lnTo>
-                  <a:close/>
-                </a:path>
-              </a:pathLst>
-            </a:custGeom>
-            <a:grpFill/>
-            <a:ln>
-              <a:noFill/>
-            </a:ln>
-            <a:extLst>
-              <a:ext uri="{91240B29-F687-4f45-9708-019B960494DF}">
-                <a14:hiddenLine xmlns="" xmlns:a16="http://schemas.microsoft.com/office/drawing/2014/main" xmlns:p14="http://schemas.microsoft.com/office/powerpoint/2010/main" xmlns:a14="http://schemas.microsoft.com/office/drawing/2010/main" w="9525">
-                  <a:solidFill>
-                    <a:srgbClr val="000000"/>
-                  </a:solidFill>
-                  <a:round/>
-                  <a:headEnd/>
-                  <a:tailEnd/>
-                </a14:hiddenLine>
-              </a:ext>
-            </a:extLst>
-          </p:spPr>
-        </p:sp>
-        <p:sp>
-          <p:nvSpPr>
-            <p:cNvPr id="143" name="Freeform 12">
-              <a:extLst>
-                <a:ext uri="{FF2B5EF4-FFF2-40B4-BE49-F238E27FC236}">
-                  <a16:creationId xmlns:a16="http://schemas.microsoft.com/office/drawing/2014/main" id="{BBD3AAC8-2330-4FAB-8E31-3D50AD954FEB}"/>
-                </a:ext>
-                <a:ext uri="{C183D7F6-B498-43B3-948B-1728B52AA6E4}">
-                  <adec:decorative xmlns:adec="http://schemas.microsoft.com/office/drawing/2017/decorative" val="1"/>
-                </a:ext>
-              </a:extLst>
-            </p:cNvPr>
-            <p:cNvSpPr>
-              <a:spLocks noEditPoints="1"/>
-            </p:cNvSpPr>
-            <p:nvPr>
-              <p:extLst>
-                <p:ext uri="{386F3935-93C4-4BCD-93E2-E3B085C9AB24}">
-                  <p16:designElem xmlns:p16="http://schemas.microsoft.com/office/powerpoint/2015/main" val="1"/>
-                </p:ext>
-              </p:extLst>
-            </p:nvPr>
-          </p:nvSpPr>
-          <p:spPr bwMode="auto">
-            <a:xfrm>
-              <a:off x="1600200" y="1801813"/>
-              <a:ext cx="190500" cy="188913"/>
-            </a:xfrm>
-            <a:custGeom>
-              <a:avLst/>
-              <a:gdLst/>
-              <a:ahLst/>
-              <a:cxnLst/>
-              <a:rect l="0" t="0" r="r" b="b"/>
-              <a:pathLst>
-                <a:path w="40" h="40">
-                  <a:moveTo>
-                    <a:pt x="20" y="40"/>
-                  </a:moveTo>
-                  <a:cubicBezTo>
-                    <a:pt x="9" y="40"/>
-                    <a:pt x="0" y="31"/>
-                    <a:pt x="0" y="20"/>
-                  </a:cubicBezTo>
-                  <a:cubicBezTo>
-                    <a:pt x="0" y="9"/>
-                    <a:pt x="9" y="0"/>
-                    <a:pt x="20" y="0"/>
-                  </a:cubicBezTo>
-                  <a:cubicBezTo>
-                    <a:pt x="31" y="0"/>
-                    <a:pt x="40" y="9"/>
-                    <a:pt x="40" y="20"/>
-                  </a:cubicBezTo>
-                  <a:cubicBezTo>
-                    <a:pt x="40" y="31"/>
-                    <a:pt x="31" y="40"/>
-                    <a:pt x="20" y="40"/>
-                  </a:cubicBezTo>
-                  <a:close/>
-                  <a:moveTo>
-                    <a:pt x="20" y="4"/>
-                  </a:moveTo>
-                  <a:cubicBezTo>
-                    <a:pt x="11" y="4"/>
-                    <a:pt x="4" y="11"/>
-                    <a:pt x="4" y="20"/>
-                  </a:cubicBezTo>
-                  <a:cubicBezTo>
-                    <a:pt x="4" y="29"/>
-                    <a:pt x="11" y="36"/>
-                    <a:pt x="20" y="36"/>
-                  </a:cubicBezTo>
-                  <a:cubicBezTo>
-                    <a:pt x="28" y="36"/>
-                    <a:pt x="36" y="29"/>
-                    <a:pt x="36" y="20"/>
-                  </a:cubicBezTo>
-                  <a:cubicBezTo>
-                    <a:pt x="36" y="11"/>
-                    <a:pt x="28" y="4"/>
-                    <a:pt x="20" y="4"/>
-                  </a:cubicBezTo>
-                  <a:close/>
-                </a:path>
-              </a:pathLst>
-            </a:custGeom>
-            <a:grpFill/>
-            <a:ln>
-              <a:noFill/>
-            </a:ln>
-            <a:extLst>
-              <a:ext uri="{91240B29-F687-4f45-9708-019B960494DF}">
-                <a14:hiddenLine xmlns="" xmlns:a16="http://schemas.microsoft.com/office/drawing/2014/main" xmlns:p14="http://schemas.microsoft.com/office/powerpoint/2010/main" xmlns:a14="http://schemas.microsoft.com/office/drawing/2010/main" w="9525">
-                  <a:solidFill>
-                    <a:srgbClr val="000000"/>
-                  </a:solidFill>
-                  <a:round/>
-                  <a:headEnd/>
-                  <a:tailEnd/>
-                </a14:hiddenLine>
-              </a:ext>
-            </a:extLst>
-          </p:spPr>
-        </p:sp>
-        <p:sp>
-          <p:nvSpPr>
-            <p:cNvPr id="144" name="Freeform 13">
-              <a:extLst>
-                <a:ext uri="{FF2B5EF4-FFF2-40B4-BE49-F238E27FC236}">
-                  <a16:creationId xmlns:a16="http://schemas.microsoft.com/office/drawing/2014/main" id="{6B54F723-A70A-4865-A560-7850498A1B87}"/>
-                </a:ext>
-                <a:ext uri="{C183D7F6-B498-43B3-948B-1728B52AA6E4}">
-                  <adec:decorative xmlns:adec="http://schemas.microsoft.com/office/drawing/2017/decorative" val="1"/>
-                </a:ext>
-              </a:extLst>
-            </p:cNvPr>
-            <p:cNvSpPr/>
-            <p:nvPr>
-              <p:extLst>
-                <p:ext uri="{386F3935-93C4-4BCD-93E2-E3B085C9AB24}">
-                  <p16:designElem xmlns:p16="http://schemas.microsoft.com/office/powerpoint/2015/main" val="1"/>
-                </p:ext>
-              </p:extLst>
-            </p:nvPr>
-          </p:nvSpPr>
-          <p:spPr bwMode="auto">
-            <a:xfrm>
-              <a:off x="1381125" y="9525"/>
-              <a:ext cx="371475" cy="1425575"/>
-            </a:xfrm>
-            <a:custGeom>
-              <a:avLst/>
-              <a:gdLst/>
-              <a:ahLst/>
-              <a:cxnLst/>
-              <a:rect l="0" t="0" r="r" b="b"/>
-              <a:pathLst>
-                <a:path w="234" h="898">
-                  <a:moveTo>
-                    <a:pt x="219" y="898"/>
-                  </a:moveTo>
-                  <a:lnTo>
-                    <a:pt x="0" y="383"/>
-                  </a:lnTo>
-                  <a:lnTo>
-                    <a:pt x="0" y="0"/>
-                  </a:lnTo>
-                  <a:lnTo>
-                    <a:pt x="15" y="0"/>
-                  </a:lnTo>
-                  <a:lnTo>
-                    <a:pt x="15" y="380"/>
-                  </a:lnTo>
-                  <a:lnTo>
-                    <a:pt x="234" y="892"/>
-                  </a:lnTo>
-                  <a:lnTo>
-                    <a:pt x="219" y="898"/>
-                  </a:lnTo>
-                  <a:close/>
-                </a:path>
-              </a:pathLst>
-            </a:custGeom>
-            <a:grpFill/>
-            <a:ln>
-              <a:noFill/>
-            </a:ln>
-            <a:extLst>
-              <a:ext uri="{91240B29-F687-4f45-9708-019B960494DF}">
-                <a14:hiddenLine xmlns="" xmlns:a16="http://schemas.microsoft.com/office/drawing/2014/main" xmlns:p14="http://schemas.microsoft.com/office/powerpoint/2010/main" xmlns:a14="http://schemas.microsoft.com/office/drawing/2010/main" w="9525">
-                  <a:solidFill>
-                    <a:srgbClr val="000000"/>
-                  </a:solidFill>
-                  <a:round/>
-                  <a:headEnd/>
-                  <a:tailEnd/>
-                </a14:hiddenLine>
-              </a:ext>
-            </a:extLst>
-          </p:spPr>
-        </p:sp>
-        <p:sp>
-          <p:nvSpPr>
-            <p:cNvPr id="145" name="Freeform 14">
-              <a:extLst>
-                <a:ext uri="{FF2B5EF4-FFF2-40B4-BE49-F238E27FC236}">
-                  <a16:creationId xmlns:a16="http://schemas.microsoft.com/office/drawing/2014/main" id="{9B911CCD-C9A2-4DC8-A278-3C6FD76A764E}"/>
-                </a:ext>
-                <a:ext uri="{C183D7F6-B498-43B3-948B-1728B52AA6E4}">
-                  <adec:decorative xmlns:adec="http://schemas.microsoft.com/office/drawing/2017/decorative" val="1"/>
-                </a:ext>
-              </a:extLst>
-            </p:cNvPr>
-            <p:cNvSpPr/>
-            <p:nvPr>
-              <p:extLst>
-                <p:ext uri="{386F3935-93C4-4BCD-93E2-E3B085C9AB24}">
-                  <p16:designElem xmlns:p16="http://schemas.microsoft.com/office/powerpoint/2015/main" val="1"/>
-                </p:ext>
-              </p:extLst>
-            </p:nvPr>
-          </p:nvSpPr>
-          <p:spPr bwMode="auto">
-            <a:xfrm>
-              <a:off x="1643063" y="0"/>
-              <a:ext cx="152400" cy="912813"/>
-            </a:xfrm>
-            <a:custGeom>
-              <a:avLst/>
-              <a:gdLst/>
-              <a:ahLst/>
-              <a:cxnLst/>
-              <a:rect l="0" t="0" r="r" b="b"/>
-              <a:pathLst>
-                <a:path w="96" h="575">
-                  <a:moveTo>
-                    <a:pt x="96" y="575"/>
-                  </a:moveTo>
-                  <a:lnTo>
-                    <a:pt x="78" y="575"/>
-                  </a:lnTo>
-                  <a:lnTo>
-                    <a:pt x="78" y="192"/>
-                  </a:lnTo>
-                  <a:lnTo>
-                    <a:pt x="0" y="6"/>
-                  </a:lnTo>
-                  <a:lnTo>
-                    <a:pt x="15" y="0"/>
-                  </a:lnTo>
-                  <a:lnTo>
-                    <a:pt x="96" y="189"/>
-                  </a:lnTo>
-                  <a:lnTo>
-                    <a:pt x="96" y="575"/>
-                  </a:lnTo>
-                  <a:close/>
-                </a:path>
-              </a:pathLst>
-            </a:custGeom>
-            <a:grpFill/>
-            <a:ln>
-              <a:noFill/>
-            </a:ln>
-            <a:extLst>
-              <a:ext uri="{91240B29-F687-4f45-9708-019B960494DF}">
-                <a14:hiddenLine xmlns="" xmlns:a16="http://schemas.microsoft.com/office/drawing/2014/main" xmlns:p14="http://schemas.microsoft.com/office/powerpoint/2010/main" xmlns:a14="http://schemas.microsoft.com/office/drawing/2010/main" w="9525">
-                  <a:solidFill>
-                    <a:srgbClr val="000000"/>
-                  </a:solidFill>
-                  <a:round/>
-                  <a:headEnd/>
-                  <a:tailEnd/>
-                </a14:hiddenLine>
-              </a:ext>
-            </a:extLst>
-          </p:spPr>
-        </p:sp>
-        <p:sp>
-          <p:nvSpPr>
-            <p:cNvPr id="146" name="Freeform 15">
-              <a:extLst>
-                <a:ext uri="{FF2B5EF4-FFF2-40B4-BE49-F238E27FC236}">
-                  <a16:creationId xmlns:a16="http://schemas.microsoft.com/office/drawing/2014/main" id="{D559B729-03FB-435D-89BF-AF57A801B37E}"/>
-                </a:ext>
-                <a:ext uri="{C183D7F6-B498-43B3-948B-1728B52AA6E4}">
-                  <adec:decorative xmlns:adec="http://schemas.microsoft.com/office/drawing/2017/decorative" val="1"/>
-                </a:ext>
-              </a:extLst>
-            </p:cNvPr>
-            <p:cNvSpPr>
-              <a:spLocks noEditPoints="1"/>
-            </p:cNvSpPr>
-            <p:nvPr>
-              <p:extLst>
-                <p:ext uri="{386F3935-93C4-4BCD-93E2-E3B085C9AB24}">
-                  <p16:designElem xmlns:p16="http://schemas.microsoft.com/office/powerpoint/2015/main" val="1"/>
-                </p:ext>
-              </p:extLst>
-            </p:nvPr>
-          </p:nvSpPr>
-          <p:spPr bwMode="auto">
-            <a:xfrm>
-              <a:off x="1685925" y="1420813"/>
-              <a:ext cx="190500" cy="190500"/>
-            </a:xfrm>
-            <a:custGeom>
-              <a:avLst/>
-              <a:gdLst/>
-              <a:ahLst/>
-              <a:cxnLst/>
-              <a:rect l="0" t="0" r="r" b="b"/>
-              <a:pathLst>
-                <a:path w="40" h="40">
-                  <a:moveTo>
-                    <a:pt x="20" y="40"/>
-                  </a:moveTo>
-                  <a:cubicBezTo>
-                    <a:pt x="9" y="40"/>
-                    <a:pt x="0" y="31"/>
-                    <a:pt x="0" y="20"/>
-                  </a:cubicBezTo>
-                  <a:cubicBezTo>
-                    <a:pt x="0" y="9"/>
-                    <a:pt x="9" y="0"/>
-                    <a:pt x="20" y="0"/>
-                  </a:cubicBezTo>
-                  <a:cubicBezTo>
-                    <a:pt x="31" y="0"/>
-                    <a:pt x="40" y="9"/>
-                    <a:pt x="40" y="20"/>
-                  </a:cubicBezTo>
-                  <a:cubicBezTo>
-                    <a:pt x="40" y="31"/>
-                    <a:pt x="31" y="40"/>
-                    <a:pt x="20" y="40"/>
-                  </a:cubicBezTo>
-                  <a:close/>
-                  <a:moveTo>
-                    <a:pt x="20" y="4"/>
-                  </a:moveTo>
-                  <a:cubicBezTo>
-                    <a:pt x="11" y="4"/>
-                    <a:pt x="4" y="11"/>
-                    <a:pt x="4" y="20"/>
-                  </a:cubicBezTo>
-                  <a:cubicBezTo>
-                    <a:pt x="4" y="29"/>
-                    <a:pt x="11" y="36"/>
-                    <a:pt x="20" y="36"/>
-                  </a:cubicBezTo>
-                  <a:cubicBezTo>
-                    <a:pt x="29" y="36"/>
-                    <a:pt x="36" y="29"/>
-                    <a:pt x="36" y="20"/>
-                  </a:cubicBezTo>
-                  <a:cubicBezTo>
-                    <a:pt x="36" y="11"/>
-                    <a:pt x="29" y="4"/>
-                    <a:pt x="20" y="4"/>
-                  </a:cubicBezTo>
-                  <a:close/>
-                </a:path>
-              </a:pathLst>
-            </a:custGeom>
-            <a:grpFill/>
-            <a:ln>
-              <a:noFill/>
-            </a:ln>
-            <a:extLst>
-              <a:ext uri="{91240B29-F687-4f45-9708-019B960494DF}">
-                <a14:hiddenLine xmlns="" xmlns:a16="http://schemas.microsoft.com/office/drawing/2014/main" xmlns:p14="http://schemas.microsoft.com/office/powerpoint/2010/main" xmlns:a14="http://schemas.microsoft.com/office/drawing/2010/main" w="9525">
-                  <a:solidFill>
-                    <a:srgbClr val="000000"/>
-                  </a:solidFill>
-                  <a:round/>
-                  <a:headEnd/>
-                  <a:tailEnd/>
-                </a14:hiddenLine>
-              </a:ext>
-            </a:extLst>
-          </p:spPr>
-        </p:sp>
-        <p:sp>
-          <p:nvSpPr>
-            <p:cNvPr id="147" name="Freeform 16">
-              <a:extLst>
-                <a:ext uri="{FF2B5EF4-FFF2-40B4-BE49-F238E27FC236}">
-                  <a16:creationId xmlns:a16="http://schemas.microsoft.com/office/drawing/2014/main" id="{D1C90213-0F60-4268-BE48-8221E6161495}"/>
-                </a:ext>
-                <a:ext uri="{C183D7F6-B498-43B3-948B-1728B52AA6E4}">
-                  <adec:decorative xmlns:adec="http://schemas.microsoft.com/office/drawing/2017/decorative" val="1"/>
-                </a:ext>
-              </a:extLst>
-            </p:cNvPr>
-            <p:cNvSpPr>
-              <a:spLocks noEditPoints="1"/>
-            </p:cNvSpPr>
-            <p:nvPr>
-              <p:extLst>
-                <p:ext uri="{386F3935-93C4-4BCD-93E2-E3B085C9AB24}">
-                  <p16:designElem xmlns:p16="http://schemas.microsoft.com/office/powerpoint/2015/main" val="1"/>
-                </p:ext>
-              </p:extLst>
-            </p:nvPr>
-          </p:nvSpPr>
-          <p:spPr bwMode="auto">
-            <a:xfrm>
-              <a:off x="1685925" y="903288"/>
-              <a:ext cx="190500" cy="190500"/>
-            </a:xfrm>
-            <a:custGeom>
-              <a:avLst/>
-              <a:gdLst/>
-              <a:ahLst/>
-              <a:cxnLst/>
-              <a:rect l="0" t="0" r="r" b="b"/>
-              <a:pathLst>
-                <a:path w="40" h="40">
-                  <a:moveTo>
-                    <a:pt x="20" y="40"/>
-                  </a:moveTo>
-                  <a:cubicBezTo>
-                    <a:pt x="9" y="40"/>
-                    <a:pt x="0" y="31"/>
-                    <a:pt x="0" y="20"/>
-                  </a:cubicBezTo>
-                  <a:cubicBezTo>
-                    <a:pt x="0" y="9"/>
-                    <a:pt x="9" y="0"/>
-                    <a:pt x="20" y="0"/>
-                  </a:cubicBezTo>
-                  <a:cubicBezTo>
-                    <a:pt x="31" y="0"/>
-                    <a:pt x="40" y="9"/>
-                    <a:pt x="40" y="20"/>
-                  </a:cubicBezTo>
-                  <a:cubicBezTo>
-                    <a:pt x="40" y="31"/>
-                    <a:pt x="31" y="40"/>
-                    <a:pt x="20" y="40"/>
-                  </a:cubicBezTo>
-                  <a:close/>
-                  <a:moveTo>
-                    <a:pt x="20" y="4"/>
-                  </a:moveTo>
-                  <a:cubicBezTo>
-                    <a:pt x="11" y="4"/>
-                    <a:pt x="4" y="11"/>
-                    <a:pt x="4" y="20"/>
-                  </a:cubicBezTo>
-                  <a:cubicBezTo>
-                    <a:pt x="4" y="29"/>
-                    <a:pt x="11" y="36"/>
-                    <a:pt x="20" y="36"/>
-                  </a:cubicBezTo>
-                  <a:cubicBezTo>
-                    <a:pt x="29" y="36"/>
-                    <a:pt x="36" y="29"/>
-                    <a:pt x="36" y="20"/>
-                  </a:cubicBezTo>
-                  <a:cubicBezTo>
-                    <a:pt x="36" y="11"/>
-                    <a:pt x="29" y="4"/>
-                    <a:pt x="20" y="4"/>
-                  </a:cubicBezTo>
-                  <a:close/>
-                </a:path>
-              </a:pathLst>
-            </a:custGeom>
-            <a:grpFill/>
-            <a:ln>
-              <a:noFill/>
-            </a:ln>
-            <a:extLst>
-              <a:ext uri="{91240B29-F687-4f45-9708-019B960494DF}">
-                <a14:hiddenLine xmlns="" xmlns:a16="http://schemas.microsoft.com/office/drawing/2014/main" xmlns:p14="http://schemas.microsoft.com/office/powerpoint/2010/main" xmlns:a14="http://schemas.microsoft.com/office/drawing/2010/main" w="9525">
-                  <a:solidFill>
-                    <a:srgbClr val="000000"/>
-                  </a:solidFill>
-                  <a:round/>
-                  <a:headEnd/>
-                  <a:tailEnd/>
-                </a14:hiddenLine>
-              </a:ext>
-            </a:extLst>
-          </p:spPr>
-        </p:sp>
-        <p:sp>
-          <p:nvSpPr>
-            <p:cNvPr id="148" name="Freeform 17">
-              <a:extLst>
-                <a:ext uri="{FF2B5EF4-FFF2-40B4-BE49-F238E27FC236}">
-                  <a16:creationId xmlns:a16="http://schemas.microsoft.com/office/drawing/2014/main" id="{A7A6A293-A06F-48B8-865A-3F65287B85B1}"/>
-                </a:ext>
-                <a:ext uri="{C183D7F6-B498-43B3-948B-1728B52AA6E4}">
-                  <adec:decorative xmlns:adec="http://schemas.microsoft.com/office/drawing/2017/decorative" val="1"/>
-                </a:ext>
-              </a:extLst>
-            </p:cNvPr>
-            <p:cNvSpPr/>
-            <p:nvPr>
-              <p:extLst>
-                <p:ext uri="{386F3935-93C4-4BCD-93E2-E3B085C9AB24}">
-                  <p16:designElem xmlns:p16="http://schemas.microsoft.com/office/powerpoint/2015/main" val="1"/>
-                </p:ext>
-              </p:extLst>
-            </p:nvPr>
-          </p:nvSpPr>
-          <p:spPr bwMode="auto">
-            <a:xfrm>
-              <a:off x="1743075" y="4763"/>
-              <a:ext cx="419100" cy="522288"/>
-            </a:xfrm>
-            <a:custGeom>
-              <a:avLst/>
-              <a:gdLst/>
-              <a:ahLst/>
-              <a:cxnLst/>
-              <a:rect l="0" t="0" r="r" b="b"/>
-              <a:pathLst>
-                <a:path w="264" h="329">
-                  <a:moveTo>
-                    <a:pt x="252" y="329"/>
-                  </a:moveTo>
-                  <a:lnTo>
-                    <a:pt x="45" y="120"/>
-                  </a:lnTo>
-                  <a:lnTo>
-                    <a:pt x="0" y="6"/>
-                  </a:lnTo>
-                  <a:lnTo>
-                    <a:pt x="15" y="0"/>
-                  </a:lnTo>
-                  <a:lnTo>
-                    <a:pt x="60" y="111"/>
-                  </a:lnTo>
-                  <a:lnTo>
-                    <a:pt x="264" y="317"/>
-                  </a:lnTo>
-                  <a:lnTo>
-                    <a:pt x="252" y="329"/>
-                  </a:lnTo>
-                  <a:close/>
-                </a:path>
-              </a:pathLst>
-            </a:custGeom>
-            <a:grpFill/>
-            <a:ln>
-              <a:noFill/>
-            </a:ln>
-            <a:extLst>
-              <a:ext uri="{91240B29-F687-4f45-9708-019B960494DF}">
-                <a14:hiddenLine xmlns="" xmlns:a16="http://schemas.microsoft.com/office/drawing/2014/main" xmlns:p14="http://schemas.microsoft.com/office/powerpoint/2010/main" xmlns:a14="http://schemas.microsoft.com/office/drawing/2010/main" w="9525">
-                  <a:solidFill>
-                    <a:srgbClr val="000000"/>
-                  </a:solidFill>
-                  <a:round/>
-                  <a:headEnd/>
-                  <a:tailEnd/>
-                </a14:hiddenLine>
-              </a:ext>
-            </a:extLst>
-          </p:spPr>
-        </p:sp>
-        <p:sp>
-          <p:nvSpPr>
-            <p:cNvPr id="149" name="Freeform 18">
-              <a:extLst>
-                <a:ext uri="{FF2B5EF4-FFF2-40B4-BE49-F238E27FC236}">
-                  <a16:creationId xmlns:a16="http://schemas.microsoft.com/office/drawing/2014/main" id="{8F6861B5-AAA4-4017-929E-1FD1CA106C84}"/>
-                </a:ext>
-                <a:ext uri="{C183D7F6-B498-43B3-948B-1728B52AA6E4}">
-                  <adec:decorative xmlns:adec="http://schemas.microsoft.com/office/drawing/2017/decorative" val="1"/>
-                </a:ext>
-              </a:extLst>
-            </p:cNvPr>
-            <p:cNvSpPr>
-              <a:spLocks noEditPoints="1"/>
-            </p:cNvSpPr>
-            <p:nvPr>
-              <p:extLst>
-                <p:ext uri="{386F3935-93C4-4BCD-93E2-E3B085C9AB24}">
-                  <p16:designElem xmlns:p16="http://schemas.microsoft.com/office/powerpoint/2015/main" val="1"/>
-                </p:ext>
-              </p:extLst>
-            </p:nvPr>
-          </p:nvSpPr>
-          <p:spPr bwMode="auto">
-            <a:xfrm>
-              <a:off x="2119313" y="488950"/>
-              <a:ext cx="161925" cy="147638"/>
-            </a:xfrm>
-            <a:custGeom>
-              <a:avLst/>
-              <a:gdLst/>
-              <a:ahLst/>
-              <a:cxnLst/>
-              <a:rect l="0" t="0" r="r" b="b"/>
-              <a:pathLst>
-                <a:path w="34" h="31">
-                  <a:moveTo>
-                    <a:pt x="17" y="31"/>
-                  </a:moveTo>
-                  <a:cubicBezTo>
-                    <a:pt x="13" y="31"/>
-                    <a:pt x="9" y="30"/>
-                    <a:pt x="6" y="27"/>
-                  </a:cubicBezTo>
-                  <a:cubicBezTo>
-                    <a:pt x="0" y="20"/>
-                    <a:pt x="0" y="10"/>
-                    <a:pt x="6" y="4"/>
-                  </a:cubicBezTo>
-                  <a:cubicBezTo>
-                    <a:pt x="9" y="1"/>
-                    <a:pt x="13" y="0"/>
-                    <a:pt x="17" y="0"/>
-                  </a:cubicBezTo>
-                  <a:cubicBezTo>
-                    <a:pt x="21" y="0"/>
-                    <a:pt x="25" y="1"/>
-                    <a:pt x="28" y="4"/>
-                  </a:cubicBezTo>
-                  <a:cubicBezTo>
-                    <a:pt x="34" y="10"/>
-                    <a:pt x="34" y="20"/>
-                    <a:pt x="28" y="27"/>
-                  </a:cubicBezTo>
-                  <a:cubicBezTo>
-                    <a:pt x="25" y="30"/>
-                    <a:pt x="21" y="31"/>
-                    <a:pt x="17" y="31"/>
-                  </a:cubicBezTo>
-                  <a:close/>
-                  <a:moveTo>
-                    <a:pt x="17" y="4"/>
-                  </a:moveTo>
-                  <a:cubicBezTo>
-                    <a:pt x="14" y="4"/>
-                    <a:pt x="11" y="5"/>
-                    <a:pt x="9" y="7"/>
-                  </a:cubicBezTo>
-                  <a:cubicBezTo>
-                    <a:pt x="4" y="12"/>
-                    <a:pt x="4" y="19"/>
-                    <a:pt x="9" y="24"/>
-                  </a:cubicBezTo>
-                  <a:cubicBezTo>
-                    <a:pt x="11" y="26"/>
-                    <a:pt x="14" y="27"/>
-                    <a:pt x="17" y="27"/>
-                  </a:cubicBezTo>
-                  <a:cubicBezTo>
-                    <a:pt x="20" y="27"/>
-                    <a:pt x="23" y="26"/>
-                    <a:pt x="25" y="24"/>
-                  </a:cubicBezTo>
-                  <a:cubicBezTo>
-                    <a:pt x="30" y="19"/>
-                    <a:pt x="30" y="12"/>
-                    <a:pt x="25" y="7"/>
-                  </a:cubicBezTo>
-                  <a:cubicBezTo>
-                    <a:pt x="23" y="5"/>
-                    <a:pt x="20" y="4"/>
-                    <a:pt x="17" y="4"/>
-                  </a:cubicBezTo>
-                  <a:close/>
-                </a:path>
-              </a:pathLst>
-            </a:custGeom>
-            <a:grpFill/>
-            <a:ln>
-              <a:noFill/>
-            </a:ln>
-            <a:extLst>
-              <a:ext uri="{91240B29-F687-4f45-9708-019B960494DF}">
-                <a14:hiddenLine xmlns="" xmlns:a16="http://schemas.microsoft.com/office/drawing/2014/main" xmlns:p14="http://schemas.microsoft.com/office/powerpoint/2010/main" xmlns:a14="http://schemas.microsoft.com/office/drawing/2010/main" w="9525">
-                  <a:solidFill>
-                    <a:srgbClr val="000000"/>
-                  </a:solidFill>
-                  <a:round/>
-                  <a:headEnd/>
-                  <a:tailEnd/>
-                </a14:hiddenLine>
-              </a:ext>
-            </a:extLst>
-          </p:spPr>
-        </p:sp>
-        <p:sp>
-          <p:nvSpPr>
-            <p:cNvPr id="150" name="Freeform 19">
-              <a:extLst>
-                <a:ext uri="{FF2B5EF4-FFF2-40B4-BE49-F238E27FC236}">
-                  <a16:creationId xmlns:a16="http://schemas.microsoft.com/office/drawing/2014/main" id="{D776D07C-2081-4DD3-A464-40F3CA41A3E2}"/>
-                </a:ext>
-                <a:ext uri="{C183D7F6-B498-43B3-948B-1728B52AA6E4}">
-                  <adec:decorative xmlns:adec="http://schemas.microsoft.com/office/drawing/2017/decorative" val="1"/>
-                </a:ext>
-              </a:extLst>
-            </p:cNvPr>
-            <p:cNvSpPr/>
-            <p:nvPr>
-              <p:extLst>
-                <p:ext uri="{386F3935-93C4-4BCD-93E2-E3B085C9AB24}">
-                  <p16:designElem xmlns:p16="http://schemas.microsoft.com/office/powerpoint/2015/main" val="1"/>
-                </p:ext>
-              </p:extLst>
-            </p:nvPr>
-          </p:nvSpPr>
-          <p:spPr bwMode="auto">
-            <a:xfrm>
-              <a:off x="952500" y="4763"/>
-              <a:ext cx="152400" cy="908050"/>
-            </a:xfrm>
-            <a:custGeom>
-              <a:avLst/>
-              <a:gdLst/>
-              <a:ahLst/>
-              <a:cxnLst/>
-              <a:rect l="0" t="0" r="r" b="b"/>
-              <a:pathLst>
-                <a:path w="96" h="572">
-                  <a:moveTo>
-                    <a:pt x="15" y="572"/>
-                  </a:moveTo>
-                  <a:lnTo>
-                    <a:pt x="0" y="572"/>
-                  </a:lnTo>
-                  <a:lnTo>
-                    <a:pt x="0" y="189"/>
-                  </a:lnTo>
-                  <a:lnTo>
-                    <a:pt x="81" y="0"/>
-                  </a:lnTo>
-                  <a:lnTo>
-                    <a:pt x="96" y="6"/>
-                  </a:lnTo>
-                  <a:lnTo>
-                    <a:pt x="15" y="192"/>
-                  </a:lnTo>
-                  <a:lnTo>
-                    <a:pt x="15" y="572"/>
-                  </a:lnTo>
-                  <a:close/>
-                </a:path>
-              </a:pathLst>
-            </a:custGeom>
-            <a:grpFill/>
-            <a:ln>
-              <a:noFill/>
-            </a:ln>
-            <a:extLst>
-              <a:ext uri="{91240B29-F687-4f45-9708-019B960494DF}">
-                <a14:hiddenLine xmlns="" xmlns:a16="http://schemas.microsoft.com/office/drawing/2014/main" xmlns:p14="http://schemas.microsoft.com/office/powerpoint/2010/main" xmlns:a14="http://schemas.microsoft.com/office/drawing/2010/main" w="9525">
-                  <a:solidFill>
-                    <a:srgbClr val="000000"/>
-                  </a:solidFill>
-                  <a:round/>
-                  <a:headEnd/>
-                  <a:tailEnd/>
-                </a14:hiddenLine>
-              </a:ext>
-            </a:extLst>
-          </p:spPr>
-        </p:sp>
-        <p:sp>
-          <p:nvSpPr>
-            <p:cNvPr id="151" name="Freeform 20">
-              <a:extLst>
-                <a:ext uri="{FF2B5EF4-FFF2-40B4-BE49-F238E27FC236}">
-                  <a16:creationId xmlns:a16="http://schemas.microsoft.com/office/drawing/2014/main" id="{BBC236D6-77E5-4B3C-92D7-D708B237DB54}"/>
-                </a:ext>
-                <a:ext uri="{C183D7F6-B498-43B3-948B-1728B52AA6E4}">
-                  <adec:decorative xmlns:adec="http://schemas.microsoft.com/office/drawing/2017/decorative" val="1"/>
-                </a:ext>
-              </a:extLst>
-            </p:cNvPr>
-            <p:cNvSpPr>
-              <a:spLocks noEditPoints="1"/>
-            </p:cNvSpPr>
-            <p:nvPr>
-              <p:extLst>
-                <p:ext uri="{386F3935-93C4-4BCD-93E2-E3B085C9AB24}">
-                  <p16:designElem xmlns:p16="http://schemas.microsoft.com/office/powerpoint/2015/main" val="1"/>
-                </p:ext>
-              </p:extLst>
-            </p:nvPr>
-          </p:nvSpPr>
-          <p:spPr bwMode="auto">
-            <a:xfrm>
-              <a:off x="866775" y="903288"/>
-              <a:ext cx="190500" cy="190500"/>
-            </a:xfrm>
-            <a:custGeom>
-              <a:avLst/>
-              <a:gdLst/>
-              <a:ahLst/>
-              <a:cxnLst/>
-              <a:rect l="0" t="0" r="r" b="b"/>
-              <a:pathLst>
-                <a:path w="40" h="40">
-                  <a:moveTo>
-                    <a:pt x="20" y="40"/>
-                  </a:moveTo>
-                  <a:cubicBezTo>
-                    <a:pt x="9" y="40"/>
-                    <a:pt x="0" y="31"/>
-                    <a:pt x="0" y="20"/>
-                  </a:cubicBezTo>
-                  <a:cubicBezTo>
-                    <a:pt x="0" y="9"/>
-                    <a:pt x="9" y="0"/>
-                    <a:pt x="20" y="0"/>
-                  </a:cubicBezTo>
-                  <a:cubicBezTo>
-                    <a:pt x="31" y="0"/>
-                    <a:pt x="40" y="9"/>
-                    <a:pt x="40" y="20"/>
-                  </a:cubicBezTo>
-                  <a:cubicBezTo>
-                    <a:pt x="40" y="31"/>
-                    <a:pt x="31" y="40"/>
-                    <a:pt x="20" y="40"/>
-                  </a:cubicBezTo>
-                  <a:close/>
-                  <a:moveTo>
-                    <a:pt x="20" y="4"/>
-                  </a:moveTo>
-                  <a:cubicBezTo>
-                    <a:pt x="11" y="4"/>
-                    <a:pt x="4" y="12"/>
-                    <a:pt x="4" y="20"/>
-                  </a:cubicBezTo>
-                  <a:cubicBezTo>
-                    <a:pt x="4" y="29"/>
-                    <a:pt x="11" y="36"/>
-                    <a:pt x="20" y="36"/>
-                  </a:cubicBezTo>
-                  <a:cubicBezTo>
-                    <a:pt x="29" y="36"/>
-                    <a:pt x="36" y="29"/>
-                    <a:pt x="36" y="20"/>
-                  </a:cubicBezTo>
-                  <a:cubicBezTo>
-                    <a:pt x="36" y="12"/>
-                    <a:pt x="29" y="4"/>
-                    <a:pt x="20" y="4"/>
-                  </a:cubicBezTo>
-                  <a:close/>
-                </a:path>
-              </a:pathLst>
-            </a:custGeom>
-            <a:grpFill/>
-            <a:ln>
-              <a:noFill/>
-            </a:ln>
-            <a:extLst>
-              <a:ext uri="{91240B29-F687-4f45-9708-019B960494DF}">
-                <a14:hiddenLine xmlns="" xmlns:a16="http://schemas.microsoft.com/office/drawing/2014/main" xmlns:p14="http://schemas.microsoft.com/office/powerpoint/2010/main" xmlns:a14="http://schemas.microsoft.com/office/drawing/2010/main" w="9525">
-                  <a:solidFill>
-                    <a:srgbClr val="000000"/>
-                  </a:solidFill>
-                  <a:round/>
-                  <a:headEnd/>
-                  <a:tailEnd/>
-                </a14:hiddenLine>
-              </a:ext>
-            </a:extLst>
-          </p:spPr>
-        </p:sp>
-        <p:sp>
-          <p:nvSpPr>
-            <p:cNvPr id="152" name="Freeform 21">
-              <a:extLst>
-                <a:ext uri="{FF2B5EF4-FFF2-40B4-BE49-F238E27FC236}">
-                  <a16:creationId xmlns:a16="http://schemas.microsoft.com/office/drawing/2014/main" id="{8064714E-7ADE-4BD9-8981-34C135762CE3}"/>
-                </a:ext>
-                <a:ext uri="{C183D7F6-B498-43B3-948B-1728B52AA6E4}">
-                  <adec:decorative xmlns:adec="http://schemas.microsoft.com/office/drawing/2017/decorative" val="1"/>
-                </a:ext>
-              </a:extLst>
-            </p:cNvPr>
-            <p:cNvSpPr>
-              <a:spLocks noEditPoints="1"/>
-            </p:cNvSpPr>
-            <p:nvPr>
-              <p:extLst>
-                <p:ext uri="{386F3935-93C4-4BCD-93E2-E3B085C9AB24}">
-                  <p16:designElem xmlns:p16="http://schemas.microsoft.com/office/powerpoint/2015/main" val="1"/>
-                </p:ext>
-              </p:extLst>
-            </p:nvPr>
-          </p:nvSpPr>
-          <p:spPr bwMode="auto">
-            <a:xfrm>
-              <a:off x="890588" y="1554163"/>
-              <a:ext cx="190500" cy="190500"/>
-            </a:xfrm>
-            <a:custGeom>
-              <a:avLst/>
-              <a:gdLst/>
-              <a:ahLst/>
-              <a:cxnLst/>
-              <a:rect l="0" t="0" r="r" b="b"/>
-              <a:pathLst>
-                <a:path w="40" h="40">
-                  <a:moveTo>
-                    <a:pt x="20" y="40"/>
-                  </a:moveTo>
-                  <a:cubicBezTo>
-                    <a:pt x="9" y="40"/>
-                    <a:pt x="0" y="31"/>
-                    <a:pt x="0" y="20"/>
-                  </a:cubicBezTo>
-                  <a:cubicBezTo>
-                    <a:pt x="0" y="9"/>
-                    <a:pt x="9" y="0"/>
-                    <a:pt x="20" y="0"/>
-                  </a:cubicBezTo>
-                  <a:cubicBezTo>
-                    <a:pt x="31" y="0"/>
-                    <a:pt x="40" y="9"/>
-                    <a:pt x="40" y="20"/>
-                  </a:cubicBezTo>
-                  <a:cubicBezTo>
-                    <a:pt x="40" y="31"/>
-                    <a:pt x="31" y="40"/>
-                    <a:pt x="20" y="40"/>
-                  </a:cubicBezTo>
-                  <a:close/>
-                  <a:moveTo>
-                    <a:pt x="20" y="4"/>
-                  </a:moveTo>
-                  <a:cubicBezTo>
-                    <a:pt x="11" y="4"/>
-                    <a:pt x="4" y="11"/>
-                    <a:pt x="4" y="20"/>
-                  </a:cubicBezTo>
-                  <a:cubicBezTo>
-                    <a:pt x="4" y="28"/>
-                    <a:pt x="11" y="36"/>
-                    <a:pt x="20" y="36"/>
-                  </a:cubicBezTo>
-                  <a:cubicBezTo>
-                    <a:pt x="29" y="36"/>
-                    <a:pt x="36" y="28"/>
-                    <a:pt x="36" y="20"/>
-                  </a:cubicBezTo>
-                  <a:cubicBezTo>
-                    <a:pt x="36" y="11"/>
-                    <a:pt x="29" y="4"/>
-                    <a:pt x="20" y="4"/>
-                  </a:cubicBezTo>
-                  <a:close/>
-                </a:path>
-              </a:pathLst>
-            </a:custGeom>
-            <a:grpFill/>
-            <a:ln>
-              <a:noFill/>
-            </a:ln>
-            <a:extLst>
-              <a:ext uri="{91240B29-F687-4f45-9708-019B960494DF}">
-                <a14:hiddenLine xmlns="" xmlns:a16="http://schemas.microsoft.com/office/drawing/2014/main" xmlns:p14="http://schemas.microsoft.com/office/powerpoint/2010/main" xmlns:a14="http://schemas.microsoft.com/office/drawing/2010/main" w="9525">
-                  <a:solidFill>
-                    <a:srgbClr val="000000"/>
-                  </a:solidFill>
-                  <a:round/>
-                  <a:headEnd/>
-                  <a:tailEnd/>
-                </a14:hiddenLine>
-              </a:ext>
-            </a:extLst>
-          </p:spPr>
-        </p:sp>
-        <p:sp>
-          <p:nvSpPr>
-            <p:cNvPr id="153" name="Freeform 22">
-              <a:extLst>
-                <a:ext uri="{FF2B5EF4-FFF2-40B4-BE49-F238E27FC236}">
-                  <a16:creationId xmlns:a16="http://schemas.microsoft.com/office/drawing/2014/main" id="{2FD1F23F-B1EE-46F5-B460-924E54A70D08}"/>
-                </a:ext>
-                <a:ext uri="{C183D7F6-B498-43B3-948B-1728B52AA6E4}">
-                  <adec:decorative xmlns:adec="http://schemas.microsoft.com/office/drawing/2017/decorative" val="1"/>
-                </a:ext>
-              </a:extLst>
-            </p:cNvPr>
-            <p:cNvSpPr/>
-            <p:nvPr>
-              <p:extLst>
-                <p:ext uri="{386F3935-93C4-4BCD-93E2-E3B085C9AB24}">
-                  <p16:designElem xmlns:p16="http://schemas.microsoft.com/office/powerpoint/2015/main" val="1"/>
-                </p:ext>
-              </p:extLst>
-            </p:nvPr>
-          </p:nvSpPr>
-          <p:spPr bwMode="auto">
-            <a:xfrm>
-              <a:off x="738188" y="5622925"/>
-              <a:ext cx="338138" cy="1216025"/>
-            </a:xfrm>
-            <a:custGeom>
-              <a:avLst/>
-              <a:gdLst/>
-              <a:ahLst/>
-              <a:cxnLst/>
-              <a:rect l="0" t="0" r="r" b="b"/>
-              <a:pathLst>
-                <a:path w="213" h="766">
-                  <a:moveTo>
-                    <a:pt x="213" y="766"/>
-                  </a:moveTo>
-                  <a:lnTo>
-                    <a:pt x="195" y="766"/>
-                  </a:lnTo>
-                  <a:lnTo>
-                    <a:pt x="195" y="464"/>
-                  </a:lnTo>
-                  <a:lnTo>
-                    <a:pt x="0" y="6"/>
-                  </a:lnTo>
-                  <a:lnTo>
-                    <a:pt x="12" y="0"/>
-                  </a:lnTo>
-                  <a:lnTo>
-                    <a:pt x="213" y="461"/>
-                  </a:lnTo>
-                  <a:lnTo>
-                    <a:pt x="213" y="766"/>
-                  </a:lnTo>
-                  <a:close/>
-                </a:path>
-              </a:pathLst>
-            </a:custGeom>
-            <a:grpFill/>
-            <a:ln>
-              <a:noFill/>
-            </a:ln>
-            <a:extLst>
-              <a:ext uri="{91240B29-F687-4f45-9708-019B960494DF}">
-                <a14:hiddenLine xmlns="" xmlns:a16="http://schemas.microsoft.com/office/drawing/2014/main" xmlns:p14="http://schemas.microsoft.com/office/powerpoint/2010/main" xmlns:a14="http://schemas.microsoft.com/office/drawing/2010/main" w="9525">
-                  <a:solidFill>
-                    <a:srgbClr val="000000"/>
-                  </a:solidFill>
-                  <a:round/>
-                  <a:headEnd/>
-                  <a:tailEnd/>
-                </a14:hiddenLine>
-              </a:ext>
-            </a:extLst>
-          </p:spPr>
-        </p:sp>
-        <p:sp>
-          <p:nvSpPr>
-            <p:cNvPr id="154" name="Freeform 23">
-              <a:extLst>
-                <a:ext uri="{FF2B5EF4-FFF2-40B4-BE49-F238E27FC236}">
-                  <a16:creationId xmlns:a16="http://schemas.microsoft.com/office/drawing/2014/main" id="{9699361A-3AFF-4826-B99C-0354EAB079A0}"/>
-                </a:ext>
-                <a:ext uri="{C183D7F6-B498-43B3-948B-1728B52AA6E4}">
-                  <adec:decorative xmlns:adec="http://schemas.microsoft.com/office/drawing/2017/decorative" val="1"/>
-                </a:ext>
-              </a:extLst>
-            </p:cNvPr>
-            <p:cNvSpPr>
-              <a:spLocks noEditPoints="1"/>
-            </p:cNvSpPr>
-            <p:nvPr>
-              <p:extLst>
-                <p:ext uri="{386F3935-93C4-4BCD-93E2-E3B085C9AB24}">
-                  <p16:designElem xmlns:p16="http://schemas.microsoft.com/office/powerpoint/2015/main" val="1"/>
-                </p:ext>
-              </p:extLst>
-            </p:nvPr>
-          </p:nvSpPr>
-          <p:spPr bwMode="auto">
-            <a:xfrm>
-              <a:off x="647700" y="5480050"/>
-              <a:ext cx="157163" cy="157163"/>
-            </a:xfrm>
-            <a:custGeom>
-              <a:avLst/>
-              <a:gdLst/>
-              <a:ahLst/>
-              <a:cxnLst/>
-              <a:rect l="0" t="0" r="r" b="b"/>
-              <a:pathLst>
-                <a:path w="33" h="33">
-                  <a:moveTo>
-                    <a:pt x="17" y="33"/>
-                  </a:moveTo>
-                  <a:cubicBezTo>
-                    <a:pt x="8" y="33"/>
-                    <a:pt x="0" y="26"/>
-                    <a:pt x="0" y="17"/>
-                  </a:cubicBezTo>
-                  <a:cubicBezTo>
-                    <a:pt x="0" y="8"/>
-                    <a:pt x="8" y="0"/>
-                    <a:pt x="17" y="0"/>
-                  </a:cubicBezTo>
-                  <a:cubicBezTo>
-                    <a:pt x="26" y="0"/>
-                    <a:pt x="33" y="8"/>
-                    <a:pt x="33" y="17"/>
-                  </a:cubicBezTo>
-                  <a:cubicBezTo>
-                    <a:pt x="33" y="26"/>
-                    <a:pt x="26" y="33"/>
-                    <a:pt x="17" y="33"/>
-                  </a:cubicBezTo>
-                  <a:close/>
-                  <a:moveTo>
-                    <a:pt x="17" y="4"/>
-                  </a:moveTo>
-                  <a:cubicBezTo>
-                    <a:pt x="10" y="4"/>
-                    <a:pt x="4" y="10"/>
-                    <a:pt x="4" y="17"/>
-                  </a:cubicBezTo>
-                  <a:cubicBezTo>
-                    <a:pt x="4" y="24"/>
-                    <a:pt x="10" y="29"/>
-                    <a:pt x="17" y="29"/>
-                  </a:cubicBezTo>
-                  <a:cubicBezTo>
-                    <a:pt x="23" y="29"/>
-                    <a:pt x="29" y="24"/>
-                    <a:pt x="29" y="17"/>
-                  </a:cubicBezTo>
-                  <a:cubicBezTo>
-                    <a:pt x="29" y="10"/>
-                    <a:pt x="23" y="4"/>
-                    <a:pt x="17" y="4"/>
-                  </a:cubicBezTo>
-                  <a:close/>
-                </a:path>
-              </a:pathLst>
-            </a:custGeom>
-            <a:grpFill/>
-            <a:ln>
-              <a:noFill/>
-            </a:ln>
-            <a:extLst>
-              <a:ext uri="{91240B29-F687-4f45-9708-019B960494DF}">
-                <a14:hiddenLine xmlns="" xmlns:a16="http://schemas.microsoft.com/office/drawing/2014/main" xmlns:p14="http://schemas.microsoft.com/office/powerpoint/2010/main" xmlns:a14="http://schemas.microsoft.com/office/drawing/2010/main" w="9525">
-                  <a:solidFill>
-                    <a:srgbClr val="000000"/>
-                  </a:solidFill>
-                  <a:round/>
-                  <a:headEnd/>
-                  <a:tailEnd/>
-                </a14:hiddenLine>
-              </a:ext>
-            </a:extLst>
-          </p:spPr>
-        </p:sp>
-        <p:sp>
-          <p:nvSpPr>
-            <p:cNvPr id="155" name="Freeform 24">
-              <a:extLst>
-                <a:ext uri="{FF2B5EF4-FFF2-40B4-BE49-F238E27FC236}">
-                  <a16:creationId xmlns:a16="http://schemas.microsoft.com/office/drawing/2014/main" id="{B272F7B1-7BE2-4FC9-BB91-207EFD9E65F0}"/>
-                </a:ext>
-                <a:ext uri="{C183D7F6-B498-43B3-948B-1728B52AA6E4}">
-                  <adec:decorative xmlns:adec="http://schemas.microsoft.com/office/drawing/2017/decorative" val="1"/>
-                </a:ext>
-              </a:extLst>
-            </p:cNvPr>
-            <p:cNvSpPr>
-              <a:spLocks noEditPoints="1"/>
-            </p:cNvSpPr>
-            <p:nvPr>
-              <p:extLst>
-                <p:ext uri="{386F3935-93C4-4BCD-93E2-E3B085C9AB24}">
-                  <p16:designElem xmlns:p16="http://schemas.microsoft.com/office/powerpoint/2015/main" val="1"/>
-                </p:ext>
-              </p:extLst>
-            </p:nvPr>
-          </p:nvSpPr>
-          <p:spPr bwMode="auto">
-            <a:xfrm>
-              <a:off x="66675" y="903288"/>
-              <a:ext cx="190500" cy="190500"/>
-            </a:xfrm>
-            <a:custGeom>
-              <a:avLst/>
-              <a:gdLst/>
-              <a:ahLst/>
-              <a:cxnLst/>
-              <a:rect l="0" t="0" r="r" b="b"/>
-              <a:pathLst>
-                <a:path w="40" h="40">
-                  <a:moveTo>
-                    <a:pt x="20" y="40"/>
-                  </a:moveTo>
-                  <a:cubicBezTo>
-                    <a:pt x="9" y="40"/>
-                    <a:pt x="0" y="31"/>
-                    <a:pt x="0" y="20"/>
-                  </a:cubicBezTo>
-                  <a:cubicBezTo>
-                    <a:pt x="0" y="9"/>
-                    <a:pt x="9" y="0"/>
-                    <a:pt x="20" y="0"/>
-                  </a:cubicBezTo>
-                  <a:cubicBezTo>
-                    <a:pt x="32" y="0"/>
-                    <a:pt x="40" y="9"/>
-                    <a:pt x="40" y="20"/>
-                  </a:cubicBezTo>
-                  <a:cubicBezTo>
-                    <a:pt x="40" y="31"/>
-                    <a:pt x="32" y="40"/>
-                    <a:pt x="20" y="40"/>
-                  </a:cubicBezTo>
-                  <a:close/>
-                  <a:moveTo>
-                    <a:pt x="20" y="4"/>
-                  </a:moveTo>
-                  <a:cubicBezTo>
-                    <a:pt x="12" y="4"/>
-                    <a:pt x="4" y="12"/>
-                    <a:pt x="4" y="20"/>
-                  </a:cubicBezTo>
-                  <a:cubicBezTo>
-                    <a:pt x="4" y="29"/>
-                    <a:pt x="12" y="36"/>
-                    <a:pt x="20" y="36"/>
-                  </a:cubicBezTo>
-                  <a:cubicBezTo>
-                    <a:pt x="29" y="36"/>
-                    <a:pt x="36" y="29"/>
-                    <a:pt x="36" y="20"/>
-                  </a:cubicBezTo>
-                  <a:cubicBezTo>
-                    <a:pt x="36" y="12"/>
-                    <a:pt x="29" y="4"/>
-                    <a:pt x="20" y="4"/>
-                  </a:cubicBezTo>
-                  <a:close/>
-                </a:path>
-              </a:pathLst>
-            </a:custGeom>
-            <a:grpFill/>
-            <a:ln>
-              <a:noFill/>
-            </a:ln>
-            <a:extLst>
-              <a:ext uri="{91240B29-F687-4f45-9708-019B960494DF}">
-                <a14:hiddenLine xmlns="" xmlns:a16="http://schemas.microsoft.com/office/drawing/2014/main" xmlns:p14="http://schemas.microsoft.com/office/powerpoint/2010/main" xmlns:a14="http://schemas.microsoft.com/office/drawing/2010/main" w="9525">
-                  <a:solidFill>
-                    <a:srgbClr val="000000"/>
-                  </a:solidFill>
-                  <a:round/>
-                  <a:headEnd/>
-                  <a:tailEnd/>
-                </a14:hiddenLine>
-              </a:ext>
-            </a:extLst>
-          </p:spPr>
-        </p:sp>
-        <p:sp>
-          <p:nvSpPr>
-            <p:cNvPr id="156" name="Freeform 25">
-              <a:extLst>
-                <a:ext uri="{FF2B5EF4-FFF2-40B4-BE49-F238E27FC236}">
-                  <a16:creationId xmlns:a16="http://schemas.microsoft.com/office/drawing/2014/main" id="{CDE59C1F-AFD9-4DD5-B04A-9EB2AAED52C9}"/>
-                </a:ext>
-                <a:ext uri="{C183D7F6-B498-43B3-948B-1728B52AA6E4}">
-                  <adec:decorative xmlns:adec="http://schemas.microsoft.com/office/drawing/2017/decorative" val="1"/>
-                </a:ext>
-              </a:extLst>
-            </p:cNvPr>
-            <p:cNvSpPr/>
-            <p:nvPr>
-              <p:extLst>
-                <p:ext uri="{386F3935-93C4-4BCD-93E2-E3B085C9AB24}">
-                  <p16:designElem xmlns:p16="http://schemas.microsoft.com/office/powerpoint/2015/main" val="1"/>
-                </p:ext>
-              </p:extLst>
-            </p:nvPr>
-          </p:nvSpPr>
-          <p:spPr bwMode="auto">
-            <a:xfrm>
-              <a:off x="0" y="3897313"/>
-              <a:ext cx="133350" cy="266700"/>
-            </a:xfrm>
-            <a:custGeom>
-              <a:avLst/>
-              <a:gdLst/>
-              <a:ahLst/>
-              <a:cxnLst/>
-              <a:rect l="0" t="0" r="r" b="b"/>
-              <a:pathLst>
-                <a:path w="84" h="168">
-                  <a:moveTo>
-                    <a:pt x="69" y="168"/>
-                  </a:moveTo>
-                  <a:lnTo>
-                    <a:pt x="0" y="6"/>
-                  </a:lnTo>
-                  <a:lnTo>
-                    <a:pt x="12" y="0"/>
-                  </a:lnTo>
-                  <a:lnTo>
-                    <a:pt x="84" y="162"/>
-                  </a:lnTo>
-                  <a:lnTo>
-                    <a:pt x="69" y="168"/>
-                  </a:lnTo>
-                  <a:close/>
-                </a:path>
-              </a:pathLst>
-            </a:custGeom>
-            <a:grpFill/>
-            <a:ln>
-              <a:noFill/>
-            </a:ln>
-            <a:extLst>
-              <a:ext uri="{91240B29-F687-4f45-9708-019B960494DF}">
-                <a14:hiddenLine xmlns="" xmlns:a16="http://schemas.microsoft.com/office/drawing/2014/main" xmlns:p14="http://schemas.microsoft.com/office/powerpoint/2010/main" xmlns:a14="http://schemas.microsoft.com/office/drawing/2010/main" w="9525">
-                  <a:solidFill>
-                    <a:srgbClr val="000000"/>
-                  </a:solidFill>
-                  <a:round/>
-                  <a:headEnd/>
-                  <a:tailEnd/>
-                </a14:hiddenLine>
-              </a:ext>
-            </a:extLst>
-          </p:spPr>
-        </p:sp>
-        <p:sp>
-          <p:nvSpPr>
-            <p:cNvPr id="157" name="Freeform 26">
-              <a:extLst>
-                <a:ext uri="{FF2B5EF4-FFF2-40B4-BE49-F238E27FC236}">
-                  <a16:creationId xmlns:a16="http://schemas.microsoft.com/office/drawing/2014/main" id="{1551E418-6CD4-4320-8224-F084039C53E6}"/>
-                </a:ext>
-                <a:ext uri="{C183D7F6-B498-43B3-948B-1728B52AA6E4}">
-                  <adec:decorative xmlns:adec="http://schemas.microsoft.com/office/drawing/2017/decorative" val="1"/>
-                </a:ext>
-              </a:extLst>
-            </p:cNvPr>
-            <p:cNvSpPr>
-              <a:spLocks noEditPoints="1"/>
-            </p:cNvSpPr>
-            <p:nvPr>
-              <p:extLst>
-                <p:ext uri="{386F3935-93C4-4BCD-93E2-E3B085C9AB24}">
-                  <p16:designElem xmlns:p16="http://schemas.microsoft.com/office/powerpoint/2015/main" val="1"/>
-                </p:ext>
-              </p:extLst>
-            </p:nvPr>
-          </p:nvSpPr>
-          <p:spPr bwMode="auto">
-            <a:xfrm>
-              <a:off x="66675" y="4149725"/>
-              <a:ext cx="190500" cy="188913"/>
-            </a:xfrm>
-            <a:custGeom>
-              <a:avLst/>
-              <a:gdLst/>
-              <a:ahLst/>
-              <a:cxnLst/>
-              <a:rect l="0" t="0" r="r" b="b"/>
-              <a:pathLst>
-                <a:path w="40" h="40">
-                  <a:moveTo>
-                    <a:pt x="20" y="40"/>
-                  </a:moveTo>
-                  <a:cubicBezTo>
-                    <a:pt x="9" y="40"/>
-                    <a:pt x="0" y="31"/>
-                    <a:pt x="0" y="20"/>
-                  </a:cubicBezTo>
-                  <a:cubicBezTo>
-                    <a:pt x="0" y="9"/>
-                    <a:pt x="9" y="0"/>
-                    <a:pt x="20" y="0"/>
-                  </a:cubicBezTo>
-                  <a:cubicBezTo>
-                    <a:pt x="31" y="0"/>
-                    <a:pt x="40" y="9"/>
-                    <a:pt x="40" y="20"/>
-                  </a:cubicBezTo>
-                  <a:cubicBezTo>
-                    <a:pt x="40" y="31"/>
-                    <a:pt x="31" y="40"/>
-                    <a:pt x="20" y="40"/>
-                  </a:cubicBezTo>
-                  <a:close/>
-                  <a:moveTo>
-                    <a:pt x="20" y="4"/>
-                  </a:moveTo>
-                  <a:cubicBezTo>
-                    <a:pt x="11" y="4"/>
-                    <a:pt x="4" y="11"/>
-                    <a:pt x="4" y="20"/>
-                  </a:cubicBezTo>
-                  <a:cubicBezTo>
-                    <a:pt x="4" y="28"/>
-                    <a:pt x="11" y="36"/>
-                    <a:pt x="20" y="36"/>
-                  </a:cubicBezTo>
-                  <a:cubicBezTo>
-                    <a:pt x="29" y="36"/>
-                    <a:pt x="36" y="28"/>
-                    <a:pt x="36" y="20"/>
-                  </a:cubicBezTo>
-                  <a:cubicBezTo>
-                    <a:pt x="36" y="11"/>
-                    <a:pt x="29" y="4"/>
-                    <a:pt x="20" y="4"/>
-                  </a:cubicBezTo>
-                  <a:close/>
-                </a:path>
-              </a:pathLst>
-            </a:custGeom>
-            <a:grpFill/>
-            <a:ln>
-              <a:noFill/>
-            </a:ln>
-            <a:extLst>
-              <a:ext uri="{91240B29-F687-4f45-9708-019B960494DF}">
-                <a14:hiddenLine xmlns="" xmlns:a16="http://schemas.microsoft.com/office/drawing/2014/main" xmlns:p14="http://schemas.microsoft.com/office/powerpoint/2010/main" xmlns:a14="http://schemas.microsoft.com/office/drawing/2010/main" w="9525">
-                  <a:solidFill>
-                    <a:srgbClr val="000000"/>
-                  </a:solidFill>
-                  <a:round/>
-                  <a:headEnd/>
-                  <a:tailEnd/>
-                </a14:hiddenLine>
-              </a:ext>
-            </a:extLst>
-          </p:spPr>
-        </p:sp>
-        <p:sp>
-          <p:nvSpPr>
-            <p:cNvPr id="158" name="Freeform 27">
-              <a:extLst>
-                <a:ext uri="{FF2B5EF4-FFF2-40B4-BE49-F238E27FC236}">
-                  <a16:creationId xmlns:a16="http://schemas.microsoft.com/office/drawing/2014/main" id="{1F27D4B1-EBD4-4BC9-AC2E-3AD616C847F9}"/>
-                </a:ext>
-                <a:ext uri="{C183D7F6-B498-43B3-948B-1728B52AA6E4}">
-                  <adec:decorative xmlns:adec="http://schemas.microsoft.com/office/drawing/2017/decorative" val="1"/>
-                </a:ext>
-              </a:extLst>
-            </p:cNvPr>
-            <p:cNvSpPr/>
-            <p:nvPr>
-              <p:extLst>
-                <p:ext uri="{386F3935-93C4-4BCD-93E2-E3B085C9AB24}">
-                  <p16:designElem xmlns:p16="http://schemas.microsoft.com/office/powerpoint/2015/main" val="1"/>
-                </p:ext>
-              </p:extLst>
-            </p:nvPr>
-          </p:nvSpPr>
-          <p:spPr bwMode="auto">
-            <a:xfrm>
-              <a:off x="0" y="1644650"/>
-              <a:ext cx="133350" cy="269875"/>
-            </a:xfrm>
-            <a:custGeom>
-              <a:avLst/>
-              <a:gdLst/>
-              <a:ahLst/>
-              <a:cxnLst/>
-              <a:rect l="0" t="0" r="r" b="b"/>
-              <a:pathLst>
-                <a:path w="84" h="170">
-                  <a:moveTo>
-                    <a:pt x="12" y="170"/>
-                  </a:moveTo>
-                  <a:lnTo>
-                    <a:pt x="0" y="164"/>
-                  </a:lnTo>
-                  <a:lnTo>
-                    <a:pt x="69" y="0"/>
-                  </a:lnTo>
-                  <a:lnTo>
-                    <a:pt x="84" y="6"/>
-                  </a:lnTo>
-                  <a:lnTo>
-                    <a:pt x="12" y="170"/>
-                  </a:lnTo>
-                  <a:close/>
-                </a:path>
-              </a:pathLst>
-            </a:custGeom>
-            <a:grpFill/>
-            <a:ln>
-              <a:noFill/>
-            </a:ln>
-            <a:extLst>
-              <a:ext uri="{91240B29-F687-4f45-9708-019B960494DF}">
-                <a14:hiddenLine xmlns="" xmlns:a16="http://schemas.microsoft.com/office/drawing/2014/main" xmlns:p14="http://schemas.microsoft.com/office/powerpoint/2010/main" xmlns:a14="http://schemas.microsoft.com/office/drawing/2010/main" w="9525">
-                  <a:solidFill>
-                    <a:srgbClr val="000000"/>
-                  </a:solidFill>
-                  <a:round/>
-                  <a:headEnd/>
-                  <a:tailEnd/>
-                </a14:hiddenLine>
-              </a:ext>
-            </a:extLst>
-          </p:spPr>
-        </p:sp>
-        <p:sp>
-          <p:nvSpPr>
-            <p:cNvPr id="159" name="Freeform 28">
-              <a:extLst>
-                <a:ext uri="{FF2B5EF4-FFF2-40B4-BE49-F238E27FC236}">
-                  <a16:creationId xmlns:a16="http://schemas.microsoft.com/office/drawing/2014/main" id="{C42B8D84-898A-4F76-A0F2-5699ED72BCE0}"/>
-                </a:ext>
-                <a:ext uri="{C183D7F6-B498-43B3-948B-1728B52AA6E4}">
-                  <adec:decorative xmlns:adec="http://schemas.microsoft.com/office/drawing/2017/decorative" val="1"/>
-                </a:ext>
-              </a:extLst>
-            </p:cNvPr>
-            <p:cNvSpPr>
-              <a:spLocks noEditPoints="1"/>
-            </p:cNvSpPr>
-            <p:nvPr>
-              <p:extLst>
-                <p:ext uri="{386F3935-93C4-4BCD-93E2-E3B085C9AB24}">
-                  <p16:designElem xmlns:p16="http://schemas.microsoft.com/office/powerpoint/2015/main" val="1"/>
-                </p:ext>
-              </p:extLst>
-            </p:nvPr>
-          </p:nvSpPr>
-          <p:spPr bwMode="auto">
-            <a:xfrm>
-              <a:off x="66675" y="1468438"/>
-              <a:ext cx="190500" cy="190500"/>
-            </a:xfrm>
-            <a:custGeom>
-              <a:avLst/>
-              <a:gdLst/>
-              <a:ahLst/>
-              <a:cxnLst/>
-              <a:rect l="0" t="0" r="r" b="b"/>
-              <a:pathLst>
-                <a:path w="40" h="40">
-                  <a:moveTo>
-                    <a:pt x="20" y="40"/>
-                  </a:moveTo>
-                  <a:cubicBezTo>
-                    <a:pt x="9" y="40"/>
-                    <a:pt x="0" y="31"/>
-                    <a:pt x="0" y="20"/>
-                  </a:cubicBezTo>
-                  <a:cubicBezTo>
-                    <a:pt x="0" y="9"/>
-                    <a:pt x="9" y="0"/>
-                    <a:pt x="20" y="0"/>
-                  </a:cubicBezTo>
-                  <a:cubicBezTo>
-                    <a:pt x="31" y="0"/>
-                    <a:pt x="40" y="9"/>
-                    <a:pt x="40" y="20"/>
-                  </a:cubicBezTo>
-                  <a:cubicBezTo>
-                    <a:pt x="40" y="31"/>
-                    <a:pt x="31" y="40"/>
-                    <a:pt x="20" y="40"/>
-                  </a:cubicBezTo>
-                  <a:close/>
-                  <a:moveTo>
-                    <a:pt x="20" y="4"/>
-                  </a:moveTo>
-                  <a:cubicBezTo>
-                    <a:pt x="11" y="4"/>
-                    <a:pt x="4" y="11"/>
-                    <a:pt x="4" y="20"/>
-                  </a:cubicBezTo>
-                  <a:cubicBezTo>
-                    <a:pt x="4" y="28"/>
-                    <a:pt x="11" y="36"/>
-                    <a:pt x="20" y="36"/>
-                  </a:cubicBezTo>
-                  <a:cubicBezTo>
-                    <a:pt x="29" y="36"/>
-                    <a:pt x="36" y="28"/>
-                    <a:pt x="36" y="20"/>
-                  </a:cubicBezTo>
-                  <a:cubicBezTo>
-                    <a:pt x="36" y="11"/>
-                    <a:pt x="29" y="4"/>
-                    <a:pt x="20" y="4"/>
-                  </a:cubicBezTo>
-                  <a:close/>
-                </a:path>
-              </a:pathLst>
-            </a:custGeom>
-            <a:grpFill/>
-            <a:ln>
-              <a:noFill/>
-            </a:ln>
-            <a:extLst>
-              <a:ext uri="{91240B29-F687-4f45-9708-019B960494DF}">
-                <a14:hiddenLine xmlns="" xmlns:a16="http://schemas.microsoft.com/office/drawing/2014/main" xmlns:p14="http://schemas.microsoft.com/office/powerpoint/2010/main" xmlns:a14="http://schemas.microsoft.com/office/drawing/2010/main" w="9525">
-                  <a:solidFill>
-                    <a:srgbClr val="000000"/>
-                  </a:solidFill>
-                  <a:round/>
-                  <a:headEnd/>
-                  <a:tailEnd/>
-                </a14:hiddenLine>
-              </a:ext>
-            </a:extLst>
-          </p:spPr>
-        </p:sp>
-        <p:sp>
-          <p:nvSpPr>
-            <p:cNvPr id="160" name="Freeform 29">
-              <a:extLst>
-                <a:ext uri="{FF2B5EF4-FFF2-40B4-BE49-F238E27FC236}">
-                  <a16:creationId xmlns:a16="http://schemas.microsoft.com/office/drawing/2014/main" id="{B440932E-7985-4BA6-9899-F22A644854CE}"/>
-                </a:ext>
-                <a:ext uri="{C183D7F6-B498-43B3-948B-1728B52AA6E4}">
-                  <adec:decorative xmlns:adec="http://schemas.microsoft.com/office/drawing/2017/decorative" val="1"/>
-                </a:ext>
-              </a:extLst>
-            </p:cNvPr>
-            <p:cNvSpPr/>
-            <p:nvPr>
-              <p:extLst>
-                <p:ext uri="{386F3935-93C4-4BCD-93E2-E3B085C9AB24}">
-                  <p16:designElem xmlns:p16="http://schemas.microsoft.com/office/powerpoint/2015/main" val="1"/>
-                </p:ext>
-              </p:extLst>
-            </p:nvPr>
-          </p:nvSpPr>
-          <p:spPr bwMode="auto">
-            <a:xfrm>
-              <a:off x="695325" y="4763"/>
-              <a:ext cx="309563" cy="1558925"/>
-            </a:xfrm>
-            <a:custGeom>
-              <a:avLst/>
-              <a:gdLst/>
-              <a:ahLst/>
-              <a:cxnLst/>
-              <a:rect l="0" t="0" r="r" b="b"/>
-              <a:pathLst>
-                <a:path w="195" h="982">
-                  <a:moveTo>
-                    <a:pt x="195" y="982"/>
-                  </a:moveTo>
-                  <a:lnTo>
-                    <a:pt x="177" y="982"/>
-                  </a:lnTo>
-                  <a:lnTo>
-                    <a:pt x="177" y="805"/>
-                  </a:lnTo>
-                  <a:lnTo>
-                    <a:pt x="0" y="629"/>
-                  </a:lnTo>
-                  <a:lnTo>
-                    <a:pt x="0" y="0"/>
-                  </a:lnTo>
-                  <a:lnTo>
-                    <a:pt x="18" y="0"/>
-                  </a:lnTo>
-                  <a:lnTo>
-                    <a:pt x="18" y="623"/>
-                  </a:lnTo>
-                  <a:lnTo>
-                    <a:pt x="195" y="796"/>
-                  </a:lnTo>
-                  <a:lnTo>
-                    <a:pt x="195" y="982"/>
-                  </a:lnTo>
-                  <a:close/>
-                </a:path>
-              </a:pathLst>
-            </a:custGeom>
-            <a:grpFill/>
-            <a:ln>
-              <a:noFill/>
-            </a:ln>
-            <a:extLst>
-              <a:ext uri="{91240B29-F687-4f45-9708-019B960494DF}">
-                <a14:hiddenLine xmlns="" xmlns:a16="http://schemas.microsoft.com/office/drawing/2014/main" xmlns:p14="http://schemas.microsoft.com/office/powerpoint/2010/main" xmlns:a14="http://schemas.microsoft.com/office/drawing/2010/main" w="9525">
-                  <a:solidFill>
-                    <a:srgbClr val="000000"/>
-                  </a:solidFill>
-                  <a:round/>
-                  <a:headEnd/>
-                  <a:tailEnd/>
-                </a14:hiddenLine>
-              </a:ext>
-            </a:extLst>
-          </p:spPr>
-        </p:sp>
-        <p:sp>
-          <p:nvSpPr>
-            <p:cNvPr id="161" name="Freeform 30">
-              <a:extLst>
-                <a:ext uri="{FF2B5EF4-FFF2-40B4-BE49-F238E27FC236}">
-                  <a16:creationId xmlns:a16="http://schemas.microsoft.com/office/drawing/2014/main" id="{4B8CE969-CA1A-48CB-8588-4146F41F3399}"/>
-                </a:ext>
-                <a:ext uri="{C183D7F6-B498-43B3-948B-1728B52AA6E4}">
-                  <adec:decorative xmlns:adec="http://schemas.microsoft.com/office/drawing/2017/decorative" val="1"/>
-                </a:ext>
-              </a:extLst>
-            </p:cNvPr>
-            <p:cNvSpPr>
-              <a:spLocks noEditPoints="1"/>
-            </p:cNvSpPr>
-            <p:nvPr>
-              <p:extLst>
-                <p:ext uri="{386F3935-93C4-4BCD-93E2-E3B085C9AB24}">
-                  <p16:designElem xmlns:p16="http://schemas.microsoft.com/office/powerpoint/2015/main" val="1"/>
-                </p:ext>
-              </p:extLst>
-            </p:nvPr>
-          </p:nvSpPr>
-          <p:spPr bwMode="auto">
-            <a:xfrm>
-              <a:off x="57150" y="4881563"/>
-              <a:ext cx="190500" cy="188913"/>
-            </a:xfrm>
-            <a:custGeom>
-              <a:avLst/>
-              <a:gdLst/>
-              <a:ahLst/>
-              <a:cxnLst/>
-              <a:rect l="0" t="0" r="r" b="b"/>
-              <a:pathLst>
-                <a:path w="40" h="40">
-                  <a:moveTo>
-                    <a:pt x="20" y="40"/>
-                  </a:moveTo>
-                  <a:cubicBezTo>
-                    <a:pt x="9" y="40"/>
-                    <a:pt x="0" y="31"/>
-                    <a:pt x="0" y="20"/>
-                  </a:cubicBezTo>
-                  <a:cubicBezTo>
-                    <a:pt x="0" y="9"/>
-                    <a:pt x="9" y="0"/>
-                    <a:pt x="20" y="0"/>
-                  </a:cubicBezTo>
-                  <a:cubicBezTo>
-                    <a:pt x="31" y="0"/>
-                    <a:pt x="40" y="9"/>
-                    <a:pt x="40" y="20"/>
-                  </a:cubicBezTo>
-                  <a:cubicBezTo>
-                    <a:pt x="40" y="31"/>
-                    <a:pt x="31" y="40"/>
-                    <a:pt x="20" y="40"/>
-                  </a:cubicBezTo>
-                  <a:close/>
-                  <a:moveTo>
-                    <a:pt x="20" y="4"/>
-                  </a:moveTo>
-                  <a:cubicBezTo>
-                    <a:pt x="12" y="4"/>
-                    <a:pt x="4" y="11"/>
-                    <a:pt x="4" y="20"/>
-                  </a:cubicBezTo>
-                  <a:cubicBezTo>
-                    <a:pt x="4" y="29"/>
-                    <a:pt x="12" y="36"/>
-                    <a:pt x="20" y="36"/>
-                  </a:cubicBezTo>
-                  <a:cubicBezTo>
-                    <a:pt x="29" y="36"/>
-                    <a:pt x="36" y="29"/>
-                    <a:pt x="36" y="20"/>
-                  </a:cubicBezTo>
-                  <a:cubicBezTo>
-                    <a:pt x="36" y="11"/>
-                    <a:pt x="29" y="4"/>
-                    <a:pt x="20" y="4"/>
-                  </a:cubicBezTo>
-                  <a:close/>
-                </a:path>
-              </a:pathLst>
-            </a:custGeom>
-            <a:grpFill/>
-            <a:ln>
-              <a:noFill/>
-            </a:ln>
-            <a:extLst>
-              <a:ext uri="{91240B29-F687-4f45-9708-019B960494DF}">
-                <a14:hiddenLine xmlns="" xmlns:a16="http://schemas.microsoft.com/office/drawing/2014/main" xmlns:p14="http://schemas.microsoft.com/office/powerpoint/2010/main" xmlns:a14="http://schemas.microsoft.com/office/drawing/2010/main" w="9525">
-                  <a:solidFill>
-                    <a:srgbClr val="000000"/>
-                  </a:solidFill>
-                  <a:round/>
-                  <a:headEnd/>
-                  <a:tailEnd/>
-                </a14:hiddenLine>
-              </a:ext>
-            </a:extLst>
-          </p:spPr>
-        </p:sp>
-        <p:sp>
-          <p:nvSpPr>
-            <p:cNvPr id="162" name="Freeform 31">
-              <a:extLst>
-                <a:ext uri="{FF2B5EF4-FFF2-40B4-BE49-F238E27FC236}">
-                  <a16:creationId xmlns:a16="http://schemas.microsoft.com/office/drawing/2014/main" id="{138A4875-4593-4894-89D5-DFCFF0EEDA22}"/>
-                </a:ext>
-                <a:ext uri="{C183D7F6-B498-43B3-948B-1728B52AA6E4}">
-                  <adec:decorative xmlns:adec="http://schemas.microsoft.com/office/drawing/2017/decorative" val="1"/>
-                </a:ext>
-              </a:extLst>
-            </p:cNvPr>
-            <p:cNvSpPr/>
-            <p:nvPr>
-              <p:extLst>
-                <p:ext uri="{386F3935-93C4-4BCD-93E2-E3B085C9AB24}">
-                  <p16:designElem xmlns:p16="http://schemas.microsoft.com/office/powerpoint/2015/main" val="1"/>
-                </p:ext>
-              </p:extLst>
-            </p:nvPr>
-          </p:nvSpPr>
-          <p:spPr bwMode="auto">
-            <a:xfrm>
-              <a:off x="138113" y="5060950"/>
-              <a:ext cx="304800" cy="1778000"/>
-            </a:xfrm>
-            <a:custGeom>
-              <a:avLst/>
-              <a:gdLst/>
-              <a:ahLst/>
-              <a:cxnLst/>
-              <a:rect l="0" t="0" r="r" b="b"/>
-              <a:pathLst>
-                <a:path w="192" h="1120">
-                  <a:moveTo>
-                    <a:pt x="192" y="1120"/>
-                  </a:moveTo>
-                  <a:lnTo>
-                    <a:pt x="177" y="1120"/>
-                  </a:lnTo>
-                  <a:lnTo>
-                    <a:pt x="177" y="360"/>
-                  </a:lnTo>
-                  <a:lnTo>
-                    <a:pt x="0" y="183"/>
-                  </a:lnTo>
-                  <a:lnTo>
-                    <a:pt x="0" y="0"/>
-                  </a:lnTo>
-                  <a:lnTo>
-                    <a:pt x="15" y="0"/>
-                  </a:lnTo>
-                  <a:lnTo>
-                    <a:pt x="15" y="177"/>
-                  </a:lnTo>
-                  <a:lnTo>
-                    <a:pt x="192" y="354"/>
-                  </a:lnTo>
-                  <a:lnTo>
-                    <a:pt x="192" y="1120"/>
-                  </a:lnTo>
-                  <a:close/>
-                </a:path>
-              </a:pathLst>
-            </a:custGeom>
-            <a:grpFill/>
-            <a:ln>
-              <a:noFill/>
-            </a:ln>
-            <a:extLst>
-              <a:ext uri="{91240B29-F687-4f45-9708-019B960494DF}">
-                <a14:hiddenLine xmlns="" xmlns:a16="http://schemas.microsoft.com/office/drawing/2014/main" xmlns:p14="http://schemas.microsoft.com/office/powerpoint/2010/main" xmlns:a14="http://schemas.microsoft.com/office/drawing/2010/main" w="9525">
-                  <a:solidFill>
-                    <a:srgbClr val="000000"/>
-                  </a:solidFill>
-                  <a:round/>
-                  <a:headEnd/>
-                  <a:tailEnd/>
-                </a14:hiddenLine>
-              </a:ext>
-            </a:extLst>
-          </p:spPr>
-        </p:sp>
-        <p:sp>
-          <p:nvSpPr>
-            <p:cNvPr id="163" name="Freeform 32">
-              <a:extLst>
-                <a:ext uri="{FF2B5EF4-FFF2-40B4-BE49-F238E27FC236}">
-                  <a16:creationId xmlns:a16="http://schemas.microsoft.com/office/drawing/2014/main" id="{F079F26B-58E4-494E-A8BA-3F054F1F3BBF}"/>
-                </a:ext>
-                <a:ext uri="{C183D7F6-B498-43B3-948B-1728B52AA6E4}">
-                  <adec:decorative xmlns:adec="http://schemas.microsoft.com/office/drawing/2017/decorative" val="1"/>
-                </a:ext>
-              </a:extLst>
-            </p:cNvPr>
-            <p:cNvSpPr>
-              <a:spLocks noEditPoints="1"/>
-            </p:cNvSpPr>
-            <p:nvPr>
-              <p:extLst>
-                <p:ext uri="{386F3935-93C4-4BCD-93E2-E3B085C9AB24}">
-                  <p16:designElem xmlns:p16="http://schemas.microsoft.com/office/powerpoint/2015/main" val="1"/>
-                </p:ext>
-              </p:extLst>
-            </p:nvPr>
-          </p:nvSpPr>
-          <p:spPr bwMode="auto">
-            <a:xfrm>
-              <a:off x="561975" y="6430963"/>
-              <a:ext cx="190500" cy="188913"/>
-            </a:xfrm>
-            <a:custGeom>
-              <a:avLst/>
-              <a:gdLst/>
-              <a:ahLst/>
-              <a:cxnLst/>
-              <a:rect l="0" t="0" r="r" b="b"/>
-              <a:pathLst>
-                <a:path w="40" h="40">
-                  <a:moveTo>
-                    <a:pt x="20" y="40"/>
-                  </a:moveTo>
-                  <a:cubicBezTo>
-                    <a:pt x="9" y="40"/>
-                    <a:pt x="0" y="31"/>
-                    <a:pt x="0" y="20"/>
-                  </a:cubicBezTo>
-                  <a:cubicBezTo>
-                    <a:pt x="0" y="9"/>
-                    <a:pt x="9" y="0"/>
-                    <a:pt x="20" y="0"/>
-                  </a:cubicBezTo>
-                  <a:cubicBezTo>
-                    <a:pt x="31" y="0"/>
-                    <a:pt x="40" y="9"/>
-                    <a:pt x="40" y="20"/>
-                  </a:cubicBezTo>
-                  <a:cubicBezTo>
-                    <a:pt x="40" y="31"/>
-                    <a:pt x="31" y="40"/>
-                    <a:pt x="20" y="40"/>
-                  </a:cubicBezTo>
-                  <a:close/>
-                  <a:moveTo>
-                    <a:pt x="20" y="4"/>
-                  </a:moveTo>
-                  <a:cubicBezTo>
-                    <a:pt x="12" y="4"/>
-                    <a:pt x="4" y="11"/>
-                    <a:pt x="4" y="20"/>
-                  </a:cubicBezTo>
-                  <a:cubicBezTo>
-                    <a:pt x="4" y="29"/>
-                    <a:pt x="12" y="36"/>
-                    <a:pt x="20" y="36"/>
-                  </a:cubicBezTo>
-                  <a:cubicBezTo>
-                    <a:pt x="29" y="36"/>
-                    <a:pt x="36" y="29"/>
-                    <a:pt x="36" y="20"/>
-                  </a:cubicBezTo>
-                  <a:cubicBezTo>
-                    <a:pt x="36" y="11"/>
-                    <a:pt x="29" y="4"/>
-                    <a:pt x="20" y="4"/>
-                  </a:cubicBezTo>
-                  <a:close/>
-                </a:path>
-              </a:pathLst>
-            </a:custGeom>
-            <a:grpFill/>
-            <a:ln>
-              <a:noFill/>
-            </a:ln>
-            <a:extLst>
-              <a:ext uri="{91240B29-F687-4f45-9708-019B960494DF}">
-                <a14:hiddenLine xmlns="" xmlns:a16="http://schemas.microsoft.com/office/drawing/2014/main" xmlns:p14="http://schemas.microsoft.com/office/powerpoint/2010/main" xmlns:a14="http://schemas.microsoft.com/office/drawing/2010/main" w="9525">
-                  <a:solidFill>
-                    <a:srgbClr val="000000"/>
-                  </a:solidFill>
-                  <a:round/>
-                  <a:headEnd/>
-                  <a:tailEnd/>
-                </a14:hiddenLine>
-              </a:ext>
-            </a:extLst>
-          </p:spPr>
-        </p:sp>
-        <p:sp>
-          <p:nvSpPr>
-            <p:cNvPr id="164" name="Rectangle 33">
-              <a:extLst>
-                <a:ext uri="{FF2B5EF4-FFF2-40B4-BE49-F238E27FC236}">
-                  <a16:creationId xmlns:a16="http://schemas.microsoft.com/office/drawing/2014/main" id="{04C9ECC5-BB4A-4417-B874-B75953F84FC5}"/>
-                </a:ext>
-                <a:ext uri="{C183D7F6-B498-43B3-948B-1728B52AA6E4}">
-                  <adec:decorative xmlns:adec="http://schemas.microsoft.com/office/drawing/2017/decorative" val="1"/>
-                </a:ext>
-              </a:extLst>
-            </p:cNvPr>
-            <p:cNvSpPr>
-              <a:spLocks noChangeArrowheads="1"/>
-            </p:cNvSpPr>
-            <p:nvPr>
-              <p:extLst>
-                <p:ext uri="{386F3935-93C4-4BCD-93E2-E3B085C9AB24}">
-                  <p16:designElem xmlns:p16="http://schemas.microsoft.com/office/powerpoint/2015/main" val="1"/>
-                </p:ext>
-              </p:extLst>
-            </p:nvPr>
-          </p:nvSpPr>
-          <p:spPr bwMode="auto">
-            <a:xfrm>
-              <a:off x="642938" y="6610350"/>
-              <a:ext cx="23813" cy="242888"/>
-            </a:xfrm>
-            <a:prstGeom prst="rect">
-              <a:avLst/>
-            </a:prstGeom>
-            <a:grpFill/>
-            <a:ln>
-              <a:noFill/>
-            </a:ln>
-            <a:extLst>
-              <a:ext uri="{91240B29-F687-4f45-9708-019B960494DF}">
-                <a14:hiddenLine xmlns="" xmlns:a16="http://schemas.microsoft.com/office/drawing/2014/main" xmlns:p14="http://schemas.microsoft.com/office/powerpoint/2010/main" xmlns:a14="http://schemas.microsoft.com/office/drawing/2010/main" w="9525">
-                  <a:solidFill>
-                    <a:srgbClr val="000000"/>
-                  </a:solidFill>
-                  <a:miter lim="800000"/>
-                  <a:headEnd/>
-                  <a:tailEnd/>
-                </a14:hiddenLine>
-              </a:ext>
-            </a:extLst>
-          </p:spPr>
-        </p:sp>
-        <p:sp>
-          <p:nvSpPr>
-            <p:cNvPr id="165" name="Freeform 34">
-              <a:extLst>
-                <a:ext uri="{FF2B5EF4-FFF2-40B4-BE49-F238E27FC236}">
-                  <a16:creationId xmlns:a16="http://schemas.microsoft.com/office/drawing/2014/main" id="{4CCCF285-B51D-4A2F-8384-830A391711B3}"/>
-                </a:ext>
-                <a:ext uri="{C183D7F6-B498-43B3-948B-1728B52AA6E4}">
-                  <adec:decorative xmlns:adec="http://schemas.microsoft.com/office/drawing/2017/decorative" val="1"/>
-                </a:ext>
-              </a:extLst>
-            </p:cNvPr>
-            <p:cNvSpPr>
-              <a:spLocks noEditPoints="1"/>
-            </p:cNvSpPr>
-            <p:nvPr>
-              <p:extLst>
-                <p:ext uri="{386F3935-93C4-4BCD-93E2-E3B085C9AB24}">
-                  <p16:designElem xmlns:p16="http://schemas.microsoft.com/office/powerpoint/2015/main" val="1"/>
-                </p:ext>
-              </p:extLst>
-            </p:nvPr>
-          </p:nvSpPr>
-          <p:spPr bwMode="auto">
-            <a:xfrm>
-              <a:off x="76200" y="6430963"/>
-              <a:ext cx="190500" cy="188913"/>
-            </a:xfrm>
-            <a:custGeom>
-              <a:avLst/>
-              <a:gdLst/>
-              <a:ahLst/>
-              <a:cxnLst/>
-              <a:rect l="0" t="0" r="r" b="b"/>
-              <a:pathLst>
-                <a:path w="40" h="40">
-                  <a:moveTo>
-                    <a:pt x="20" y="40"/>
-                  </a:moveTo>
-                  <a:cubicBezTo>
-                    <a:pt x="9" y="40"/>
-                    <a:pt x="0" y="31"/>
-                    <a:pt x="0" y="20"/>
-                  </a:cubicBezTo>
-                  <a:cubicBezTo>
-                    <a:pt x="0" y="9"/>
-                    <a:pt x="9" y="0"/>
-                    <a:pt x="20" y="0"/>
-                  </a:cubicBezTo>
-                  <a:cubicBezTo>
-                    <a:pt x="32" y="0"/>
-                    <a:pt x="40" y="9"/>
-                    <a:pt x="40" y="20"/>
-                  </a:cubicBezTo>
-                  <a:cubicBezTo>
-                    <a:pt x="40" y="31"/>
-                    <a:pt x="32" y="40"/>
-                    <a:pt x="20" y="40"/>
-                  </a:cubicBezTo>
-                  <a:close/>
-                  <a:moveTo>
-                    <a:pt x="20" y="4"/>
-                  </a:moveTo>
-                  <a:cubicBezTo>
-                    <a:pt x="12" y="4"/>
-                    <a:pt x="4" y="11"/>
-                    <a:pt x="4" y="20"/>
-                  </a:cubicBezTo>
-                  <a:cubicBezTo>
-                    <a:pt x="4" y="29"/>
-                    <a:pt x="12" y="36"/>
-                    <a:pt x="20" y="36"/>
-                  </a:cubicBezTo>
-                  <a:cubicBezTo>
-                    <a:pt x="29" y="36"/>
-                    <a:pt x="36" y="29"/>
-                    <a:pt x="36" y="20"/>
-                  </a:cubicBezTo>
-                  <a:cubicBezTo>
-                    <a:pt x="36" y="11"/>
-                    <a:pt x="29" y="4"/>
-                    <a:pt x="20" y="4"/>
-                  </a:cubicBezTo>
-                  <a:close/>
-                </a:path>
-              </a:pathLst>
-            </a:custGeom>
-            <a:grpFill/>
-            <a:ln>
-              <a:noFill/>
-            </a:ln>
-            <a:extLst>
-              <a:ext uri="{91240B29-F687-4f45-9708-019B960494DF}">
-                <a14:hiddenLine xmlns="" xmlns:a16="http://schemas.microsoft.com/office/drawing/2014/main" xmlns:p14="http://schemas.microsoft.com/office/powerpoint/2010/main" xmlns:a14="http://schemas.microsoft.com/office/drawing/2010/main" w="9525">
-                  <a:solidFill>
-                    <a:srgbClr val="000000"/>
-                  </a:solidFill>
-                  <a:round/>
-                  <a:headEnd/>
-                  <a:tailEnd/>
-                </a14:hiddenLine>
-              </a:ext>
-            </a:extLst>
-          </p:spPr>
-        </p:sp>
-        <p:sp>
-          <p:nvSpPr>
-            <p:cNvPr id="166" name="Freeform 35">
-              <a:extLst>
-                <a:ext uri="{FF2B5EF4-FFF2-40B4-BE49-F238E27FC236}">
-                  <a16:creationId xmlns:a16="http://schemas.microsoft.com/office/drawing/2014/main" id="{BD6C6299-A09A-47DF-8A96-69D39FCA5A2F}"/>
-                </a:ext>
-                <a:ext uri="{C183D7F6-B498-43B3-948B-1728B52AA6E4}">
-                  <adec:decorative xmlns:adec="http://schemas.microsoft.com/office/drawing/2017/decorative" val="1"/>
-                </a:ext>
-              </a:extLst>
-            </p:cNvPr>
-            <p:cNvSpPr/>
-            <p:nvPr>
-              <p:extLst>
-                <p:ext uri="{386F3935-93C4-4BCD-93E2-E3B085C9AB24}">
-                  <p16:designElem xmlns:p16="http://schemas.microsoft.com/office/powerpoint/2015/main" val="1"/>
-                </p:ext>
-              </p:extLst>
-            </p:nvPr>
-          </p:nvSpPr>
-          <p:spPr bwMode="auto">
-            <a:xfrm>
-              <a:off x="0" y="5978525"/>
-              <a:ext cx="190500" cy="461963"/>
-            </a:xfrm>
-            <a:custGeom>
-              <a:avLst/>
-              <a:gdLst/>
-              <a:ahLst/>
-              <a:cxnLst/>
-              <a:rect l="0" t="0" r="r" b="b"/>
-              <a:pathLst>
-                <a:path w="120" h="291">
-                  <a:moveTo>
-                    <a:pt x="120" y="291"/>
-                  </a:moveTo>
-                  <a:lnTo>
-                    <a:pt x="105" y="291"/>
-                  </a:lnTo>
-                  <a:lnTo>
-                    <a:pt x="105" y="114"/>
-                  </a:lnTo>
-                  <a:lnTo>
-                    <a:pt x="0" y="9"/>
-                  </a:lnTo>
-                  <a:lnTo>
-                    <a:pt x="12" y="0"/>
-                  </a:lnTo>
-                  <a:lnTo>
-                    <a:pt x="120" y="108"/>
-                  </a:lnTo>
-                  <a:lnTo>
-                    <a:pt x="120" y="291"/>
-                  </a:lnTo>
-                  <a:close/>
-                </a:path>
-              </a:pathLst>
-            </a:custGeom>
-            <a:grpFill/>
-            <a:ln>
-              <a:noFill/>
-            </a:ln>
-            <a:extLst>
-              <a:ext uri="{91240B29-F687-4f45-9708-019B960494DF}">
-                <a14:hiddenLine xmlns="" xmlns:a16="http://schemas.microsoft.com/office/drawing/2014/main" xmlns:p14="http://schemas.microsoft.com/office/powerpoint/2010/main" xmlns:a14="http://schemas.microsoft.com/office/drawing/2010/main" w="9525">
-                  <a:solidFill>
-                    <a:srgbClr val="000000"/>
-                  </a:solidFill>
-                  <a:round/>
-                  <a:headEnd/>
-                  <a:tailEnd/>
-                </a14:hiddenLine>
-              </a:ext>
-            </a:extLst>
-          </p:spPr>
-        </p:sp>
-        <p:sp>
-          <p:nvSpPr>
-            <p:cNvPr id="167" name="Freeform 36">
-              <a:extLst>
-                <a:ext uri="{FF2B5EF4-FFF2-40B4-BE49-F238E27FC236}">
-                  <a16:creationId xmlns:a16="http://schemas.microsoft.com/office/drawing/2014/main" id="{EE60C4B9-C404-42CD-8E94-70D4DC16ABF5}"/>
-                </a:ext>
-                <a:ext uri="{C183D7F6-B498-43B3-948B-1728B52AA6E4}">
-                  <adec:decorative xmlns:adec="http://schemas.microsoft.com/office/drawing/2017/decorative" val="1"/>
-                </a:ext>
-              </a:extLst>
-            </p:cNvPr>
-            <p:cNvSpPr/>
-            <p:nvPr>
-              <p:extLst>
-                <p:ext uri="{386F3935-93C4-4BCD-93E2-E3B085C9AB24}">
-                  <p16:designElem xmlns:p16="http://schemas.microsoft.com/office/powerpoint/2015/main" val="1"/>
-                </p:ext>
-              </p:extLst>
-            </p:nvPr>
-          </p:nvSpPr>
-          <p:spPr bwMode="auto">
-            <a:xfrm>
-              <a:off x="1014413" y="1801813"/>
-              <a:ext cx="214313" cy="755650"/>
-            </a:xfrm>
-            <a:custGeom>
-              <a:avLst/>
-              <a:gdLst/>
-              <a:ahLst/>
-              <a:cxnLst/>
-              <a:rect l="0" t="0" r="r" b="b"/>
-              <a:pathLst>
-                <a:path w="135" h="476">
-                  <a:moveTo>
-                    <a:pt x="12" y="476"/>
-                  </a:moveTo>
-                  <a:lnTo>
-                    <a:pt x="0" y="476"/>
-                  </a:lnTo>
-                  <a:lnTo>
-                    <a:pt x="0" y="128"/>
-                  </a:lnTo>
-                  <a:lnTo>
-                    <a:pt x="126" y="0"/>
-                  </a:lnTo>
-                  <a:lnTo>
-                    <a:pt x="135" y="9"/>
-                  </a:lnTo>
-                  <a:lnTo>
-                    <a:pt x="12" y="131"/>
-                  </a:lnTo>
-                  <a:lnTo>
-                    <a:pt x="12" y="476"/>
-                  </a:lnTo>
-                  <a:close/>
-                </a:path>
-              </a:pathLst>
-            </a:custGeom>
-            <a:grpFill/>
-            <a:ln>
-              <a:noFill/>
-            </a:ln>
-            <a:extLst>
-              <a:ext uri="{91240B29-F687-4f45-9708-019B960494DF}">
-                <a14:hiddenLine xmlns="" xmlns:a16="http://schemas.microsoft.com/office/drawing/2014/main" xmlns:p14="http://schemas.microsoft.com/office/powerpoint/2010/main" xmlns:a14="http://schemas.microsoft.com/office/drawing/2010/main" w="9525">
-                  <a:solidFill>
-                    <a:srgbClr val="000000"/>
-                  </a:solidFill>
-                  <a:round/>
-                  <a:headEnd/>
-                  <a:tailEnd/>
-                </a14:hiddenLine>
-              </a:ext>
-            </a:extLst>
-          </p:spPr>
-        </p:sp>
-        <p:sp>
-          <p:nvSpPr>
-            <p:cNvPr id="168" name="Freeform 37">
-              <a:extLst>
-                <a:ext uri="{FF2B5EF4-FFF2-40B4-BE49-F238E27FC236}">
-                  <a16:creationId xmlns:a16="http://schemas.microsoft.com/office/drawing/2014/main" id="{52BD4447-C1EB-4798-8764-AB93EA930337}"/>
-                </a:ext>
-                <a:ext uri="{C183D7F6-B498-43B3-948B-1728B52AA6E4}">
-                  <adec:decorative xmlns:adec="http://schemas.microsoft.com/office/drawing/2017/decorative" val="1"/>
-                </a:ext>
-              </a:extLst>
-            </p:cNvPr>
-            <p:cNvSpPr>
-              <a:spLocks noEditPoints="1"/>
-            </p:cNvSpPr>
-            <p:nvPr>
-              <p:extLst>
-                <p:ext uri="{386F3935-93C4-4BCD-93E2-E3B085C9AB24}">
-                  <p16:designElem xmlns:p16="http://schemas.microsoft.com/office/powerpoint/2015/main" val="1"/>
-                </p:ext>
-              </p:extLst>
-            </p:nvPr>
-          </p:nvSpPr>
-          <p:spPr bwMode="auto">
-            <a:xfrm>
-              <a:off x="938213" y="2547938"/>
-              <a:ext cx="166688" cy="160338"/>
-            </a:xfrm>
-            <a:custGeom>
-              <a:avLst/>
-              <a:gdLst/>
-              <a:ahLst/>
-              <a:cxnLst/>
-              <a:rect l="0" t="0" r="r" b="b"/>
-              <a:pathLst>
-                <a:path w="35" h="34">
-                  <a:moveTo>
-                    <a:pt x="18" y="34"/>
-                  </a:moveTo>
-                  <a:cubicBezTo>
-                    <a:pt x="8" y="34"/>
-                    <a:pt x="0" y="26"/>
-                    <a:pt x="0" y="17"/>
-                  </a:cubicBezTo>
-                  <a:cubicBezTo>
-                    <a:pt x="0" y="7"/>
-                    <a:pt x="8" y="0"/>
-                    <a:pt x="18" y="0"/>
-                  </a:cubicBezTo>
-                  <a:cubicBezTo>
-                    <a:pt x="27" y="0"/>
-                    <a:pt x="35" y="7"/>
-                    <a:pt x="35" y="17"/>
-                  </a:cubicBezTo>
-                  <a:cubicBezTo>
-                    <a:pt x="35" y="26"/>
-                    <a:pt x="27" y="34"/>
-                    <a:pt x="18" y="34"/>
-                  </a:cubicBezTo>
-                  <a:close/>
-                  <a:moveTo>
-                    <a:pt x="18" y="4"/>
-                  </a:moveTo>
-                  <a:cubicBezTo>
-                    <a:pt x="10" y="4"/>
-                    <a:pt x="4" y="10"/>
-                    <a:pt x="4" y="17"/>
-                  </a:cubicBezTo>
-                  <a:cubicBezTo>
-                    <a:pt x="4" y="24"/>
-                    <a:pt x="10" y="30"/>
-                    <a:pt x="18" y="30"/>
-                  </a:cubicBezTo>
-                  <a:cubicBezTo>
-                    <a:pt x="25" y="30"/>
-                    <a:pt x="31" y="24"/>
-                    <a:pt x="31" y="17"/>
-                  </a:cubicBezTo>
-                  <a:cubicBezTo>
-                    <a:pt x="31" y="10"/>
-                    <a:pt x="25" y="4"/>
-                    <a:pt x="18" y="4"/>
-                  </a:cubicBezTo>
-                  <a:close/>
-                </a:path>
-              </a:pathLst>
-            </a:custGeom>
-            <a:grpFill/>
-            <a:ln>
-              <a:noFill/>
-            </a:ln>
-            <a:extLst>
-              <a:ext uri="{91240B29-F687-4f45-9708-019B960494DF}">
-                <a14:hiddenLine xmlns="" xmlns:a16="http://schemas.microsoft.com/office/drawing/2014/main" xmlns:p14="http://schemas.microsoft.com/office/powerpoint/2010/main" xmlns:a14="http://schemas.microsoft.com/office/drawing/2010/main" w="9525">
-                  <a:solidFill>
-                    <a:srgbClr val="000000"/>
-                  </a:solidFill>
-                  <a:round/>
-                  <a:headEnd/>
-                  <a:tailEnd/>
-                </a14:hiddenLine>
-              </a:ext>
-            </a:extLst>
-          </p:spPr>
-        </p:sp>
-        <p:sp>
-          <p:nvSpPr>
-            <p:cNvPr id="169" name="Freeform 38">
-              <a:extLst>
-                <a:ext uri="{FF2B5EF4-FFF2-40B4-BE49-F238E27FC236}">
-                  <a16:creationId xmlns:a16="http://schemas.microsoft.com/office/drawing/2014/main" id="{50411559-C414-4F7C-BC6C-69F87BC9C7D4}"/>
-                </a:ext>
-                <a:ext uri="{C183D7F6-B498-43B3-948B-1728B52AA6E4}">
-                  <adec:decorative xmlns:adec="http://schemas.microsoft.com/office/drawing/2017/decorative" val="1"/>
-                </a:ext>
-              </a:extLst>
-            </p:cNvPr>
-            <p:cNvSpPr/>
-            <p:nvPr>
-              <p:extLst>
-                <p:ext uri="{386F3935-93C4-4BCD-93E2-E3B085C9AB24}">
-                  <p16:designElem xmlns:p16="http://schemas.microsoft.com/office/powerpoint/2015/main" val="1"/>
-                </p:ext>
-              </p:extLst>
-            </p:nvPr>
-          </p:nvSpPr>
-          <p:spPr bwMode="auto">
-            <a:xfrm>
-              <a:off x="595313" y="4763"/>
-              <a:ext cx="638175" cy="4025900"/>
-            </a:xfrm>
-            <a:custGeom>
-              <a:avLst/>
-              <a:gdLst/>
-              <a:ahLst/>
-              <a:cxnLst/>
-              <a:rect l="0" t="0" r="r" b="b"/>
-              <a:pathLst>
-                <a:path w="402" h="2536">
-                  <a:moveTo>
-                    <a:pt x="402" y="2536"/>
-                  </a:moveTo>
-                  <a:lnTo>
-                    <a:pt x="387" y="2536"/>
-                  </a:lnTo>
-                  <a:lnTo>
-                    <a:pt x="387" y="2311"/>
-                  </a:lnTo>
-                  <a:lnTo>
-                    <a:pt x="0" y="1925"/>
-                  </a:lnTo>
-                  <a:lnTo>
-                    <a:pt x="0" y="0"/>
-                  </a:lnTo>
-                  <a:lnTo>
-                    <a:pt x="15" y="0"/>
-                  </a:lnTo>
-                  <a:lnTo>
-                    <a:pt x="15" y="1916"/>
-                  </a:lnTo>
-                  <a:lnTo>
-                    <a:pt x="402" y="2302"/>
-                  </a:lnTo>
-                  <a:lnTo>
-                    <a:pt x="402" y="2536"/>
-                  </a:lnTo>
-                  <a:close/>
-                </a:path>
-              </a:pathLst>
-            </a:custGeom>
-            <a:grpFill/>
-            <a:ln>
-              <a:noFill/>
-            </a:ln>
-            <a:extLst>
-              <a:ext uri="{91240B29-F687-4f45-9708-019B960494DF}">
-                <a14:hiddenLine xmlns="" xmlns:a16="http://schemas.microsoft.com/office/drawing/2014/main" xmlns:p14="http://schemas.microsoft.com/office/powerpoint/2010/main" xmlns:a14="http://schemas.microsoft.com/office/drawing/2010/main" w="9525">
-                  <a:solidFill>
-                    <a:srgbClr val="000000"/>
-                  </a:solidFill>
-                  <a:round/>
-                  <a:headEnd/>
-                  <a:tailEnd/>
-                </a14:hiddenLine>
-              </a:ext>
-            </a:extLst>
-          </p:spPr>
-        </p:sp>
-        <p:sp>
-          <p:nvSpPr>
-            <p:cNvPr id="170" name="Freeform 39">
-              <a:extLst>
-                <a:ext uri="{FF2B5EF4-FFF2-40B4-BE49-F238E27FC236}">
-                  <a16:creationId xmlns:a16="http://schemas.microsoft.com/office/drawing/2014/main" id="{64737770-BB27-41C0-95CB-529054508663}"/>
-                </a:ext>
-                <a:ext uri="{C183D7F6-B498-43B3-948B-1728B52AA6E4}">
-                  <adec:decorative xmlns:adec="http://schemas.microsoft.com/office/drawing/2017/decorative" val="1"/>
-                </a:ext>
-              </a:extLst>
-            </p:cNvPr>
-            <p:cNvSpPr/>
-            <p:nvPr>
-              <p:extLst>
-                <p:ext uri="{386F3935-93C4-4BCD-93E2-E3B085C9AB24}">
-                  <p16:designElem xmlns:p16="http://schemas.microsoft.com/office/powerpoint/2015/main" val="1"/>
-                </p:ext>
-              </p:extLst>
-            </p:nvPr>
-          </p:nvSpPr>
-          <p:spPr bwMode="auto">
-            <a:xfrm>
-              <a:off x="1223963" y="1382713"/>
-              <a:ext cx="142875" cy="476250"/>
-            </a:xfrm>
-            <a:custGeom>
-              <a:avLst/>
-              <a:gdLst/>
-              <a:ahLst/>
-              <a:cxnLst/>
-              <a:rect l="0" t="0" r="r" b="b"/>
-              <a:pathLst>
-                <a:path w="90" h="300">
-                  <a:moveTo>
-                    <a:pt x="90" y="300"/>
-                  </a:moveTo>
-                  <a:lnTo>
-                    <a:pt x="78" y="300"/>
-                  </a:lnTo>
-                  <a:lnTo>
-                    <a:pt x="78" y="84"/>
-                  </a:lnTo>
-                  <a:lnTo>
-                    <a:pt x="0" y="9"/>
-                  </a:lnTo>
-                  <a:lnTo>
-                    <a:pt x="9" y="0"/>
-                  </a:lnTo>
-                  <a:lnTo>
-                    <a:pt x="90" y="81"/>
-                  </a:lnTo>
-                  <a:lnTo>
-                    <a:pt x="90" y="300"/>
-                  </a:lnTo>
-                  <a:close/>
-                </a:path>
-              </a:pathLst>
-            </a:custGeom>
-            <a:grpFill/>
-            <a:ln>
-              <a:noFill/>
-            </a:ln>
-            <a:extLst>
-              <a:ext uri="{91240B29-F687-4f45-9708-019B960494DF}">
-                <a14:hiddenLine xmlns="" xmlns:a16="http://schemas.microsoft.com/office/drawing/2014/main" xmlns:p14="http://schemas.microsoft.com/office/powerpoint/2010/main" xmlns:a14="http://schemas.microsoft.com/office/drawing/2010/main" w="9525">
-                  <a:solidFill>
-                    <a:srgbClr val="000000"/>
-                  </a:solidFill>
-                  <a:round/>
-                  <a:headEnd/>
-                  <a:tailEnd/>
-                </a14:hiddenLine>
-              </a:ext>
-            </a:extLst>
-          </p:spPr>
-        </p:sp>
-        <p:sp>
-          <p:nvSpPr>
-            <p:cNvPr id="171" name="Freeform 40">
-              <a:extLst>
-                <a:ext uri="{FF2B5EF4-FFF2-40B4-BE49-F238E27FC236}">
-                  <a16:creationId xmlns:a16="http://schemas.microsoft.com/office/drawing/2014/main" id="{28929FDB-16CF-4165-B32A-EB673EFB7CB7}"/>
-                </a:ext>
-                <a:ext uri="{C183D7F6-B498-43B3-948B-1728B52AA6E4}">
-                  <adec:decorative xmlns:adec="http://schemas.microsoft.com/office/drawing/2017/decorative" val="1"/>
-                </a:ext>
-              </a:extLst>
-            </p:cNvPr>
-            <p:cNvSpPr>
-              <a:spLocks noEditPoints="1"/>
-            </p:cNvSpPr>
-            <p:nvPr>
-              <p:extLst>
-                <p:ext uri="{386F3935-93C4-4BCD-93E2-E3B085C9AB24}">
-                  <p16:designElem xmlns:p16="http://schemas.microsoft.com/office/powerpoint/2015/main" val="1"/>
-                </p:ext>
-              </p:extLst>
-            </p:nvPr>
-          </p:nvSpPr>
-          <p:spPr bwMode="auto">
-            <a:xfrm>
-              <a:off x="1300163" y="1849438"/>
-              <a:ext cx="109538" cy="107950"/>
-            </a:xfrm>
-            <a:custGeom>
-              <a:avLst/>
-              <a:gdLst/>
-              <a:ahLst/>
-              <a:cxnLst/>
-              <a:rect l="0" t="0" r="r" b="b"/>
-              <a:pathLst>
-                <a:path w="23" h="23">
-                  <a:moveTo>
-                    <a:pt x="12" y="23"/>
-                  </a:moveTo>
-                  <a:cubicBezTo>
-                    <a:pt x="5" y="23"/>
-                    <a:pt x="0" y="18"/>
-                    <a:pt x="0" y="12"/>
-                  </a:cubicBezTo>
-                  <a:cubicBezTo>
-                    <a:pt x="0" y="5"/>
-                    <a:pt x="5" y="0"/>
-                    <a:pt x="12" y="0"/>
-                  </a:cubicBezTo>
-                  <a:cubicBezTo>
-                    <a:pt x="18" y="0"/>
-                    <a:pt x="23" y="5"/>
-                    <a:pt x="23" y="12"/>
-                  </a:cubicBezTo>
-                  <a:cubicBezTo>
-                    <a:pt x="23" y="18"/>
-                    <a:pt x="18" y="23"/>
-                    <a:pt x="12" y="23"/>
-                  </a:cubicBezTo>
-                  <a:close/>
-                  <a:moveTo>
-                    <a:pt x="12" y="4"/>
-                  </a:moveTo>
-                  <a:cubicBezTo>
-                    <a:pt x="8" y="4"/>
-                    <a:pt x="4" y="8"/>
-                    <a:pt x="4" y="12"/>
-                  </a:cubicBezTo>
-                  <a:cubicBezTo>
-                    <a:pt x="4" y="16"/>
-                    <a:pt x="8" y="19"/>
-                    <a:pt x="12" y="19"/>
-                  </a:cubicBezTo>
-                  <a:cubicBezTo>
-                    <a:pt x="16" y="19"/>
-                    <a:pt x="19" y="16"/>
-                    <a:pt x="19" y="12"/>
-                  </a:cubicBezTo>
-                  <a:cubicBezTo>
-                    <a:pt x="19" y="8"/>
-                    <a:pt x="16" y="4"/>
-                    <a:pt x="12" y="4"/>
-                  </a:cubicBezTo>
-                  <a:close/>
-                </a:path>
-              </a:pathLst>
-            </a:custGeom>
-            <a:grpFill/>
-            <a:ln>
-              <a:noFill/>
-            </a:ln>
-            <a:extLst>
-              <a:ext uri="{91240B29-F687-4f45-9708-019B960494DF}">
-                <a14:hiddenLine xmlns="" xmlns:a16="http://schemas.microsoft.com/office/drawing/2014/main" xmlns:p14="http://schemas.microsoft.com/office/powerpoint/2010/main" xmlns:a14="http://schemas.microsoft.com/office/drawing/2010/main" w="9525">
-                  <a:solidFill>
-                    <a:srgbClr val="000000"/>
-                  </a:solidFill>
-                  <a:round/>
-                  <a:headEnd/>
-                  <a:tailEnd/>
-                </a14:hiddenLine>
-              </a:ext>
-            </a:extLst>
-          </p:spPr>
-        </p:sp>
-        <p:sp>
-          <p:nvSpPr>
-            <p:cNvPr id="172" name="Freeform 41">
-              <a:extLst>
-                <a:ext uri="{FF2B5EF4-FFF2-40B4-BE49-F238E27FC236}">
-                  <a16:creationId xmlns:a16="http://schemas.microsoft.com/office/drawing/2014/main" id="{D8C82883-237C-4209-9545-E832FEE3A8F6}"/>
-                </a:ext>
-                <a:ext uri="{C183D7F6-B498-43B3-948B-1728B52AA6E4}">
-                  <adec:decorative xmlns:adec="http://schemas.microsoft.com/office/drawing/2017/decorative" val="1"/>
-                </a:ext>
-              </a:extLst>
-            </p:cNvPr>
-            <p:cNvSpPr/>
-            <p:nvPr>
-              <p:extLst>
-                <p:ext uri="{386F3935-93C4-4BCD-93E2-E3B085C9AB24}">
-                  <p16:designElem xmlns:p16="http://schemas.microsoft.com/office/powerpoint/2015/main" val="1"/>
-                </p:ext>
-              </p:extLst>
-            </p:nvPr>
-          </p:nvSpPr>
-          <p:spPr bwMode="auto">
-            <a:xfrm>
-              <a:off x="280988" y="3417888"/>
-              <a:ext cx="142875" cy="474663"/>
-            </a:xfrm>
-            <a:custGeom>
-              <a:avLst/>
-              <a:gdLst/>
-              <a:ahLst/>
-              <a:cxnLst/>
-              <a:rect l="0" t="0" r="r" b="b"/>
-              <a:pathLst>
-                <a:path w="90" h="299">
-                  <a:moveTo>
-                    <a:pt x="12" y="299"/>
-                  </a:moveTo>
-                  <a:lnTo>
-                    <a:pt x="0" y="299"/>
-                  </a:lnTo>
-                  <a:lnTo>
-                    <a:pt x="0" y="80"/>
-                  </a:lnTo>
-                  <a:lnTo>
-                    <a:pt x="81" y="0"/>
-                  </a:lnTo>
-                  <a:lnTo>
-                    <a:pt x="90" y="8"/>
-                  </a:lnTo>
-                  <a:lnTo>
-                    <a:pt x="12" y="83"/>
-                  </a:lnTo>
-                  <a:lnTo>
-                    <a:pt x="12" y="299"/>
-                  </a:lnTo>
-                  <a:close/>
-                </a:path>
-              </a:pathLst>
-            </a:custGeom>
-            <a:grpFill/>
-            <a:ln>
-              <a:noFill/>
-            </a:ln>
-            <a:extLst>
-              <a:ext uri="{91240B29-F687-4f45-9708-019B960494DF}">
-                <a14:hiddenLine xmlns="" xmlns:a16="http://schemas.microsoft.com/office/drawing/2014/main" xmlns:p14="http://schemas.microsoft.com/office/powerpoint/2010/main" xmlns:a14="http://schemas.microsoft.com/office/drawing/2010/main" w="9525">
-                  <a:solidFill>
-                    <a:srgbClr val="000000"/>
-                  </a:solidFill>
-                  <a:round/>
-                  <a:headEnd/>
-                  <a:tailEnd/>
-                </a14:hiddenLine>
-              </a:ext>
-            </a:extLst>
-          </p:spPr>
-        </p:sp>
-        <p:sp>
-          <p:nvSpPr>
-            <p:cNvPr id="173" name="Freeform 42">
-              <a:extLst>
-                <a:ext uri="{FF2B5EF4-FFF2-40B4-BE49-F238E27FC236}">
-                  <a16:creationId xmlns:a16="http://schemas.microsoft.com/office/drawing/2014/main" id="{F1A52653-BD09-4D65-B05C-2AF4A6473A3F}"/>
-                </a:ext>
-                <a:ext uri="{C183D7F6-B498-43B3-948B-1728B52AA6E4}">
-                  <adec:decorative xmlns:adec="http://schemas.microsoft.com/office/drawing/2017/decorative" val="1"/>
-                </a:ext>
-              </a:extLst>
-            </p:cNvPr>
-            <p:cNvSpPr>
-              <a:spLocks noEditPoints="1"/>
-            </p:cNvSpPr>
-            <p:nvPr>
-              <p:extLst>
-                <p:ext uri="{386F3935-93C4-4BCD-93E2-E3B085C9AB24}">
-                  <p16:designElem xmlns:p16="http://schemas.microsoft.com/office/powerpoint/2015/main" val="1"/>
-                </p:ext>
-              </p:extLst>
-            </p:nvPr>
-          </p:nvSpPr>
-          <p:spPr bwMode="auto">
-            <a:xfrm>
-              <a:off x="238125" y="3883025"/>
-              <a:ext cx="109538" cy="109538"/>
-            </a:xfrm>
-            <a:custGeom>
-              <a:avLst/>
-              <a:gdLst/>
-              <a:ahLst/>
-              <a:cxnLst/>
-              <a:rect l="0" t="0" r="r" b="b"/>
-              <a:pathLst>
-                <a:path w="23" h="23">
-                  <a:moveTo>
-                    <a:pt x="11" y="23"/>
-                  </a:moveTo>
-                  <a:cubicBezTo>
-                    <a:pt x="5" y="23"/>
-                    <a:pt x="0" y="18"/>
-                    <a:pt x="0" y="12"/>
-                  </a:cubicBezTo>
-                  <a:cubicBezTo>
-                    <a:pt x="0" y="5"/>
-                    <a:pt x="5" y="0"/>
-                    <a:pt x="11" y="0"/>
-                  </a:cubicBezTo>
-                  <a:cubicBezTo>
-                    <a:pt x="17" y="0"/>
-                    <a:pt x="23" y="5"/>
-                    <a:pt x="23" y="12"/>
-                  </a:cubicBezTo>
-                  <a:cubicBezTo>
-                    <a:pt x="23" y="18"/>
-                    <a:pt x="17" y="23"/>
-                    <a:pt x="11" y="23"/>
-                  </a:cubicBezTo>
-                  <a:close/>
-                  <a:moveTo>
-                    <a:pt x="11" y="4"/>
-                  </a:moveTo>
-                  <a:cubicBezTo>
-                    <a:pt x="7" y="4"/>
-                    <a:pt x="4" y="8"/>
-                    <a:pt x="4" y="12"/>
-                  </a:cubicBezTo>
-                  <a:cubicBezTo>
-                    <a:pt x="4" y="16"/>
-                    <a:pt x="7" y="19"/>
-                    <a:pt x="11" y="19"/>
-                  </a:cubicBezTo>
-                  <a:cubicBezTo>
-                    <a:pt x="15" y="19"/>
-                    <a:pt x="19" y="16"/>
-                    <a:pt x="19" y="12"/>
-                  </a:cubicBezTo>
-                  <a:cubicBezTo>
-                    <a:pt x="19" y="8"/>
-                    <a:pt x="15" y="4"/>
-                    <a:pt x="11" y="4"/>
-                  </a:cubicBezTo>
-                  <a:close/>
-                </a:path>
-              </a:pathLst>
-            </a:custGeom>
-            <a:grpFill/>
-            <a:ln>
-              <a:noFill/>
-            </a:ln>
-            <a:extLst>
-              <a:ext uri="{91240B29-F687-4f45-9708-019B960494DF}">
-                <a14:hiddenLine xmlns="" xmlns:a16="http://schemas.microsoft.com/office/drawing/2014/main" xmlns:p14="http://schemas.microsoft.com/office/powerpoint/2010/main" xmlns:a14="http://schemas.microsoft.com/office/drawing/2010/main" w="9525">
-                  <a:solidFill>
-                    <a:srgbClr val="000000"/>
-                  </a:solidFill>
-                  <a:round/>
-                  <a:headEnd/>
-                  <a:tailEnd/>
-                </a14:hiddenLine>
-              </a:ext>
-            </a:extLst>
-          </p:spPr>
-        </p:sp>
-        <p:sp>
-          <p:nvSpPr>
-            <p:cNvPr id="174" name="Freeform 43">
-              <a:extLst>
-                <a:ext uri="{FF2B5EF4-FFF2-40B4-BE49-F238E27FC236}">
-                  <a16:creationId xmlns:a16="http://schemas.microsoft.com/office/drawing/2014/main" id="{30724E80-2FD3-4E4A-A3EA-18A4C888632B}"/>
-                </a:ext>
-                <a:ext uri="{C183D7F6-B498-43B3-948B-1728B52AA6E4}">
-                  <adec:decorative xmlns:adec="http://schemas.microsoft.com/office/drawing/2017/decorative" val="1"/>
-                </a:ext>
-              </a:extLst>
-            </p:cNvPr>
-            <p:cNvSpPr/>
-            <p:nvPr>
-              <p:extLst>
-                <p:ext uri="{386F3935-93C4-4BCD-93E2-E3B085C9AB24}">
-                  <p16:designElem xmlns:p16="http://schemas.microsoft.com/office/powerpoint/2015/main" val="1"/>
-                </p:ext>
-              </p:extLst>
-            </p:nvPr>
-          </p:nvSpPr>
-          <p:spPr bwMode="auto">
-            <a:xfrm>
-              <a:off x="4763" y="2166938"/>
-              <a:ext cx="114300" cy="452438"/>
-            </a:xfrm>
-            <a:custGeom>
-              <a:avLst/>
-              <a:gdLst/>
-              <a:ahLst/>
-              <a:cxnLst/>
-              <a:rect l="0" t="0" r="r" b="b"/>
-              <a:pathLst>
-                <a:path w="72" h="285">
-                  <a:moveTo>
-                    <a:pt x="6" y="285"/>
-                  </a:moveTo>
-                  <a:lnTo>
-                    <a:pt x="0" y="276"/>
-                  </a:lnTo>
-                  <a:lnTo>
-                    <a:pt x="60" y="216"/>
-                  </a:lnTo>
-                  <a:lnTo>
-                    <a:pt x="60" y="0"/>
-                  </a:lnTo>
-                  <a:lnTo>
-                    <a:pt x="72" y="0"/>
-                  </a:lnTo>
-                  <a:lnTo>
-                    <a:pt x="72" y="222"/>
-                  </a:lnTo>
-                  <a:lnTo>
-                    <a:pt x="6" y="285"/>
-                  </a:lnTo>
-                  <a:close/>
-                </a:path>
-              </a:pathLst>
-            </a:custGeom>
-            <a:grpFill/>
-            <a:ln>
-              <a:noFill/>
-            </a:ln>
-            <a:extLst>
-              <a:ext uri="{91240B29-F687-4f45-9708-019B960494DF}">
-                <a14:hiddenLine xmlns="" xmlns:a16="http://schemas.microsoft.com/office/drawing/2014/main" xmlns:p14="http://schemas.microsoft.com/office/powerpoint/2010/main" xmlns:a14="http://schemas.microsoft.com/office/drawing/2010/main" w="9525">
-                  <a:solidFill>
-                    <a:srgbClr val="000000"/>
-                  </a:solidFill>
-                  <a:round/>
-                  <a:headEnd/>
-                  <a:tailEnd/>
-                </a14:hiddenLine>
-              </a:ext>
-            </a:extLst>
-          </p:spPr>
-        </p:sp>
-        <p:sp>
-          <p:nvSpPr>
-            <p:cNvPr id="175" name="Freeform 44">
-              <a:extLst>
-                <a:ext uri="{FF2B5EF4-FFF2-40B4-BE49-F238E27FC236}">
-                  <a16:creationId xmlns:a16="http://schemas.microsoft.com/office/drawing/2014/main" id="{F1B978C7-7BC5-4F73-8B02-66A3CF67CEA4}"/>
-                </a:ext>
-                <a:ext uri="{C183D7F6-B498-43B3-948B-1728B52AA6E4}">
-                  <adec:decorative xmlns:adec="http://schemas.microsoft.com/office/drawing/2017/decorative" val="1"/>
-                </a:ext>
-              </a:extLst>
-            </p:cNvPr>
-            <p:cNvSpPr>
-              <a:spLocks noEditPoints="1"/>
-            </p:cNvSpPr>
-            <p:nvPr>
-              <p:extLst>
-                <p:ext uri="{386F3935-93C4-4BCD-93E2-E3B085C9AB24}">
-                  <p16:designElem xmlns:p16="http://schemas.microsoft.com/office/powerpoint/2015/main" val="1"/>
-                </p:ext>
-              </p:extLst>
-            </p:nvPr>
-          </p:nvSpPr>
-          <p:spPr bwMode="auto">
-            <a:xfrm>
-              <a:off x="52388" y="2066925"/>
-              <a:ext cx="109538" cy="109538"/>
-            </a:xfrm>
-            <a:custGeom>
-              <a:avLst/>
-              <a:gdLst/>
-              <a:ahLst/>
-              <a:cxnLst/>
-              <a:rect l="0" t="0" r="r" b="b"/>
-              <a:pathLst>
-                <a:path w="23" h="23">
-                  <a:moveTo>
-                    <a:pt x="12" y="23"/>
-                  </a:moveTo>
-                  <a:cubicBezTo>
-                    <a:pt x="5" y="23"/>
-                    <a:pt x="0" y="18"/>
-                    <a:pt x="0" y="12"/>
-                  </a:cubicBezTo>
-                  <a:cubicBezTo>
-                    <a:pt x="0" y="5"/>
-                    <a:pt x="5" y="0"/>
-                    <a:pt x="12" y="0"/>
-                  </a:cubicBezTo>
-                  <a:cubicBezTo>
-                    <a:pt x="18" y="0"/>
-                    <a:pt x="23" y="5"/>
-                    <a:pt x="23" y="12"/>
-                  </a:cubicBezTo>
-                  <a:cubicBezTo>
-                    <a:pt x="23" y="18"/>
-                    <a:pt x="18" y="23"/>
-                    <a:pt x="12" y="23"/>
-                  </a:cubicBezTo>
-                  <a:close/>
-                  <a:moveTo>
-                    <a:pt x="12" y="4"/>
-                  </a:moveTo>
-                  <a:cubicBezTo>
-                    <a:pt x="8" y="4"/>
-                    <a:pt x="4" y="8"/>
-                    <a:pt x="4" y="12"/>
-                  </a:cubicBezTo>
-                  <a:cubicBezTo>
-                    <a:pt x="4" y="16"/>
-                    <a:pt x="8" y="19"/>
-                    <a:pt x="12" y="19"/>
-                  </a:cubicBezTo>
-                  <a:cubicBezTo>
-                    <a:pt x="16" y="19"/>
-                    <a:pt x="19" y="16"/>
-                    <a:pt x="19" y="12"/>
-                  </a:cubicBezTo>
-                  <a:cubicBezTo>
-                    <a:pt x="19" y="8"/>
-                    <a:pt x="16" y="4"/>
-                    <a:pt x="12" y="4"/>
-                  </a:cubicBezTo>
-                  <a:close/>
-                </a:path>
-              </a:pathLst>
-            </a:custGeom>
-            <a:grpFill/>
-            <a:ln>
-              <a:noFill/>
-            </a:ln>
-            <a:extLst>
-              <a:ext uri="{91240B29-F687-4f45-9708-019B960494DF}">
-                <a14:hiddenLine xmlns="" xmlns:a16="http://schemas.microsoft.com/office/drawing/2014/main" xmlns:p14="http://schemas.microsoft.com/office/powerpoint/2010/main" xmlns:a14="http://schemas.microsoft.com/office/drawing/2010/main" w="9525">
-                  <a:solidFill>
-                    <a:srgbClr val="000000"/>
-                  </a:solidFill>
-                  <a:round/>
-                  <a:headEnd/>
-                  <a:tailEnd/>
-                </a14:hiddenLine>
-              </a:ext>
-            </a:extLst>
-          </p:spPr>
-        </p:sp>
-        <p:sp>
-          <p:nvSpPr>
-            <p:cNvPr id="176" name="Rectangle 45">
-              <a:extLst>
-                <a:ext uri="{FF2B5EF4-FFF2-40B4-BE49-F238E27FC236}">
-                  <a16:creationId xmlns:a16="http://schemas.microsoft.com/office/drawing/2014/main" id="{799F0CED-DF8F-4350-A036-1981FBE59680}"/>
-                </a:ext>
-                <a:ext uri="{C183D7F6-B498-43B3-948B-1728B52AA6E4}">
-                  <adec:decorative xmlns:adec="http://schemas.microsoft.com/office/drawing/2017/decorative" val="1"/>
-                </a:ext>
-              </a:extLst>
-            </p:cNvPr>
-            <p:cNvSpPr>
-              <a:spLocks noChangeArrowheads="1"/>
-            </p:cNvSpPr>
-            <p:nvPr>
-              <p:extLst>
-                <p:ext uri="{386F3935-93C4-4BCD-93E2-E3B085C9AB24}">
-                  <p16:designElem xmlns:p16="http://schemas.microsoft.com/office/powerpoint/2015/main" val="1"/>
-                </p:ext>
-              </p:extLst>
-            </p:nvPr>
-          </p:nvSpPr>
-          <p:spPr bwMode="auto">
-            <a:xfrm>
-              <a:off x="1228725" y="4662488"/>
-              <a:ext cx="23813" cy="2181225"/>
-            </a:xfrm>
-            <a:prstGeom prst="rect">
-              <a:avLst/>
-            </a:prstGeom>
-            <a:grpFill/>
-            <a:ln>
-              <a:noFill/>
-            </a:ln>
-            <a:extLst>
-              <a:ext uri="{91240B29-F687-4f45-9708-019B960494DF}">
-                <a14:hiddenLine xmlns="" xmlns:a16="http://schemas.microsoft.com/office/drawing/2014/main" xmlns:p14="http://schemas.microsoft.com/office/powerpoint/2010/main" xmlns:a14="http://schemas.microsoft.com/office/drawing/2010/main" w="9525">
-                  <a:solidFill>
-                    <a:srgbClr val="000000"/>
-                  </a:solidFill>
-                  <a:miter lim="800000"/>
-                  <a:headEnd/>
-                  <a:tailEnd/>
-                </a14:hiddenLine>
-              </a:ext>
-            </a:extLst>
-          </p:spPr>
-        </p:sp>
-        <p:sp>
-          <p:nvSpPr>
-            <p:cNvPr id="177" name="Freeform 46">
-              <a:extLst>
-                <a:ext uri="{FF2B5EF4-FFF2-40B4-BE49-F238E27FC236}">
-                  <a16:creationId xmlns:a16="http://schemas.microsoft.com/office/drawing/2014/main" id="{9F4DD366-0E86-4E99-9557-496E88B421FF}"/>
-                </a:ext>
-                <a:ext uri="{C183D7F6-B498-43B3-948B-1728B52AA6E4}">
-                  <adec:decorative xmlns:adec="http://schemas.microsoft.com/office/drawing/2017/decorative" val="1"/>
-                </a:ext>
-              </a:extLst>
-            </p:cNvPr>
-            <p:cNvSpPr/>
-            <p:nvPr>
-              <p:extLst>
-                <p:ext uri="{386F3935-93C4-4BCD-93E2-E3B085C9AB24}">
-                  <p16:designElem xmlns:p16="http://schemas.microsoft.com/office/powerpoint/2015/main" val="1"/>
-                </p:ext>
-              </p:extLst>
-            </p:nvPr>
-          </p:nvSpPr>
-          <p:spPr bwMode="auto">
-            <a:xfrm>
-              <a:off x="1319213" y="5041900"/>
-              <a:ext cx="371475" cy="1801813"/>
-            </a:xfrm>
-            <a:custGeom>
-              <a:avLst/>
-              <a:gdLst/>
-              <a:ahLst/>
-              <a:cxnLst/>
-              <a:rect l="0" t="0" r="r" b="b"/>
-              <a:pathLst>
-                <a:path w="234" h="1135">
-                  <a:moveTo>
-                    <a:pt x="15" y="1135"/>
-                  </a:moveTo>
-                  <a:lnTo>
-                    <a:pt x="0" y="1135"/>
-                  </a:lnTo>
-                  <a:lnTo>
-                    <a:pt x="0" y="515"/>
-                  </a:lnTo>
-                  <a:lnTo>
-                    <a:pt x="0" y="512"/>
-                  </a:lnTo>
-                  <a:lnTo>
-                    <a:pt x="219" y="0"/>
-                  </a:lnTo>
-                  <a:lnTo>
-                    <a:pt x="234" y="6"/>
-                  </a:lnTo>
-                  <a:lnTo>
-                    <a:pt x="15" y="518"/>
-                  </a:lnTo>
-                  <a:lnTo>
-                    <a:pt x="15" y="1135"/>
-                  </a:lnTo>
-                  <a:close/>
-                </a:path>
-              </a:pathLst>
-            </a:custGeom>
-            <a:grpFill/>
-            <a:ln>
-              <a:noFill/>
-            </a:ln>
-            <a:extLst>
-              <a:ext uri="{91240B29-F687-4f45-9708-019B960494DF}">
-                <a14:hiddenLine xmlns="" xmlns:a16="http://schemas.microsoft.com/office/drawing/2014/main" xmlns:p14="http://schemas.microsoft.com/office/powerpoint/2010/main" xmlns:a14="http://schemas.microsoft.com/office/drawing/2010/main" w="9525">
-                  <a:solidFill>
-                    <a:srgbClr val="000000"/>
-                  </a:solidFill>
-                  <a:round/>
-                  <a:headEnd/>
-                  <a:tailEnd/>
-                </a14:hiddenLine>
-              </a:ext>
-            </a:extLst>
-          </p:spPr>
-        </p:sp>
-        <p:sp>
-          <p:nvSpPr>
-            <p:cNvPr id="178" name="Freeform 47">
-              <a:extLst>
-                <a:ext uri="{FF2B5EF4-FFF2-40B4-BE49-F238E27FC236}">
-                  <a16:creationId xmlns:a16="http://schemas.microsoft.com/office/drawing/2014/main" id="{78BB3321-D5DC-4951-AB38-0C54E3D01D35}"/>
-                </a:ext>
-                <a:ext uri="{C183D7F6-B498-43B3-948B-1728B52AA6E4}">
-                  <adec:decorative xmlns:adec="http://schemas.microsoft.com/office/drawing/2017/decorative" val="1"/>
-                </a:ext>
-              </a:extLst>
-            </p:cNvPr>
-            <p:cNvSpPr>
-              <a:spLocks noEditPoints="1"/>
-            </p:cNvSpPr>
-            <p:nvPr>
-              <p:extLst>
-                <p:ext uri="{386F3935-93C4-4BCD-93E2-E3B085C9AB24}">
-                  <p16:designElem xmlns:p16="http://schemas.microsoft.com/office/powerpoint/2015/main" val="1"/>
-                </p:ext>
-              </p:extLst>
-            </p:nvPr>
-          </p:nvSpPr>
-          <p:spPr bwMode="auto">
-            <a:xfrm>
-              <a:off x="1147763" y="4481513"/>
-              <a:ext cx="190500" cy="190500"/>
-            </a:xfrm>
-            <a:custGeom>
-              <a:avLst/>
-              <a:gdLst/>
-              <a:ahLst/>
-              <a:cxnLst/>
-              <a:rect l="0" t="0" r="r" b="b"/>
-              <a:pathLst>
-                <a:path w="40" h="40">
-                  <a:moveTo>
-                    <a:pt x="20" y="40"/>
-                  </a:moveTo>
-                  <a:cubicBezTo>
-                    <a:pt x="9" y="40"/>
-                    <a:pt x="0" y="31"/>
-                    <a:pt x="0" y="20"/>
-                  </a:cubicBezTo>
-                  <a:cubicBezTo>
-                    <a:pt x="0" y="9"/>
-                    <a:pt x="9" y="0"/>
-                    <a:pt x="20" y="0"/>
-                  </a:cubicBezTo>
-                  <a:cubicBezTo>
-                    <a:pt x="31" y="0"/>
-                    <a:pt x="40" y="9"/>
-                    <a:pt x="40" y="20"/>
-                  </a:cubicBezTo>
-                  <a:cubicBezTo>
-                    <a:pt x="40" y="31"/>
-                    <a:pt x="31" y="40"/>
-                    <a:pt x="20" y="40"/>
-                  </a:cubicBezTo>
-                  <a:close/>
-                  <a:moveTo>
-                    <a:pt x="20" y="4"/>
-                  </a:moveTo>
-                  <a:cubicBezTo>
-                    <a:pt x="11" y="4"/>
-                    <a:pt x="4" y="11"/>
-                    <a:pt x="4" y="20"/>
-                  </a:cubicBezTo>
-                  <a:cubicBezTo>
-                    <a:pt x="4" y="29"/>
-                    <a:pt x="11" y="36"/>
-                    <a:pt x="20" y="36"/>
-                  </a:cubicBezTo>
-                  <a:cubicBezTo>
-                    <a:pt x="28" y="36"/>
-                    <a:pt x="36" y="29"/>
-                    <a:pt x="36" y="20"/>
-                  </a:cubicBezTo>
-                  <a:cubicBezTo>
-                    <a:pt x="36" y="11"/>
-                    <a:pt x="28" y="4"/>
-                    <a:pt x="20" y="4"/>
-                  </a:cubicBezTo>
-                  <a:close/>
-                </a:path>
-              </a:pathLst>
-            </a:custGeom>
-            <a:grpFill/>
-            <a:ln>
-              <a:noFill/>
-            </a:ln>
-            <a:extLst>
-              <a:ext uri="{91240B29-F687-4f45-9708-019B960494DF}">
-                <a14:hiddenLine xmlns="" xmlns:a16="http://schemas.microsoft.com/office/drawing/2014/main" xmlns:p14="http://schemas.microsoft.com/office/powerpoint/2010/main" xmlns:a14="http://schemas.microsoft.com/office/drawing/2010/main" w="9525">
-                  <a:solidFill>
-                    <a:srgbClr val="000000"/>
-                  </a:solidFill>
-                  <a:round/>
-                  <a:headEnd/>
-                  <a:tailEnd/>
-                </a14:hiddenLine>
-              </a:ext>
-            </a:extLst>
-          </p:spPr>
-        </p:sp>
-        <p:sp>
-          <p:nvSpPr>
-            <p:cNvPr id="179" name="Freeform 48">
-              <a:extLst>
-                <a:ext uri="{FF2B5EF4-FFF2-40B4-BE49-F238E27FC236}">
-                  <a16:creationId xmlns:a16="http://schemas.microsoft.com/office/drawing/2014/main" id="{955E548C-7F86-45B2-A0D2-03EAC578D3D8}"/>
-                </a:ext>
-                <a:ext uri="{C183D7F6-B498-43B3-948B-1728B52AA6E4}">
-                  <adec:decorative xmlns:adec="http://schemas.microsoft.com/office/drawing/2017/decorative" val="1"/>
-                </a:ext>
-              </a:extLst>
-            </p:cNvPr>
-            <p:cNvSpPr/>
-            <p:nvPr>
-              <p:extLst>
-                <p:ext uri="{386F3935-93C4-4BCD-93E2-E3B085C9AB24}">
-                  <p16:designElem xmlns:p16="http://schemas.microsoft.com/office/powerpoint/2015/main" val="1"/>
-                </p:ext>
-              </p:extLst>
-            </p:nvPr>
-          </p:nvSpPr>
-          <p:spPr bwMode="auto">
-            <a:xfrm>
-              <a:off x="819150" y="3983038"/>
-              <a:ext cx="347663" cy="2860675"/>
-            </a:xfrm>
-            <a:custGeom>
-              <a:avLst/>
-              <a:gdLst/>
-              <a:ahLst/>
-              <a:cxnLst/>
-              <a:rect l="0" t="0" r="r" b="b"/>
-              <a:pathLst>
-                <a:path w="219" h="1802">
-                  <a:moveTo>
-                    <a:pt x="219" y="1802"/>
-                  </a:moveTo>
-                  <a:lnTo>
-                    <a:pt x="201" y="1802"/>
-                  </a:lnTo>
-                  <a:lnTo>
-                    <a:pt x="201" y="1185"/>
-                  </a:lnTo>
-                  <a:lnTo>
-                    <a:pt x="0" y="3"/>
-                  </a:lnTo>
-                  <a:lnTo>
-                    <a:pt x="15" y="0"/>
-                  </a:lnTo>
-                  <a:lnTo>
-                    <a:pt x="219" y="1185"/>
-                  </a:lnTo>
-                  <a:lnTo>
-                    <a:pt x="219" y="1802"/>
-                  </a:lnTo>
-                  <a:close/>
-                </a:path>
-              </a:pathLst>
-            </a:custGeom>
-            <a:grpFill/>
-            <a:ln>
-              <a:noFill/>
-            </a:ln>
-            <a:extLst>
-              <a:ext uri="{91240B29-F687-4f45-9708-019B960494DF}">
-                <a14:hiddenLine xmlns="" xmlns:a16="http://schemas.microsoft.com/office/drawing/2014/main" xmlns:p14="http://schemas.microsoft.com/office/powerpoint/2010/main" xmlns:a14="http://schemas.microsoft.com/office/drawing/2010/main" w="9525">
-                  <a:solidFill>
-                    <a:srgbClr val="000000"/>
-                  </a:solidFill>
-                  <a:round/>
-                  <a:headEnd/>
-                  <a:tailEnd/>
-                </a14:hiddenLine>
-              </a:ext>
-            </a:extLst>
-          </p:spPr>
-        </p:sp>
-        <p:sp>
-          <p:nvSpPr>
-            <p:cNvPr id="180" name="Freeform 49">
-              <a:extLst>
-                <a:ext uri="{FF2B5EF4-FFF2-40B4-BE49-F238E27FC236}">
-                  <a16:creationId xmlns:a16="http://schemas.microsoft.com/office/drawing/2014/main" id="{0013F508-5E69-4911-AD93-4ABE3E7C568B}"/>
-                </a:ext>
-                <a:ext uri="{C183D7F6-B498-43B3-948B-1728B52AA6E4}">
-                  <adec:decorative xmlns:adec="http://schemas.microsoft.com/office/drawing/2017/decorative" val="1"/>
-                </a:ext>
-              </a:extLst>
-            </p:cNvPr>
-            <p:cNvSpPr>
-              <a:spLocks noEditPoints="1"/>
-            </p:cNvSpPr>
-            <p:nvPr>
-              <p:extLst>
-                <p:ext uri="{386F3935-93C4-4BCD-93E2-E3B085C9AB24}">
-                  <p16:designElem xmlns:p16="http://schemas.microsoft.com/office/powerpoint/2015/main" val="1"/>
-                </p:ext>
-              </p:extLst>
-            </p:nvPr>
-          </p:nvSpPr>
-          <p:spPr bwMode="auto">
-            <a:xfrm>
-              <a:off x="728663" y="3806825"/>
-              <a:ext cx="190500" cy="190500"/>
-            </a:xfrm>
-            <a:custGeom>
-              <a:avLst/>
-              <a:gdLst/>
-              <a:ahLst/>
-              <a:cxnLst/>
-              <a:rect l="0" t="0" r="r" b="b"/>
-              <a:pathLst>
-                <a:path w="40" h="40">
-                  <a:moveTo>
-                    <a:pt x="20" y="40"/>
-                  </a:moveTo>
-                  <a:cubicBezTo>
-                    <a:pt x="9" y="40"/>
-                    <a:pt x="0" y="31"/>
-                    <a:pt x="0" y="20"/>
-                  </a:cubicBezTo>
-                  <a:cubicBezTo>
-                    <a:pt x="0" y="9"/>
-                    <a:pt x="9" y="0"/>
-                    <a:pt x="20" y="0"/>
-                  </a:cubicBezTo>
-                  <a:cubicBezTo>
-                    <a:pt x="31" y="0"/>
-                    <a:pt x="40" y="9"/>
-                    <a:pt x="40" y="20"/>
-                  </a:cubicBezTo>
-                  <a:cubicBezTo>
-                    <a:pt x="40" y="31"/>
-                    <a:pt x="31" y="40"/>
-                    <a:pt x="20" y="40"/>
-                  </a:cubicBezTo>
-                  <a:close/>
-                  <a:moveTo>
-                    <a:pt x="20" y="4"/>
-                  </a:moveTo>
-                  <a:cubicBezTo>
-                    <a:pt x="11" y="4"/>
-                    <a:pt x="4" y="11"/>
-                    <a:pt x="4" y="20"/>
-                  </a:cubicBezTo>
-                  <a:cubicBezTo>
-                    <a:pt x="4" y="28"/>
-                    <a:pt x="11" y="36"/>
-                    <a:pt x="20" y="36"/>
-                  </a:cubicBezTo>
-                  <a:cubicBezTo>
-                    <a:pt x="29" y="36"/>
-                    <a:pt x="36" y="28"/>
-                    <a:pt x="36" y="20"/>
-                  </a:cubicBezTo>
-                  <a:cubicBezTo>
-                    <a:pt x="36" y="11"/>
-                    <a:pt x="29" y="4"/>
-                    <a:pt x="20" y="4"/>
-                  </a:cubicBezTo>
-                  <a:close/>
-                </a:path>
-              </a:pathLst>
-            </a:custGeom>
-            <a:grpFill/>
-            <a:ln>
-              <a:noFill/>
-            </a:ln>
-            <a:extLst>
-              <a:ext uri="{91240B29-F687-4f45-9708-019B960494DF}">
-                <a14:hiddenLine xmlns="" xmlns:a16="http://schemas.microsoft.com/office/drawing/2014/main" xmlns:p14="http://schemas.microsoft.com/office/powerpoint/2010/main" xmlns:a14="http://schemas.microsoft.com/office/drawing/2010/main" w="9525">
-                  <a:solidFill>
-                    <a:srgbClr val="000000"/>
-                  </a:solidFill>
-                  <a:round/>
-                  <a:headEnd/>
-                  <a:tailEnd/>
-                </a14:hiddenLine>
-              </a:ext>
-            </a:extLst>
-          </p:spPr>
-        </p:sp>
-        <p:sp>
-          <p:nvSpPr>
-            <p:cNvPr id="181" name="Freeform 50">
-              <a:extLst>
-                <a:ext uri="{FF2B5EF4-FFF2-40B4-BE49-F238E27FC236}">
-                  <a16:creationId xmlns:a16="http://schemas.microsoft.com/office/drawing/2014/main" id="{A7F86768-93E0-4044-A62A-B11EB18FF278}"/>
-                </a:ext>
-                <a:ext uri="{C183D7F6-B498-43B3-948B-1728B52AA6E4}">
-                  <adec:decorative xmlns:adec="http://schemas.microsoft.com/office/drawing/2017/decorative" val="1"/>
-                </a:ext>
-              </a:extLst>
-            </p:cNvPr>
-            <p:cNvSpPr>
-              <a:spLocks noEditPoints="1"/>
-            </p:cNvSpPr>
-            <p:nvPr>
-              <p:extLst>
-                <p:ext uri="{386F3935-93C4-4BCD-93E2-E3B085C9AB24}">
-                  <p16:designElem xmlns:p16="http://schemas.microsoft.com/office/powerpoint/2015/main" val="1"/>
-                </p:ext>
-              </p:extLst>
-            </p:nvPr>
-          </p:nvSpPr>
-          <p:spPr bwMode="auto">
-            <a:xfrm>
-              <a:off x="1624013" y="4867275"/>
-              <a:ext cx="190500" cy="188913"/>
-            </a:xfrm>
-            <a:custGeom>
-              <a:avLst/>
-              <a:gdLst/>
-              <a:ahLst/>
-              <a:cxnLst/>
-              <a:rect l="0" t="0" r="r" b="b"/>
-              <a:pathLst>
-                <a:path w="40" h="40">
-                  <a:moveTo>
-                    <a:pt x="20" y="40"/>
-                  </a:moveTo>
-                  <a:cubicBezTo>
-                    <a:pt x="9" y="40"/>
-                    <a:pt x="0" y="31"/>
-                    <a:pt x="0" y="20"/>
-                  </a:cubicBezTo>
-                  <a:cubicBezTo>
-                    <a:pt x="0" y="9"/>
-                    <a:pt x="9" y="0"/>
-                    <a:pt x="20" y="0"/>
-                  </a:cubicBezTo>
-                  <a:cubicBezTo>
-                    <a:pt x="31" y="0"/>
-                    <a:pt x="40" y="9"/>
-                    <a:pt x="40" y="20"/>
-                  </a:cubicBezTo>
-                  <a:cubicBezTo>
-                    <a:pt x="40" y="31"/>
-                    <a:pt x="31" y="40"/>
-                    <a:pt x="20" y="40"/>
-                  </a:cubicBezTo>
-                  <a:close/>
-                  <a:moveTo>
-                    <a:pt x="20" y="4"/>
-                  </a:moveTo>
-                  <a:cubicBezTo>
-                    <a:pt x="11" y="4"/>
-                    <a:pt x="4" y="11"/>
-                    <a:pt x="4" y="20"/>
-                  </a:cubicBezTo>
-                  <a:cubicBezTo>
-                    <a:pt x="4" y="29"/>
-                    <a:pt x="11" y="36"/>
-                    <a:pt x="20" y="36"/>
-                  </a:cubicBezTo>
-                  <a:cubicBezTo>
-                    <a:pt x="28" y="36"/>
-                    <a:pt x="36" y="29"/>
-                    <a:pt x="36" y="20"/>
-                  </a:cubicBezTo>
-                  <a:cubicBezTo>
-                    <a:pt x="36" y="11"/>
-                    <a:pt x="28" y="4"/>
-                    <a:pt x="20" y="4"/>
-                  </a:cubicBezTo>
-                  <a:close/>
-                </a:path>
-              </a:pathLst>
-            </a:custGeom>
-            <a:grpFill/>
-            <a:ln>
-              <a:noFill/>
-            </a:ln>
-            <a:extLst>
-              <a:ext uri="{91240B29-F687-4f45-9708-019B960494DF}">
-                <a14:hiddenLine xmlns="" xmlns:a16="http://schemas.microsoft.com/office/drawing/2014/main" xmlns:p14="http://schemas.microsoft.com/office/powerpoint/2010/main" xmlns:a14="http://schemas.microsoft.com/office/drawing/2010/main" w="9525">
-                  <a:solidFill>
-                    <a:srgbClr val="000000"/>
-                  </a:solidFill>
-                  <a:round/>
-                  <a:headEnd/>
-                  <a:tailEnd/>
-                </a14:hiddenLine>
-              </a:ext>
-            </a:extLst>
-          </p:spPr>
-        </p:sp>
-        <p:sp>
-          <p:nvSpPr>
-            <p:cNvPr id="182" name="Freeform 51">
-              <a:extLst>
-                <a:ext uri="{FF2B5EF4-FFF2-40B4-BE49-F238E27FC236}">
-                  <a16:creationId xmlns:a16="http://schemas.microsoft.com/office/drawing/2014/main" id="{BA32A7B4-1DB2-4E4A-B86E-D8DB97B69609}"/>
-                </a:ext>
-                <a:ext uri="{C183D7F6-B498-43B3-948B-1728B52AA6E4}">
-                  <adec:decorative xmlns:adec="http://schemas.microsoft.com/office/drawing/2017/decorative" val="1"/>
-                </a:ext>
-              </a:extLst>
-            </p:cNvPr>
-            <p:cNvSpPr/>
-            <p:nvPr>
-              <p:extLst>
-                <p:ext uri="{386F3935-93C4-4BCD-93E2-E3B085C9AB24}">
-                  <p16:designElem xmlns:p16="http://schemas.microsoft.com/office/powerpoint/2015/main" val="1"/>
-                </p:ext>
-              </p:extLst>
-            </p:nvPr>
-          </p:nvSpPr>
-          <p:spPr bwMode="auto">
-            <a:xfrm>
-              <a:off x="1404938" y="5422900"/>
-              <a:ext cx="371475" cy="1425575"/>
-            </a:xfrm>
-            <a:custGeom>
-              <a:avLst/>
-              <a:gdLst/>
-              <a:ahLst/>
-              <a:cxnLst/>
-              <a:rect l="0" t="0" r="r" b="b"/>
-              <a:pathLst>
-                <a:path w="234" h="898">
-                  <a:moveTo>
-                    <a:pt x="18" y="898"/>
-                  </a:moveTo>
-                  <a:lnTo>
-                    <a:pt x="0" y="898"/>
-                  </a:lnTo>
-                  <a:lnTo>
-                    <a:pt x="0" y="515"/>
-                  </a:lnTo>
-                  <a:lnTo>
-                    <a:pt x="0" y="512"/>
-                  </a:lnTo>
-                  <a:lnTo>
-                    <a:pt x="222" y="0"/>
-                  </a:lnTo>
-                  <a:lnTo>
-                    <a:pt x="234" y="6"/>
-                  </a:lnTo>
-                  <a:lnTo>
-                    <a:pt x="18" y="518"/>
-                  </a:lnTo>
-                  <a:lnTo>
-                    <a:pt x="18" y="898"/>
-                  </a:lnTo>
-                  <a:close/>
-                </a:path>
-              </a:pathLst>
-            </a:custGeom>
-            <a:grpFill/>
-            <a:ln>
-              <a:noFill/>
-            </a:ln>
-            <a:extLst>
-              <a:ext uri="{91240B29-F687-4f45-9708-019B960494DF}">
-                <a14:hiddenLine xmlns="" xmlns:a16="http://schemas.microsoft.com/office/drawing/2014/main" xmlns:p14="http://schemas.microsoft.com/office/powerpoint/2010/main" xmlns:a14="http://schemas.microsoft.com/office/drawing/2010/main" w="9525">
-                  <a:solidFill>
-                    <a:srgbClr val="000000"/>
-                  </a:solidFill>
-                  <a:round/>
-                  <a:headEnd/>
-                  <a:tailEnd/>
-                </a14:hiddenLine>
-              </a:ext>
-            </a:extLst>
-          </p:spPr>
-        </p:sp>
-        <p:sp>
-          <p:nvSpPr>
-            <p:cNvPr id="183" name="Freeform 52">
-              <a:extLst>
-                <a:ext uri="{FF2B5EF4-FFF2-40B4-BE49-F238E27FC236}">
-                  <a16:creationId xmlns:a16="http://schemas.microsoft.com/office/drawing/2014/main" id="{AB250BD5-076C-4428-B6AF-E9EAE4F65E28}"/>
-                </a:ext>
-                <a:ext uri="{C183D7F6-B498-43B3-948B-1728B52AA6E4}">
-                  <adec:decorative xmlns:adec="http://schemas.microsoft.com/office/drawing/2017/decorative" val="1"/>
-                </a:ext>
-              </a:extLst>
-            </p:cNvPr>
-            <p:cNvSpPr/>
-            <p:nvPr>
-              <p:extLst>
-                <p:ext uri="{386F3935-93C4-4BCD-93E2-E3B085C9AB24}">
-                  <p16:designElem xmlns:p16="http://schemas.microsoft.com/office/powerpoint/2015/main" val="1"/>
-                </p:ext>
-              </p:extLst>
-            </p:nvPr>
-          </p:nvSpPr>
-          <p:spPr bwMode="auto">
-            <a:xfrm>
-              <a:off x="1666875" y="5945188"/>
-              <a:ext cx="152400" cy="912813"/>
-            </a:xfrm>
-            <a:custGeom>
-              <a:avLst/>
-              <a:gdLst/>
-              <a:ahLst/>
-              <a:cxnLst/>
-              <a:rect l="0" t="0" r="r" b="b"/>
-              <a:pathLst>
-                <a:path w="96" h="575">
-                  <a:moveTo>
-                    <a:pt x="15" y="575"/>
-                  </a:moveTo>
-                  <a:lnTo>
-                    <a:pt x="0" y="569"/>
-                  </a:lnTo>
-                  <a:lnTo>
-                    <a:pt x="81" y="383"/>
-                  </a:lnTo>
-                  <a:lnTo>
-                    <a:pt x="81" y="0"/>
-                  </a:lnTo>
-                  <a:lnTo>
-                    <a:pt x="96" y="0"/>
-                  </a:lnTo>
-                  <a:lnTo>
-                    <a:pt x="96" y="386"/>
-                  </a:lnTo>
-                  <a:lnTo>
-                    <a:pt x="15" y="575"/>
-                  </a:lnTo>
-                  <a:close/>
-                </a:path>
-              </a:pathLst>
-            </a:custGeom>
-            <a:grpFill/>
-            <a:ln>
-              <a:noFill/>
-            </a:ln>
-            <a:extLst>
-              <a:ext uri="{91240B29-F687-4f45-9708-019B960494DF}">
-                <a14:hiddenLine xmlns="" xmlns:a16="http://schemas.microsoft.com/office/drawing/2014/main" xmlns:p14="http://schemas.microsoft.com/office/powerpoint/2010/main" xmlns:a14="http://schemas.microsoft.com/office/drawing/2010/main" w="9525">
-                  <a:solidFill>
-                    <a:srgbClr val="000000"/>
-                  </a:solidFill>
-                  <a:round/>
-                  <a:headEnd/>
-                  <a:tailEnd/>
-                </a14:hiddenLine>
-              </a:ext>
-            </a:extLst>
-          </p:spPr>
-        </p:sp>
-        <p:sp>
-          <p:nvSpPr>
-            <p:cNvPr id="184" name="Freeform 53">
-              <a:extLst>
-                <a:ext uri="{FF2B5EF4-FFF2-40B4-BE49-F238E27FC236}">
-                  <a16:creationId xmlns:a16="http://schemas.microsoft.com/office/drawing/2014/main" id="{027DA06A-045F-4711-9307-0508B6ACFA42}"/>
-                </a:ext>
-                <a:ext uri="{C183D7F6-B498-43B3-948B-1728B52AA6E4}">
-                  <adec:decorative xmlns:adec="http://schemas.microsoft.com/office/drawing/2017/decorative" val="1"/>
-                </a:ext>
-              </a:extLst>
-            </p:cNvPr>
-            <p:cNvSpPr>
-              <a:spLocks noEditPoints="1"/>
-            </p:cNvSpPr>
-            <p:nvPr>
-              <p:extLst>
-                <p:ext uri="{386F3935-93C4-4BCD-93E2-E3B085C9AB24}">
-                  <p16:designElem xmlns:p16="http://schemas.microsoft.com/office/powerpoint/2015/main" val="1"/>
-                </p:ext>
-              </p:extLst>
-            </p:nvPr>
-          </p:nvSpPr>
-          <p:spPr bwMode="auto">
-            <a:xfrm>
-              <a:off x="1709738" y="5246688"/>
-              <a:ext cx="190500" cy="190500"/>
-            </a:xfrm>
-            <a:custGeom>
-              <a:avLst/>
-              <a:gdLst/>
-              <a:ahLst/>
-              <a:cxnLst/>
-              <a:rect l="0" t="0" r="r" b="b"/>
-              <a:pathLst>
-                <a:path w="40" h="40">
-                  <a:moveTo>
-                    <a:pt x="20" y="40"/>
-                  </a:moveTo>
-                  <a:cubicBezTo>
-                    <a:pt x="9" y="40"/>
-                    <a:pt x="0" y="31"/>
-                    <a:pt x="0" y="20"/>
-                  </a:cubicBezTo>
-                  <a:cubicBezTo>
-                    <a:pt x="0" y="9"/>
-                    <a:pt x="9" y="0"/>
-                    <a:pt x="20" y="0"/>
-                  </a:cubicBezTo>
-                  <a:cubicBezTo>
-                    <a:pt x="31" y="0"/>
-                    <a:pt x="40" y="9"/>
-                    <a:pt x="40" y="20"/>
-                  </a:cubicBezTo>
-                  <a:cubicBezTo>
-                    <a:pt x="40" y="31"/>
-                    <a:pt x="31" y="40"/>
-                    <a:pt x="20" y="40"/>
-                  </a:cubicBezTo>
-                  <a:close/>
-                  <a:moveTo>
-                    <a:pt x="20" y="4"/>
-                  </a:moveTo>
-                  <a:cubicBezTo>
-                    <a:pt x="11" y="4"/>
-                    <a:pt x="4" y="11"/>
-                    <a:pt x="4" y="20"/>
-                  </a:cubicBezTo>
-                  <a:cubicBezTo>
-                    <a:pt x="4" y="29"/>
-                    <a:pt x="11" y="36"/>
-                    <a:pt x="20" y="36"/>
-                  </a:cubicBezTo>
-                  <a:cubicBezTo>
-                    <a:pt x="29" y="36"/>
-                    <a:pt x="36" y="29"/>
-                    <a:pt x="36" y="20"/>
-                  </a:cubicBezTo>
-                  <a:cubicBezTo>
-                    <a:pt x="36" y="11"/>
-                    <a:pt x="29" y="4"/>
-                    <a:pt x="20" y="4"/>
-                  </a:cubicBezTo>
-                  <a:close/>
-                </a:path>
-              </a:pathLst>
-            </a:custGeom>
-            <a:grpFill/>
-            <a:ln>
-              <a:noFill/>
-            </a:ln>
-            <a:extLst>
-              <a:ext uri="{91240B29-F687-4f45-9708-019B960494DF}">
-                <a14:hiddenLine xmlns="" xmlns:a16="http://schemas.microsoft.com/office/drawing/2014/main" xmlns:p14="http://schemas.microsoft.com/office/powerpoint/2010/main" xmlns:a14="http://schemas.microsoft.com/office/drawing/2010/main" w="9525">
-                  <a:solidFill>
-                    <a:srgbClr val="000000"/>
-                  </a:solidFill>
-                  <a:round/>
-                  <a:headEnd/>
-                  <a:tailEnd/>
-                </a14:hiddenLine>
-              </a:ext>
-            </a:extLst>
-          </p:spPr>
-        </p:sp>
-        <p:sp>
-          <p:nvSpPr>
-            <p:cNvPr id="185" name="Freeform 54">
-              <a:extLst>
-                <a:ext uri="{FF2B5EF4-FFF2-40B4-BE49-F238E27FC236}">
-                  <a16:creationId xmlns:a16="http://schemas.microsoft.com/office/drawing/2014/main" id="{3EB0EDA8-385A-4B2B-97F0-5194F23EB5C0}"/>
-                </a:ext>
-                <a:ext uri="{C183D7F6-B498-43B3-948B-1728B52AA6E4}">
-                  <adec:decorative xmlns:adec="http://schemas.microsoft.com/office/drawing/2017/decorative" val="1"/>
-                </a:ext>
-              </a:extLst>
-            </p:cNvPr>
-            <p:cNvSpPr>
-              <a:spLocks noEditPoints="1"/>
-            </p:cNvSpPr>
-            <p:nvPr>
-              <p:extLst>
-                <p:ext uri="{386F3935-93C4-4BCD-93E2-E3B085C9AB24}">
-                  <p16:designElem xmlns:p16="http://schemas.microsoft.com/office/powerpoint/2015/main" val="1"/>
-                </p:ext>
-              </p:extLst>
-            </p:nvPr>
-          </p:nvSpPr>
-          <p:spPr bwMode="auto">
-            <a:xfrm>
-              <a:off x="1709738" y="5764213"/>
-              <a:ext cx="190500" cy="190500"/>
-            </a:xfrm>
-            <a:custGeom>
-              <a:avLst/>
-              <a:gdLst/>
-              <a:ahLst/>
-              <a:cxnLst/>
-              <a:rect l="0" t="0" r="r" b="b"/>
-              <a:pathLst>
-                <a:path w="40" h="40">
-                  <a:moveTo>
-                    <a:pt x="20" y="40"/>
-                  </a:moveTo>
-                  <a:cubicBezTo>
-                    <a:pt x="9" y="40"/>
-                    <a:pt x="0" y="31"/>
-                    <a:pt x="0" y="20"/>
-                  </a:cubicBezTo>
-                  <a:cubicBezTo>
-                    <a:pt x="0" y="9"/>
-                    <a:pt x="9" y="0"/>
-                    <a:pt x="20" y="0"/>
-                  </a:cubicBezTo>
-                  <a:cubicBezTo>
-                    <a:pt x="31" y="0"/>
-                    <a:pt x="40" y="9"/>
-                    <a:pt x="40" y="20"/>
-                  </a:cubicBezTo>
-                  <a:cubicBezTo>
-                    <a:pt x="40" y="31"/>
-                    <a:pt x="31" y="40"/>
-                    <a:pt x="20" y="40"/>
-                  </a:cubicBezTo>
-                  <a:close/>
-                  <a:moveTo>
-                    <a:pt x="20" y="4"/>
-                  </a:moveTo>
-                  <a:cubicBezTo>
-                    <a:pt x="11" y="4"/>
-                    <a:pt x="4" y="11"/>
-                    <a:pt x="4" y="20"/>
-                  </a:cubicBezTo>
-                  <a:cubicBezTo>
-                    <a:pt x="4" y="29"/>
-                    <a:pt x="11" y="36"/>
-                    <a:pt x="20" y="36"/>
-                  </a:cubicBezTo>
-                  <a:cubicBezTo>
-                    <a:pt x="29" y="36"/>
-                    <a:pt x="36" y="29"/>
-                    <a:pt x="36" y="20"/>
-                  </a:cubicBezTo>
-                  <a:cubicBezTo>
-                    <a:pt x="36" y="11"/>
-                    <a:pt x="29" y="4"/>
-                    <a:pt x="20" y="4"/>
-                  </a:cubicBezTo>
-                  <a:close/>
-                </a:path>
-              </a:pathLst>
-            </a:custGeom>
-            <a:grpFill/>
-            <a:ln>
-              <a:noFill/>
-            </a:ln>
-            <a:extLst>
-              <a:ext uri="{91240B29-F687-4f45-9708-019B960494DF}">
-                <a14:hiddenLine xmlns="" xmlns:a16="http://schemas.microsoft.com/office/drawing/2014/main" xmlns:p14="http://schemas.microsoft.com/office/powerpoint/2010/main" xmlns:a14="http://schemas.microsoft.com/office/drawing/2010/main" w="9525">
-                  <a:solidFill>
-                    <a:srgbClr val="000000"/>
-                  </a:solidFill>
-                  <a:round/>
-                  <a:headEnd/>
-                  <a:tailEnd/>
-                </a14:hiddenLine>
-              </a:ext>
-            </a:extLst>
-          </p:spPr>
-        </p:sp>
-        <p:sp>
-          <p:nvSpPr>
-            <p:cNvPr id="186" name="Freeform 55">
-              <a:extLst>
-                <a:ext uri="{FF2B5EF4-FFF2-40B4-BE49-F238E27FC236}">
-                  <a16:creationId xmlns:a16="http://schemas.microsoft.com/office/drawing/2014/main" id="{D6FA258E-AF3F-47C9-9F4E-39ECFD7AC0D6}"/>
-                </a:ext>
-                <a:ext uri="{C183D7F6-B498-43B3-948B-1728B52AA6E4}">
-                  <adec:decorative xmlns:adec="http://schemas.microsoft.com/office/drawing/2017/decorative" val="1"/>
-                </a:ext>
-              </a:extLst>
-            </p:cNvPr>
-            <p:cNvSpPr/>
-            <p:nvPr>
-              <p:extLst>
-                <p:ext uri="{386F3935-93C4-4BCD-93E2-E3B085C9AB24}">
-                  <p16:designElem xmlns:p16="http://schemas.microsoft.com/office/powerpoint/2015/main" val="1"/>
-                </p:ext>
-              </p:extLst>
-            </p:nvPr>
-          </p:nvSpPr>
-          <p:spPr bwMode="auto">
-            <a:xfrm>
-              <a:off x="1766888" y="6330950"/>
-              <a:ext cx="419100" cy="527050"/>
-            </a:xfrm>
-            <a:custGeom>
-              <a:avLst/>
-              <a:gdLst/>
-              <a:ahLst/>
-              <a:cxnLst/>
-              <a:rect l="0" t="0" r="r" b="b"/>
-              <a:pathLst>
-                <a:path w="264" h="332">
-                  <a:moveTo>
-                    <a:pt x="12" y="332"/>
-                  </a:moveTo>
-                  <a:lnTo>
-                    <a:pt x="0" y="326"/>
-                  </a:lnTo>
-                  <a:lnTo>
-                    <a:pt x="45" y="206"/>
-                  </a:lnTo>
-                  <a:lnTo>
-                    <a:pt x="255" y="0"/>
-                  </a:lnTo>
-                  <a:lnTo>
-                    <a:pt x="264" y="12"/>
-                  </a:lnTo>
-                  <a:lnTo>
-                    <a:pt x="60" y="215"/>
-                  </a:lnTo>
-                  <a:lnTo>
-                    <a:pt x="12" y="332"/>
-                  </a:lnTo>
-                  <a:close/>
-                </a:path>
-              </a:pathLst>
-            </a:custGeom>
-            <a:grpFill/>
-            <a:ln>
-              <a:noFill/>
-            </a:ln>
-            <a:extLst>
-              <a:ext uri="{91240B29-F687-4f45-9708-019B960494DF}">
-                <a14:hiddenLine xmlns="" xmlns:a16="http://schemas.microsoft.com/office/drawing/2014/main" xmlns:p14="http://schemas.microsoft.com/office/powerpoint/2010/main" xmlns:a14="http://schemas.microsoft.com/office/drawing/2010/main" w="9525">
-                  <a:solidFill>
-                    <a:srgbClr val="000000"/>
-                  </a:solidFill>
-                  <a:round/>
-                  <a:headEnd/>
-                  <a:tailEnd/>
-                </a14:hiddenLine>
-              </a:ext>
-            </a:extLst>
-          </p:spPr>
-        </p:sp>
-        <p:sp>
-          <p:nvSpPr>
-            <p:cNvPr id="187" name="Freeform 56">
-              <a:extLst>
-                <a:ext uri="{FF2B5EF4-FFF2-40B4-BE49-F238E27FC236}">
-                  <a16:creationId xmlns:a16="http://schemas.microsoft.com/office/drawing/2014/main" id="{6E471E73-A9C0-4C68-BD8F-360F2ED7BD95}"/>
-                </a:ext>
-                <a:ext uri="{C183D7F6-B498-43B3-948B-1728B52AA6E4}">
-                  <adec:decorative xmlns:adec="http://schemas.microsoft.com/office/drawing/2017/decorative" val="1"/>
-                </a:ext>
-              </a:extLst>
-            </p:cNvPr>
-            <p:cNvSpPr>
-              <a:spLocks noEditPoints="1"/>
-            </p:cNvSpPr>
-            <p:nvPr>
-              <p:extLst>
-                <p:ext uri="{386F3935-93C4-4BCD-93E2-E3B085C9AB24}">
-                  <p16:designElem xmlns:p16="http://schemas.microsoft.com/office/powerpoint/2015/main" val="1"/>
-                </p:ext>
-              </p:extLst>
-            </p:nvPr>
-          </p:nvSpPr>
-          <p:spPr bwMode="auto">
-            <a:xfrm>
-              <a:off x="2147888" y="6221413"/>
-              <a:ext cx="157163" cy="147638"/>
-            </a:xfrm>
-            <a:custGeom>
-              <a:avLst/>
-              <a:gdLst/>
-              <a:ahLst/>
-              <a:cxnLst/>
-              <a:rect l="0" t="0" r="r" b="b"/>
-              <a:pathLst>
-                <a:path w="33" h="31">
-                  <a:moveTo>
-                    <a:pt x="16" y="31"/>
-                  </a:moveTo>
-                  <a:cubicBezTo>
-                    <a:pt x="12" y="31"/>
-                    <a:pt x="8" y="29"/>
-                    <a:pt x="5" y="26"/>
-                  </a:cubicBezTo>
-                  <a:cubicBezTo>
-                    <a:pt x="2" y="24"/>
-                    <a:pt x="0" y="20"/>
-                    <a:pt x="0" y="15"/>
-                  </a:cubicBezTo>
-                  <a:cubicBezTo>
-                    <a:pt x="0" y="11"/>
-                    <a:pt x="2" y="7"/>
-                    <a:pt x="5" y="4"/>
-                  </a:cubicBezTo>
-                  <a:cubicBezTo>
-                    <a:pt x="8" y="1"/>
-                    <a:pt x="12" y="0"/>
-                    <a:pt x="16" y="0"/>
-                  </a:cubicBezTo>
-                  <a:cubicBezTo>
-                    <a:pt x="20" y="0"/>
-                    <a:pt x="24" y="1"/>
-                    <a:pt x="27" y="4"/>
-                  </a:cubicBezTo>
-                  <a:cubicBezTo>
-                    <a:pt x="33" y="10"/>
-                    <a:pt x="33" y="20"/>
-                    <a:pt x="27" y="26"/>
-                  </a:cubicBezTo>
-                  <a:cubicBezTo>
-                    <a:pt x="24" y="29"/>
-                    <a:pt x="20" y="31"/>
-                    <a:pt x="16" y="31"/>
-                  </a:cubicBezTo>
-                  <a:close/>
-                  <a:moveTo>
-                    <a:pt x="16" y="4"/>
-                  </a:moveTo>
-                  <a:cubicBezTo>
-                    <a:pt x="13" y="4"/>
-                    <a:pt x="10" y="5"/>
-                    <a:pt x="8" y="7"/>
-                  </a:cubicBezTo>
-                  <a:cubicBezTo>
-                    <a:pt x="6" y="9"/>
-                    <a:pt x="4" y="12"/>
-                    <a:pt x="4" y="15"/>
-                  </a:cubicBezTo>
-                  <a:cubicBezTo>
-                    <a:pt x="4" y="19"/>
-                    <a:pt x="6" y="21"/>
-                    <a:pt x="8" y="24"/>
-                  </a:cubicBezTo>
-                  <a:cubicBezTo>
-                    <a:pt x="10" y="26"/>
-                    <a:pt x="13" y="27"/>
-                    <a:pt x="16" y="27"/>
-                  </a:cubicBezTo>
-                  <a:cubicBezTo>
-                    <a:pt x="19" y="27"/>
-                    <a:pt x="22" y="26"/>
-                    <a:pt x="24" y="24"/>
-                  </a:cubicBezTo>
-                  <a:cubicBezTo>
-                    <a:pt x="29" y="19"/>
-                    <a:pt x="29" y="12"/>
-                    <a:pt x="24" y="7"/>
-                  </a:cubicBezTo>
-                  <a:cubicBezTo>
-                    <a:pt x="22" y="5"/>
-                    <a:pt x="19" y="4"/>
-                    <a:pt x="16" y="4"/>
-                  </a:cubicBezTo>
-                  <a:close/>
-                </a:path>
-              </a:pathLst>
-            </a:custGeom>
-            <a:grpFill/>
-            <a:ln>
-              <a:noFill/>
-            </a:ln>
-            <a:extLst>
-              <a:ext uri="{91240B29-F687-4f45-9708-019B960494DF}">
-                <a14:hiddenLine xmlns="" xmlns:a16="http://schemas.microsoft.com/office/drawing/2014/main" xmlns:p14="http://schemas.microsoft.com/office/powerpoint/2010/main" xmlns:a14="http://schemas.microsoft.com/office/drawing/2010/main" w="9525">
-                  <a:solidFill>
-                    <a:srgbClr val="000000"/>
-                  </a:solidFill>
-                  <a:round/>
-                  <a:headEnd/>
-                  <a:tailEnd/>
-                </a14:hiddenLine>
-              </a:ext>
-            </a:extLst>
-          </p:spPr>
-        </p:sp>
-        <p:sp>
-          <p:nvSpPr>
-            <p:cNvPr id="188" name="Freeform 57">
-              <a:extLst>
-                <a:ext uri="{FF2B5EF4-FFF2-40B4-BE49-F238E27FC236}">
-                  <a16:creationId xmlns:a16="http://schemas.microsoft.com/office/drawing/2014/main" id="{C78C3110-8153-4163-B809-0B0C0C9E5C9C}"/>
-                </a:ext>
-                <a:ext uri="{C183D7F6-B498-43B3-948B-1728B52AA6E4}">
-                  <adec:decorative xmlns:adec="http://schemas.microsoft.com/office/drawing/2017/decorative" val="1"/>
-                </a:ext>
-              </a:extLst>
-            </p:cNvPr>
-            <p:cNvSpPr/>
-            <p:nvPr>
-              <p:extLst>
-                <p:ext uri="{386F3935-93C4-4BCD-93E2-E3B085C9AB24}">
-                  <p16:designElem xmlns:p16="http://schemas.microsoft.com/office/powerpoint/2015/main" val="1"/>
-                </p:ext>
-              </p:extLst>
-            </p:nvPr>
-          </p:nvSpPr>
-          <p:spPr bwMode="auto">
-            <a:xfrm>
-              <a:off x="504825" y="9525"/>
-              <a:ext cx="233363" cy="5103813"/>
-            </a:xfrm>
-            <a:custGeom>
-              <a:avLst/>
-              <a:gdLst/>
-              <a:ahLst/>
-              <a:cxnLst/>
-              <a:rect l="0" t="0" r="r" b="b"/>
-              <a:pathLst>
-                <a:path w="147" h="3215">
-                  <a:moveTo>
-                    <a:pt x="132" y="3215"/>
-                  </a:moveTo>
-                  <a:lnTo>
-                    <a:pt x="129" y="2754"/>
-                  </a:lnTo>
-                  <a:lnTo>
-                    <a:pt x="0" y="1901"/>
-                  </a:lnTo>
-                  <a:lnTo>
-                    <a:pt x="0" y="0"/>
-                  </a:lnTo>
-                  <a:lnTo>
-                    <a:pt x="15" y="0"/>
-                  </a:lnTo>
-                  <a:lnTo>
-                    <a:pt x="15" y="1898"/>
-                  </a:lnTo>
-                  <a:lnTo>
-                    <a:pt x="144" y="2754"/>
-                  </a:lnTo>
-                  <a:lnTo>
-                    <a:pt x="147" y="3215"/>
-                  </a:lnTo>
-                  <a:lnTo>
-                    <a:pt x="132" y="3215"/>
-                  </a:lnTo>
-                  <a:close/>
-                </a:path>
-              </a:pathLst>
-            </a:custGeom>
-            <a:grpFill/>
-            <a:ln>
-              <a:noFill/>
-            </a:ln>
-            <a:extLst>
-              <a:ext uri="{91240B29-F687-4f45-9708-019B960494DF}">
-                <a14:hiddenLine xmlns="" xmlns:a16="http://schemas.microsoft.com/office/drawing/2014/main" xmlns:p14="http://schemas.microsoft.com/office/powerpoint/2010/main" xmlns:a14="http://schemas.microsoft.com/office/drawing/2010/main" w="9525">
-                  <a:solidFill>
-                    <a:srgbClr val="000000"/>
-                  </a:solidFill>
-                  <a:round/>
-                  <a:headEnd/>
-                  <a:tailEnd/>
-                </a14:hiddenLine>
-              </a:ext>
-            </a:extLst>
-          </p:spPr>
-        </p:sp>
-        <p:sp>
-          <p:nvSpPr>
-            <p:cNvPr id="189" name="Freeform 58">
-              <a:extLst>
-                <a:ext uri="{FF2B5EF4-FFF2-40B4-BE49-F238E27FC236}">
-                  <a16:creationId xmlns:a16="http://schemas.microsoft.com/office/drawing/2014/main" id="{DBC57B9F-0B9B-4EDE-B3B3-7C5D5DB3992D}"/>
                 </a:ext>
                 <a:ext uri="{C183D7F6-B498-43B3-948B-1728B52AA6E4}">
                   <adec:decorative xmlns:adec="http://schemas.microsoft.com/office/drawing/2017/decorative" val="1"/>
@@ -22615,8 +17602,8 @@
         </p:nvSpPr>
         <p:spPr>
           <a:xfrm>
-            <a:off x="1876425" y="1113282"/>
-            <a:ext cx="3734941" cy="2396681"/>
+            <a:off x="1976438" y="2127327"/>
+            <a:ext cx="8791575" cy="1301673"/>
           </a:xfrm>
         </p:spPr>
         <p:txBody>
@@ -22626,90 +17613,10 @@
           <a:lstStyle/>
           <a:p>
             <a:r>
-              <a:rPr lang="en-US" sz="4800">
-                <a:solidFill>
-                  <a:srgbClr val="FFFFFF"/>
-                </a:solidFill>
-              </a:rPr>
+              <a:rPr lang="en-US" sz="4800" dirty="0" err="1"/>
               <a:t>Modelo</a:t>
             </a:r>
-          </a:p>
-        </p:txBody>
-      </p:sp>
-      <p:sp useBgFill="1">
-        <p:nvSpPr>
-          <p:cNvPr id="191" name="Round Diagonal Corner Rectangle 6">
-            <a:extLst>
-              <a:ext uri="{FF2B5EF4-FFF2-40B4-BE49-F238E27FC236}">
-                <a16:creationId xmlns:a16="http://schemas.microsoft.com/office/drawing/2014/main" id="{62B94F88-FD5B-4053-B143-DFF55CE44377}"/>
-              </a:ext>
-              <a:ext uri="{C183D7F6-B498-43B3-948B-1728B52AA6E4}">
-                <adec:decorative xmlns:adec="http://schemas.microsoft.com/office/drawing/2017/decorative" val="1"/>
-              </a:ext>
-            </a:extLst>
-          </p:cNvPr>
-          <p:cNvSpPr>
-            <a:spLocks noGrp="1" noRot="1" noChangeAspect="1" noMove="1" noResize="1" noEditPoints="1" noAdjustHandles="1" noChangeArrowheads="1" noChangeShapeType="1" noTextEdit="1"/>
-          </p:cNvSpPr>
-          <p:nvPr>
-            <p:extLst>
-              <p:ext uri="{386F3935-93C4-4BCD-93E2-E3B085C9AB24}">
-                <p16:designElem xmlns:p16="http://schemas.microsoft.com/office/powerpoint/2015/main" val="1"/>
-              </p:ext>
-            </p:extLst>
-          </p:nvPr>
-        </p:nvSpPr>
-        <p:spPr>
-          <a:xfrm>
-            <a:off x="6095999" y="808057"/>
-            <a:ext cx="5286376" cy="5234394"/>
-          </a:xfrm>
-          <a:prstGeom prst="round2DiagRect">
-            <a:avLst>
-              <a:gd name="adj1" fmla="val 6185"/>
-              <a:gd name="adj2" fmla="val 0"/>
-            </a:avLst>
-          </a:prstGeom>
-          <a:ln w="19050" cap="sq">
-            <a:solidFill>
-              <a:schemeClr val="tx2">
-                <a:lumMod val="60000"/>
-                <a:lumOff val="40000"/>
-                <a:alpha val="60000"/>
-              </a:schemeClr>
-            </a:solidFill>
-            <a:miter lim="800000"/>
-          </a:ln>
-          <a:effectLst>
-            <a:outerShdw blurRad="88900" dist="38100" dir="5400000" algn="t" rotWithShape="0">
-              <a:prstClr val="black">
-                <a:alpha val="40000"/>
-              </a:prstClr>
-            </a:outerShdw>
-          </a:effectLst>
-        </p:spPr>
-        <p:style>
-          <a:lnRef idx="2">
-            <a:schemeClr val="accent1">
-              <a:shade val="50000"/>
-            </a:schemeClr>
-          </a:lnRef>
-          <a:fillRef idx="1">
-            <a:schemeClr val="accent1"/>
-          </a:fillRef>
-          <a:effectRef idx="0">
-            <a:schemeClr val="accent1"/>
-          </a:effectRef>
-          <a:fontRef idx="minor">
-            <a:schemeClr val="lt1"/>
-          </a:fontRef>
-        </p:style>
-        <p:txBody>
-          <a:bodyPr rtlCol="0" anchor="ctr"/>
-          <a:lstStyle/>
-          <a:p>
-            <a:pPr algn="ctr"/>
-            <a:endParaRPr lang="en-US"/>
+            <a:endParaRPr lang="en-US" sz="4800" dirty="0"/>
           </a:p>
         </p:txBody>
       </p:sp>
@@ -22728,7 +17635,7 @@
           <p:nvPr/>
         </p:nvPicPr>
         <p:blipFill>
-          <a:blip r:embed="rId3">
+          <a:blip r:embed="rId4">
             <a:extLst>
               <a:ext uri="{28A0092B-C50C-407E-A947-70E740481C1C}">
                 <a14:useLocalDpi xmlns:a14="http://schemas.microsoft.com/office/drawing/2010/main" val="0"/>
@@ -22741,13 +17648,33 @@
         </p:blipFill>
         <p:spPr bwMode="auto">
           <a:xfrm>
-            <a:off x="6421396" y="1947663"/>
-            <a:ext cx="4635583" cy="2955183"/>
+            <a:off x="5759789" y="1516063"/>
+            <a:ext cx="5284448" cy="3368836"/>
           </a:xfrm>
-          <a:prstGeom prst="rect">
-            <a:avLst/>
+          <a:prstGeom prst="round2DiagRect">
+            <a:avLst>
+              <a:gd name="adj1" fmla="val 5608"/>
+              <a:gd name="adj2" fmla="val 0"/>
+            </a:avLst>
           </a:prstGeom>
           <a:noFill/>
+          <a:ln w="19050" cap="sq">
+            <a:solidFill>
+              <a:schemeClr val="tx2">
+                <a:lumMod val="60000"/>
+                <a:lumOff val="40000"/>
+                <a:alpha val="60000"/>
+              </a:schemeClr>
+            </a:solidFill>
+            <a:miter lim="800000"/>
+          </a:ln>
+          <a:effectLst>
+            <a:outerShdw blurRad="88900" dist="38100" dir="5400000" algn="t" rotWithShape="0">
+              <a:prstClr val="black">
+                <a:alpha val="40000"/>
+              </a:prstClr>
+            </a:outerShdw>
+          </a:effectLst>
           <a:extLst>
             <a:ext uri="{909E8E84-426E-40DD-AFC4-6F175D3DCCD1}">
               <a14:hiddenFill xmlns:a14="http://schemas.microsoft.com/office/drawing/2010/main">
@@ -22767,7 +17694,7 @@
     </p:extLst>
   </p:cSld>
   <p:clrMapOvr>
-    <a:overrideClrMapping bg1="lt1" tx1="dk1" bg2="lt2" tx2="dk2" accent1="accent1" accent2="accent2" accent3="accent3" accent4="accent4" accent5="accent5" accent6="accent6" hlink="hlink" folHlink="folHlink"/>
+    <a:masterClrMapping/>
   </p:clrMapOvr>
 </p:sld>
 </file>
@@ -22861,7 +17788,7 @@
           <a:noFill/>
           <a:extLst>
             <a:ext uri="{909E8E84-426E-40dd-AFC4-6F175D3DCCD1}">
-              <a14:hiddenFill xmlns="" xmlns:a16="http://schemas.microsoft.com/office/drawing/2014/main" xmlns:p14="http://schemas.microsoft.com/office/powerpoint/2010/main" xmlns:a14="http://schemas.microsoft.com/office/drawing/2010/main">
+              <a14:hiddenFill xmlns:a14="http://schemas.microsoft.com/office/drawing/2010/main" xmlns:p14="http://schemas.microsoft.com/office/powerpoint/2010/main" xmlns:a16="http://schemas.microsoft.com/office/drawing/2014/main" xmlns="">
                 <a:solidFill>
                   <a:srgbClr val="FFFFFF"/>
                 </a:solidFill>
@@ -22953,7 +17880,7 @@
             </a:ln>
             <a:extLst>
               <a:ext uri="{91240B29-F687-4f45-9708-019B960494DF}">
-                <a14:hiddenLine xmlns="" xmlns:a16="http://schemas.microsoft.com/office/drawing/2014/main" xmlns:p14="http://schemas.microsoft.com/office/powerpoint/2010/main" xmlns:a14="http://schemas.microsoft.com/office/drawing/2010/main" w="9525">
+                <a14:hiddenLine xmlns:a14="http://schemas.microsoft.com/office/drawing/2010/main" xmlns:p14="http://schemas.microsoft.com/office/powerpoint/2010/main" xmlns:a16="http://schemas.microsoft.com/office/drawing/2014/main" xmlns="" w="9525">
                   <a:solidFill>
                     <a:srgbClr val="000000"/>
                   </a:solidFill>
@@ -23058,7 +17985,7 @@
             </a:ln>
             <a:extLst>
               <a:ext uri="{91240B29-F687-4f45-9708-019B960494DF}">
-                <a14:hiddenLine xmlns="" xmlns:a16="http://schemas.microsoft.com/office/drawing/2014/main" xmlns:p14="http://schemas.microsoft.com/office/powerpoint/2010/main" xmlns:a14="http://schemas.microsoft.com/office/drawing/2010/main" w="9525">
+                <a14:hiddenLine xmlns:a14="http://schemas.microsoft.com/office/drawing/2010/main" xmlns:p14="http://schemas.microsoft.com/office/powerpoint/2010/main" xmlns:a16="http://schemas.microsoft.com/office/drawing/2014/main" xmlns="" w="9525">
                   <a:solidFill>
                     <a:srgbClr val="000000"/>
                   </a:solidFill>
@@ -23163,7 +18090,7 @@
             </a:ln>
             <a:extLst>
               <a:ext uri="{91240B29-F687-4f45-9708-019B960494DF}">
-                <a14:hiddenLine xmlns="" xmlns:a16="http://schemas.microsoft.com/office/drawing/2014/main" xmlns:p14="http://schemas.microsoft.com/office/powerpoint/2010/main" xmlns:a14="http://schemas.microsoft.com/office/drawing/2010/main" w="9525">
+                <a14:hiddenLine xmlns:a14="http://schemas.microsoft.com/office/drawing/2010/main" xmlns:p14="http://schemas.microsoft.com/office/powerpoint/2010/main" xmlns:a16="http://schemas.microsoft.com/office/drawing/2014/main" xmlns="" w="9525">
                   <a:solidFill>
                     <a:srgbClr val="000000"/>
                   </a:solidFill>
@@ -23212,7 +18139,7 @@
             </a:ln>
             <a:extLst>
               <a:ext uri="{91240B29-F687-4f45-9708-019B960494DF}">
-                <a14:hiddenLine xmlns="" xmlns:a16="http://schemas.microsoft.com/office/drawing/2014/main" xmlns:p14="http://schemas.microsoft.com/office/powerpoint/2010/main" xmlns:a14="http://schemas.microsoft.com/office/drawing/2010/main" w="9525">
+                <a14:hiddenLine xmlns:a14="http://schemas.microsoft.com/office/drawing/2010/main" xmlns:p14="http://schemas.microsoft.com/office/powerpoint/2010/main" xmlns:a16="http://schemas.microsoft.com/office/drawing/2014/main" xmlns="" w="9525">
                   <a:solidFill>
                     <a:srgbClr val="000000"/>
                   </a:solidFill>
@@ -23317,7 +18244,7 @@
             </a:ln>
             <a:extLst>
               <a:ext uri="{91240B29-F687-4f45-9708-019B960494DF}">
-                <a14:hiddenLine xmlns="" xmlns:a16="http://schemas.microsoft.com/office/drawing/2014/main" xmlns:p14="http://schemas.microsoft.com/office/powerpoint/2010/main" xmlns:a14="http://schemas.microsoft.com/office/drawing/2010/main" w="9525">
+                <a14:hiddenLine xmlns:a14="http://schemas.microsoft.com/office/drawing/2010/main" xmlns:p14="http://schemas.microsoft.com/office/powerpoint/2010/main" xmlns:a16="http://schemas.microsoft.com/office/drawing/2014/main" xmlns="" w="9525">
                   <a:solidFill>
                     <a:srgbClr val="000000"/>
                   </a:solidFill>
@@ -23394,7 +18321,7 @@
             </a:ln>
             <a:extLst>
               <a:ext uri="{91240B29-F687-4f45-9708-019B960494DF}">
-                <a14:hiddenLine xmlns="" xmlns:a16="http://schemas.microsoft.com/office/drawing/2014/main" xmlns:p14="http://schemas.microsoft.com/office/powerpoint/2010/main" xmlns:a14="http://schemas.microsoft.com/office/drawing/2010/main" w="9525">
+                <a14:hiddenLine xmlns:a14="http://schemas.microsoft.com/office/drawing/2010/main" xmlns:p14="http://schemas.microsoft.com/office/powerpoint/2010/main" xmlns:a16="http://schemas.microsoft.com/office/drawing/2014/main" xmlns="" w="9525">
                   <a:solidFill>
                     <a:srgbClr val="000000"/>
                   </a:solidFill>
@@ -23471,7 +18398,7 @@
             </a:ln>
             <a:extLst>
               <a:ext uri="{91240B29-F687-4f45-9708-019B960494DF}">
-                <a14:hiddenLine xmlns="" xmlns:a16="http://schemas.microsoft.com/office/drawing/2014/main" xmlns:p14="http://schemas.microsoft.com/office/powerpoint/2010/main" xmlns:a14="http://schemas.microsoft.com/office/drawing/2010/main" w="9525">
+                <a14:hiddenLine xmlns:a14="http://schemas.microsoft.com/office/drawing/2010/main" xmlns:p14="http://schemas.microsoft.com/office/powerpoint/2010/main" xmlns:a16="http://schemas.microsoft.com/office/drawing/2014/main" xmlns="" w="9525">
                   <a:solidFill>
                     <a:srgbClr val="000000"/>
                   </a:solidFill>
@@ -23576,7 +18503,7 @@
             </a:ln>
             <a:extLst>
               <a:ext uri="{91240B29-F687-4f45-9708-019B960494DF}">
-                <a14:hiddenLine xmlns="" xmlns:a16="http://schemas.microsoft.com/office/drawing/2014/main" xmlns:p14="http://schemas.microsoft.com/office/powerpoint/2010/main" xmlns:a14="http://schemas.microsoft.com/office/drawing/2010/main" w="9525">
+                <a14:hiddenLine xmlns:a14="http://schemas.microsoft.com/office/drawing/2010/main" xmlns:p14="http://schemas.microsoft.com/office/powerpoint/2010/main" xmlns:a16="http://schemas.microsoft.com/office/drawing/2014/main" xmlns="" w="9525">
                   <a:solidFill>
                     <a:srgbClr val="000000"/>
                   </a:solidFill>
@@ -23653,7 +18580,7 @@
             </a:ln>
             <a:extLst>
               <a:ext uri="{91240B29-F687-4f45-9708-019B960494DF}">
-                <a14:hiddenLine xmlns="" xmlns:a16="http://schemas.microsoft.com/office/drawing/2014/main" xmlns:p14="http://schemas.microsoft.com/office/powerpoint/2010/main" xmlns:a14="http://schemas.microsoft.com/office/drawing/2010/main" w="9525">
+                <a14:hiddenLine xmlns:a14="http://schemas.microsoft.com/office/drawing/2010/main" xmlns:p14="http://schemas.microsoft.com/office/powerpoint/2010/main" xmlns:a16="http://schemas.microsoft.com/office/drawing/2014/main" xmlns="" w="9525">
                   <a:solidFill>
                     <a:srgbClr val="000000"/>
                   </a:solidFill>
@@ -23730,7 +18657,7 @@
             </a:ln>
             <a:extLst>
               <a:ext uri="{91240B29-F687-4f45-9708-019B960494DF}">
-                <a14:hiddenLine xmlns="" xmlns:a16="http://schemas.microsoft.com/office/drawing/2014/main" xmlns:p14="http://schemas.microsoft.com/office/powerpoint/2010/main" xmlns:a14="http://schemas.microsoft.com/office/drawing/2010/main" w="9525">
+                <a14:hiddenLine xmlns:a14="http://schemas.microsoft.com/office/drawing/2010/main" xmlns:p14="http://schemas.microsoft.com/office/powerpoint/2010/main" xmlns:a16="http://schemas.microsoft.com/office/drawing/2014/main" xmlns="" w="9525">
                   <a:solidFill>
                     <a:srgbClr val="000000"/>
                   </a:solidFill>
@@ -23835,7 +18762,7 @@
             </a:ln>
             <a:extLst>
               <a:ext uri="{91240B29-F687-4f45-9708-019B960494DF}">
-                <a14:hiddenLine xmlns="" xmlns:a16="http://schemas.microsoft.com/office/drawing/2014/main" xmlns:p14="http://schemas.microsoft.com/office/powerpoint/2010/main" xmlns:a14="http://schemas.microsoft.com/office/drawing/2010/main" w="9525">
+                <a14:hiddenLine xmlns:a14="http://schemas.microsoft.com/office/drawing/2010/main" xmlns:p14="http://schemas.microsoft.com/office/powerpoint/2010/main" xmlns:a16="http://schemas.microsoft.com/office/drawing/2014/main" xmlns="" w="9525">
                   <a:solidFill>
                     <a:srgbClr val="000000"/>
                   </a:solidFill>
@@ -23940,7 +18867,7 @@
             </a:ln>
             <a:extLst>
               <a:ext uri="{91240B29-F687-4f45-9708-019B960494DF}">
-                <a14:hiddenLine xmlns="" xmlns:a16="http://schemas.microsoft.com/office/drawing/2014/main" xmlns:p14="http://schemas.microsoft.com/office/powerpoint/2010/main" xmlns:a14="http://schemas.microsoft.com/office/drawing/2010/main" w="9525">
+                <a14:hiddenLine xmlns:a14="http://schemas.microsoft.com/office/drawing/2010/main" xmlns:p14="http://schemas.microsoft.com/office/powerpoint/2010/main" xmlns:a16="http://schemas.microsoft.com/office/drawing/2014/main" xmlns="" w="9525">
                   <a:solidFill>
                     <a:srgbClr val="000000"/>
                   </a:solidFill>
@@ -24017,7 +18944,7 @@
             </a:ln>
             <a:extLst>
               <a:ext uri="{91240B29-F687-4f45-9708-019B960494DF}">
-                <a14:hiddenLine xmlns="" xmlns:a16="http://schemas.microsoft.com/office/drawing/2014/main" xmlns:p14="http://schemas.microsoft.com/office/powerpoint/2010/main" xmlns:a14="http://schemas.microsoft.com/office/drawing/2010/main" w="9525">
+                <a14:hiddenLine xmlns:a14="http://schemas.microsoft.com/office/drawing/2010/main" xmlns:p14="http://schemas.microsoft.com/office/powerpoint/2010/main" xmlns:a16="http://schemas.microsoft.com/office/drawing/2014/main" xmlns="" w="9525">
                   <a:solidFill>
                     <a:srgbClr val="000000"/>
                   </a:solidFill>
@@ -24142,7 +19069,7 @@
             </a:ln>
             <a:extLst>
               <a:ext uri="{91240B29-F687-4f45-9708-019B960494DF}">
-                <a14:hiddenLine xmlns="" xmlns:a16="http://schemas.microsoft.com/office/drawing/2014/main" xmlns:p14="http://schemas.microsoft.com/office/powerpoint/2010/main" xmlns:a14="http://schemas.microsoft.com/office/drawing/2010/main" w="9525">
+                <a14:hiddenLine xmlns:a14="http://schemas.microsoft.com/office/drawing/2010/main" xmlns:p14="http://schemas.microsoft.com/office/powerpoint/2010/main" xmlns:a16="http://schemas.microsoft.com/office/drawing/2014/main" xmlns="" w="9525">
                   <a:solidFill>
                     <a:srgbClr val="000000"/>
                   </a:solidFill>
@@ -24219,7 +19146,7 @@
             </a:ln>
             <a:extLst>
               <a:ext uri="{91240B29-F687-4f45-9708-019B960494DF}">
-                <a14:hiddenLine xmlns="" xmlns:a16="http://schemas.microsoft.com/office/drawing/2014/main" xmlns:p14="http://schemas.microsoft.com/office/powerpoint/2010/main" xmlns:a14="http://schemas.microsoft.com/office/drawing/2010/main" w="9525">
+                <a14:hiddenLine xmlns:a14="http://schemas.microsoft.com/office/drawing/2010/main" xmlns:p14="http://schemas.microsoft.com/office/powerpoint/2010/main" xmlns:a16="http://schemas.microsoft.com/office/drawing/2014/main" xmlns="" w="9525">
                   <a:solidFill>
                     <a:srgbClr val="000000"/>
                   </a:solidFill>
@@ -24324,7 +19251,7 @@
             </a:ln>
             <a:extLst>
               <a:ext uri="{91240B29-F687-4f45-9708-019B960494DF}">
-                <a14:hiddenLine xmlns="" xmlns:a16="http://schemas.microsoft.com/office/drawing/2014/main" xmlns:p14="http://schemas.microsoft.com/office/powerpoint/2010/main" xmlns:a14="http://schemas.microsoft.com/office/drawing/2010/main" w="9525">
+                <a14:hiddenLine xmlns:a14="http://schemas.microsoft.com/office/drawing/2010/main" xmlns:p14="http://schemas.microsoft.com/office/powerpoint/2010/main" xmlns:a16="http://schemas.microsoft.com/office/drawing/2014/main" xmlns="" w="9525">
                   <a:solidFill>
                     <a:srgbClr val="000000"/>
                   </a:solidFill>
@@ -24429,7 +19356,7 @@
             </a:ln>
             <a:extLst>
               <a:ext uri="{91240B29-F687-4f45-9708-019B960494DF}">
-                <a14:hiddenLine xmlns="" xmlns:a16="http://schemas.microsoft.com/office/drawing/2014/main" xmlns:p14="http://schemas.microsoft.com/office/powerpoint/2010/main" xmlns:a14="http://schemas.microsoft.com/office/drawing/2010/main" w="9525">
+                <a14:hiddenLine xmlns:a14="http://schemas.microsoft.com/office/drawing/2010/main" xmlns:p14="http://schemas.microsoft.com/office/powerpoint/2010/main" xmlns:a16="http://schemas.microsoft.com/office/drawing/2014/main" xmlns="" w="9525">
                   <a:solidFill>
                     <a:srgbClr val="000000"/>
                   </a:solidFill>
@@ -24506,7 +19433,7 @@
             </a:ln>
             <a:extLst>
               <a:ext uri="{91240B29-F687-4f45-9708-019B960494DF}">
-                <a14:hiddenLine xmlns="" xmlns:a16="http://schemas.microsoft.com/office/drawing/2014/main" xmlns:p14="http://schemas.microsoft.com/office/powerpoint/2010/main" xmlns:a14="http://schemas.microsoft.com/office/drawing/2010/main" w="9525">
+                <a14:hiddenLine xmlns:a14="http://schemas.microsoft.com/office/drawing/2010/main" xmlns:p14="http://schemas.microsoft.com/office/powerpoint/2010/main" xmlns:a16="http://schemas.microsoft.com/office/drawing/2014/main" xmlns="" w="9525">
                   <a:solidFill>
                     <a:srgbClr val="000000"/>
                   </a:solidFill>
@@ -24611,7 +19538,7 @@
             </a:ln>
             <a:extLst>
               <a:ext uri="{91240B29-F687-4f45-9708-019B960494DF}">
-                <a14:hiddenLine xmlns="" xmlns:a16="http://schemas.microsoft.com/office/drawing/2014/main" xmlns:p14="http://schemas.microsoft.com/office/powerpoint/2010/main" xmlns:a14="http://schemas.microsoft.com/office/drawing/2010/main" w="9525">
+                <a14:hiddenLine xmlns:a14="http://schemas.microsoft.com/office/drawing/2010/main" xmlns:p14="http://schemas.microsoft.com/office/powerpoint/2010/main" xmlns:a16="http://schemas.microsoft.com/office/drawing/2014/main" xmlns="" w="9525">
                   <a:solidFill>
                     <a:srgbClr val="000000"/>
                   </a:solidFill>
@@ -24716,7 +19643,7 @@
             </a:ln>
             <a:extLst>
               <a:ext uri="{91240B29-F687-4f45-9708-019B960494DF}">
-                <a14:hiddenLine xmlns="" xmlns:a16="http://schemas.microsoft.com/office/drawing/2014/main" xmlns:p14="http://schemas.microsoft.com/office/powerpoint/2010/main" xmlns:a14="http://schemas.microsoft.com/office/drawing/2010/main" w="9525">
+                <a14:hiddenLine xmlns:a14="http://schemas.microsoft.com/office/drawing/2010/main" xmlns:p14="http://schemas.microsoft.com/office/powerpoint/2010/main" xmlns:a16="http://schemas.microsoft.com/office/drawing/2014/main" xmlns="" w="9525">
                   <a:solidFill>
                     <a:srgbClr val="000000"/>
                   </a:solidFill>
@@ -24787,7 +19714,7 @@
             </a:ln>
             <a:extLst>
               <a:ext uri="{91240B29-F687-4f45-9708-019B960494DF}">
-                <a14:hiddenLine xmlns="" xmlns:a16="http://schemas.microsoft.com/office/drawing/2014/main" xmlns:p14="http://schemas.microsoft.com/office/powerpoint/2010/main" xmlns:a14="http://schemas.microsoft.com/office/drawing/2010/main" w="9525">
+                <a14:hiddenLine xmlns:a14="http://schemas.microsoft.com/office/drawing/2010/main" xmlns:p14="http://schemas.microsoft.com/office/powerpoint/2010/main" xmlns:a16="http://schemas.microsoft.com/office/drawing/2014/main" xmlns="" w="9525">
                   <a:solidFill>
                     <a:srgbClr val="000000"/>
                   </a:solidFill>
@@ -24892,7 +19819,7 @@
             </a:ln>
             <a:extLst>
               <a:ext uri="{91240B29-F687-4f45-9708-019B960494DF}">
-                <a14:hiddenLine xmlns="" xmlns:a16="http://schemas.microsoft.com/office/drawing/2014/main" xmlns:p14="http://schemas.microsoft.com/office/powerpoint/2010/main" xmlns:a14="http://schemas.microsoft.com/office/drawing/2010/main" w="9525">
+                <a14:hiddenLine xmlns:a14="http://schemas.microsoft.com/office/drawing/2010/main" xmlns:p14="http://schemas.microsoft.com/office/powerpoint/2010/main" xmlns:a16="http://schemas.microsoft.com/office/drawing/2014/main" xmlns="" w="9525">
                   <a:solidFill>
                     <a:srgbClr val="000000"/>
                   </a:solidFill>
@@ -24963,7 +19890,7 @@
             </a:ln>
             <a:extLst>
               <a:ext uri="{91240B29-F687-4f45-9708-019B960494DF}">
-                <a14:hiddenLine xmlns="" xmlns:a16="http://schemas.microsoft.com/office/drawing/2014/main" xmlns:p14="http://schemas.microsoft.com/office/powerpoint/2010/main" xmlns:a14="http://schemas.microsoft.com/office/drawing/2010/main" w="9525">
+                <a14:hiddenLine xmlns:a14="http://schemas.microsoft.com/office/drawing/2010/main" xmlns:p14="http://schemas.microsoft.com/office/powerpoint/2010/main" xmlns:a16="http://schemas.microsoft.com/office/drawing/2014/main" xmlns="" w="9525">
                   <a:solidFill>
                     <a:srgbClr val="000000"/>
                   </a:solidFill>
@@ -25068,7 +19995,7 @@
             </a:ln>
             <a:extLst>
               <a:ext uri="{91240B29-F687-4f45-9708-019B960494DF}">
-                <a14:hiddenLine xmlns="" xmlns:a16="http://schemas.microsoft.com/office/drawing/2014/main" xmlns:p14="http://schemas.microsoft.com/office/powerpoint/2010/main" xmlns:a14="http://schemas.microsoft.com/office/drawing/2010/main" w="9525">
+                <a14:hiddenLine xmlns:a14="http://schemas.microsoft.com/office/drawing/2010/main" xmlns:p14="http://schemas.microsoft.com/office/powerpoint/2010/main" xmlns:a16="http://schemas.microsoft.com/office/drawing/2014/main" xmlns="" w="9525">
                   <a:solidFill>
                     <a:srgbClr val="000000"/>
                   </a:solidFill>
@@ -25151,7 +20078,7 @@
             </a:ln>
             <a:extLst>
               <a:ext uri="{91240B29-F687-4f45-9708-019B960494DF}">
-                <a14:hiddenLine xmlns="" xmlns:a16="http://schemas.microsoft.com/office/drawing/2014/main" xmlns:p14="http://schemas.microsoft.com/office/powerpoint/2010/main" xmlns:a14="http://schemas.microsoft.com/office/drawing/2010/main" w="9525">
+                <a14:hiddenLine xmlns:a14="http://schemas.microsoft.com/office/drawing/2010/main" xmlns:p14="http://schemas.microsoft.com/office/powerpoint/2010/main" xmlns:a16="http://schemas.microsoft.com/office/drawing/2014/main" xmlns="" w="9525">
                   <a:solidFill>
                     <a:srgbClr val="000000"/>
                   </a:solidFill>
@@ -25256,7 +20183,7 @@
             </a:ln>
             <a:extLst>
               <a:ext uri="{91240B29-F687-4f45-9708-019B960494DF}">
-                <a14:hiddenLine xmlns="" xmlns:a16="http://schemas.microsoft.com/office/drawing/2014/main" xmlns:p14="http://schemas.microsoft.com/office/powerpoint/2010/main" xmlns:a14="http://schemas.microsoft.com/office/drawing/2010/main" w="9525">
+                <a14:hiddenLine xmlns:a14="http://schemas.microsoft.com/office/drawing/2010/main" xmlns:p14="http://schemas.microsoft.com/office/powerpoint/2010/main" xmlns:a16="http://schemas.microsoft.com/office/drawing/2014/main" xmlns="" w="9525">
                   <a:solidFill>
                     <a:srgbClr val="000000"/>
                   </a:solidFill>
@@ -25339,7 +20266,7 @@
             </a:ln>
             <a:extLst>
               <a:ext uri="{91240B29-F687-4f45-9708-019B960494DF}">
-                <a14:hiddenLine xmlns="" xmlns:a16="http://schemas.microsoft.com/office/drawing/2014/main" xmlns:p14="http://schemas.microsoft.com/office/powerpoint/2010/main" xmlns:a14="http://schemas.microsoft.com/office/drawing/2010/main" w="9525">
+                <a14:hiddenLine xmlns:a14="http://schemas.microsoft.com/office/drawing/2010/main" xmlns:p14="http://schemas.microsoft.com/office/powerpoint/2010/main" xmlns:a16="http://schemas.microsoft.com/office/drawing/2014/main" xmlns="" w="9525">
                   <a:solidFill>
                     <a:srgbClr val="000000"/>
                   </a:solidFill>
@@ -25444,7 +20371,7 @@
             </a:ln>
             <a:extLst>
               <a:ext uri="{91240B29-F687-4f45-9708-019B960494DF}">
-                <a14:hiddenLine xmlns="" xmlns:a16="http://schemas.microsoft.com/office/drawing/2014/main" xmlns:p14="http://schemas.microsoft.com/office/powerpoint/2010/main" xmlns:a14="http://schemas.microsoft.com/office/drawing/2010/main" w="9525">
+                <a14:hiddenLine xmlns:a14="http://schemas.microsoft.com/office/drawing/2010/main" xmlns:p14="http://schemas.microsoft.com/office/powerpoint/2010/main" xmlns:a16="http://schemas.microsoft.com/office/drawing/2014/main" xmlns="" w="9525">
                   <a:solidFill>
                     <a:srgbClr val="000000"/>
                   </a:solidFill>
@@ -25493,7 +20420,7 @@
             </a:ln>
             <a:extLst>
               <a:ext uri="{91240B29-F687-4f45-9708-019B960494DF}">
-                <a14:hiddenLine xmlns="" xmlns:a16="http://schemas.microsoft.com/office/drawing/2014/main" xmlns:p14="http://schemas.microsoft.com/office/powerpoint/2010/main" xmlns:a14="http://schemas.microsoft.com/office/drawing/2010/main" w="9525">
+                <a14:hiddenLine xmlns:a14="http://schemas.microsoft.com/office/drawing/2010/main" xmlns:p14="http://schemas.microsoft.com/office/powerpoint/2010/main" xmlns:a16="http://schemas.microsoft.com/office/drawing/2014/main" xmlns="" w="9525">
                   <a:solidFill>
                     <a:srgbClr val="000000"/>
                   </a:solidFill>
@@ -25598,7 +20525,7 @@
             </a:ln>
             <a:extLst>
               <a:ext uri="{91240B29-F687-4f45-9708-019B960494DF}">
-                <a14:hiddenLine xmlns="" xmlns:a16="http://schemas.microsoft.com/office/drawing/2014/main" xmlns:p14="http://schemas.microsoft.com/office/powerpoint/2010/main" xmlns:a14="http://schemas.microsoft.com/office/drawing/2010/main" w="9525">
+                <a14:hiddenLine xmlns:a14="http://schemas.microsoft.com/office/drawing/2010/main" xmlns:p14="http://schemas.microsoft.com/office/powerpoint/2010/main" xmlns:a16="http://schemas.microsoft.com/office/drawing/2014/main" xmlns="" w="9525">
                   <a:solidFill>
                     <a:srgbClr val="000000"/>
                   </a:solidFill>
@@ -25675,7 +20602,7 @@
             </a:ln>
             <a:extLst>
               <a:ext uri="{91240B29-F687-4f45-9708-019B960494DF}">
-                <a14:hiddenLine xmlns="" xmlns:a16="http://schemas.microsoft.com/office/drawing/2014/main" xmlns:p14="http://schemas.microsoft.com/office/powerpoint/2010/main" xmlns:a14="http://schemas.microsoft.com/office/drawing/2010/main" w="9525">
+                <a14:hiddenLine xmlns:a14="http://schemas.microsoft.com/office/drawing/2010/main" xmlns:p14="http://schemas.microsoft.com/office/powerpoint/2010/main" xmlns:a16="http://schemas.microsoft.com/office/drawing/2014/main" xmlns="" w="9525">
                   <a:solidFill>
                     <a:srgbClr val="000000"/>
                   </a:solidFill>
@@ -25752,7 +20679,7 @@
             </a:ln>
             <a:extLst>
               <a:ext uri="{91240B29-F687-4f45-9708-019B960494DF}">
-                <a14:hiddenLine xmlns="" xmlns:a16="http://schemas.microsoft.com/office/drawing/2014/main" xmlns:p14="http://schemas.microsoft.com/office/powerpoint/2010/main" xmlns:a14="http://schemas.microsoft.com/office/drawing/2010/main" w="9525">
+                <a14:hiddenLine xmlns:a14="http://schemas.microsoft.com/office/drawing/2010/main" xmlns:p14="http://schemas.microsoft.com/office/powerpoint/2010/main" xmlns:a16="http://schemas.microsoft.com/office/drawing/2014/main" xmlns="" w="9525">
                   <a:solidFill>
                     <a:srgbClr val="000000"/>
                   </a:solidFill>
@@ -25857,7 +20784,7 @@
             </a:ln>
             <a:extLst>
               <a:ext uri="{91240B29-F687-4f45-9708-019B960494DF}">
-                <a14:hiddenLine xmlns="" xmlns:a16="http://schemas.microsoft.com/office/drawing/2014/main" xmlns:p14="http://schemas.microsoft.com/office/powerpoint/2010/main" xmlns:a14="http://schemas.microsoft.com/office/drawing/2010/main" w="9525">
+                <a14:hiddenLine xmlns:a14="http://schemas.microsoft.com/office/drawing/2010/main" xmlns:p14="http://schemas.microsoft.com/office/powerpoint/2010/main" xmlns:a16="http://schemas.microsoft.com/office/drawing/2014/main" xmlns="" w="9525">
                   <a:solidFill>
                     <a:srgbClr val="000000"/>
                   </a:solidFill>
@@ -25940,7 +20867,7 @@
             </a:ln>
             <a:extLst>
               <a:ext uri="{91240B29-F687-4f45-9708-019B960494DF}">
-                <a14:hiddenLine xmlns="" xmlns:a16="http://schemas.microsoft.com/office/drawing/2014/main" xmlns:p14="http://schemas.microsoft.com/office/powerpoint/2010/main" xmlns:a14="http://schemas.microsoft.com/office/drawing/2010/main" w="9525">
+                <a14:hiddenLine xmlns:a14="http://schemas.microsoft.com/office/drawing/2010/main" xmlns:p14="http://schemas.microsoft.com/office/powerpoint/2010/main" xmlns:a16="http://schemas.microsoft.com/office/drawing/2014/main" xmlns="" w="9525">
                   <a:solidFill>
                     <a:srgbClr val="000000"/>
                   </a:solidFill>
@@ -26017,7 +20944,7 @@
             </a:ln>
             <a:extLst>
               <a:ext uri="{91240B29-F687-4f45-9708-019B960494DF}">
-                <a14:hiddenLine xmlns="" xmlns:a16="http://schemas.microsoft.com/office/drawing/2014/main" xmlns:p14="http://schemas.microsoft.com/office/powerpoint/2010/main" xmlns:a14="http://schemas.microsoft.com/office/drawing/2010/main" w="9525">
+                <a14:hiddenLine xmlns:a14="http://schemas.microsoft.com/office/drawing/2010/main" xmlns:p14="http://schemas.microsoft.com/office/powerpoint/2010/main" xmlns:a16="http://schemas.microsoft.com/office/drawing/2014/main" xmlns="" w="9525">
                   <a:solidFill>
                     <a:srgbClr val="000000"/>
                   </a:solidFill>
@@ -26122,7 +21049,7 @@
             </a:ln>
             <a:extLst>
               <a:ext uri="{91240B29-F687-4f45-9708-019B960494DF}">
-                <a14:hiddenLine xmlns="" xmlns:a16="http://schemas.microsoft.com/office/drawing/2014/main" xmlns:p14="http://schemas.microsoft.com/office/powerpoint/2010/main" xmlns:a14="http://schemas.microsoft.com/office/drawing/2010/main" w="9525">
+                <a14:hiddenLine xmlns:a14="http://schemas.microsoft.com/office/drawing/2010/main" xmlns:p14="http://schemas.microsoft.com/office/powerpoint/2010/main" xmlns:a16="http://schemas.microsoft.com/office/drawing/2014/main" xmlns="" w="9525">
                   <a:solidFill>
                     <a:srgbClr val="000000"/>
                   </a:solidFill>
@@ -26199,7 +21126,7 @@
             </a:ln>
             <a:extLst>
               <a:ext uri="{91240B29-F687-4f45-9708-019B960494DF}">
-                <a14:hiddenLine xmlns="" xmlns:a16="http://schemas.microsoft.com/office/drawing/2014/main" xmlns:p14="http://schemas.microsoft.com/office/powerpoint/2010/main" xmlns:a14="http://schemas.microsoft.com/office/drawing/2010/main" w="9525">
+                <a14:hiddenLine xmlns:a14="http://schemas.microsoft.com/office/drawing/2010/main" xmlns:p14="http://schemas.microsoft.com/office/powerpoint/2010/main" xmlns:a16="http://schemas.microsoft.com/office/drawing/2014/main" xmlns="" w="9525">
                   <a:solidFill>
                     <a:srgbClr val="000000"/>
                   </a:solidFill>
@@ -26304,7 +21231,7 @@
             </a:ln>
             <a:extLst>
               <a:ext uri="{91240B29-F687-4f45-9708-019B960494DF}">
-                <a14:hiddenLine xmlns="" xmlns:a16="http://schemas.microsoft.com/office/drawing/2014/main" xmlns:p14="http://schemas.microsoft.com/office/powerpoint/2010/main" xmlns:a14="http://schemas.microsoft.com/office/drawing/2010/main" w="9525">
+                <a14:hiddenLine xmlns:a14="http://schemas.microsoft.com/office/drawing/2010/main" xmlns:p14="http://schemas.microsoft.com/office/powerpoint/2010/main" xmlns:a16="http://schemas.microsoft.com/office/drawing/2014/main" xmlns="" w="9525">
                   <a:solidFill>
                     <a:srgbClr val="000000"/>
                   </a:solidFill>
@@ -26381,7 +21308,7 @@
             </a:ln>
             <a:extLst>
               <a:ext uri="{91240B29-F687-4f45-9708-019B960494DF}">
-                <a14:hiddenLine xmlns="" xmlns:a16="http://schemas.microsoft.com/office/drawing/2014/main" xmlns:p14="http://schemas.microsoft.com/office/powerpoint/2010/main" xmlns:a14="http://schemas.microsoft.com/office/drawing/2010/main" w="9525">
+                <a14:hiddenLine xmlns:a14="http://schemas.microsoft.com/office/drawing/2010/main" xmlns:p14="http://schemas.microsoft.com/office/powerpoint/2010/main" xmlns:a16="http://schemas.microsoft.com/office/drawing/2014/main" xmlns="" w="9525">
                   <a:solidFill>
                     <a:srgbClr val="000000"/>
                   </a:solidFill>
@@ -26486,7 +21413,7 @@
             </a:ln>
             <a:extLst>
               <a:ext uri="{91240B29-F687-4f45-9708-019B960494DF}">
-                <a14:hiddenLine xmlns="" xmlns:a16="http://schemas.microsoft.com/office/drawing/2014/main" xmlns:p14="http://schemas.microsoft.com/office/powerpoint/2010/main" xmlns:a14="http://schemas.microsoft.com/office/drawing/2010/main" w="9525">
+                <a14:hiddenLine xmlns:a14="http://schemas.microsoft.com/office/drawing/2010/main" xmlns:p14="http://schemas.microsoft.com/office/powerpoint/2010/main" xmlns:a16="http://schemas.microsoft.com/office/drawing/2014/main" xmlns="" w="9525">
                   <a:solidFill>
                     <a:srgbClr val="000000"/>
                   </a:solidFill>
@@ -26535,7 +21462,7 @@
             </a:ln>
             <a:extLst>
               <a:ext uri="{91240B29-F687-4f45-9708-019B960494DF}">
-                <a14:hiddenLine xmlns="" xmlns:a16="http://schemas.microsoft.com/office/drawing/2014/main" xmlns:p14="http://schemas.microsoft.com/office/powerpoint/2010/main" xmlns:a14="http://schemas.microsoft.com/office/drawing/2010/main" w="9525">
+                <a14:hiddenLine xmlns:a14="http://schemas.microsoft.com/office/drawing/2010/main" xmlns:p14="http://schemas.microsoft.com/office/powerpoint/2010/main" xmlns:a16="http://schemas.microsoft.com/office/drawing/2014/main" xmlns="" w="9525">
                   <a:solidFill>
                     <a:srgbClr val="000000"/>
                   </a:solidFill>
@@ -26615,7 +21542,7 @@
             </a:ln>
             <a:extLst>
               <a:ext uri="{91240B29-F687-4f45-9708-019B960494DF}">
-                <a14:hiddenLine xmlns="" xmlns:a16="http://schemas.microsoft.com/office/drawing/2014/main" xmlns:p14="http://schemas.microsoft.com/office/powerpoint/2010/main" xmlns:a14="http://schemas.microsoft.com/office/drawing/2010/main" w="9525">
+                <a14:hiddenLine xmlns:a14="http://schemas.microsoft.com/office/drawing/2010/main" xmlns:p14="http://schemas.microsoft.com/office/powerpoint/2010/main" xmlns:a16="http://schemas.microsoft.com/office/drawing/2014/main" xmlns="" w="9525">
                   <a:solidFill>
                     <a:srgbClr val="000000"/>
                   </a:solidFill>
@@ -26720,7 +21647,7 @@
             </a:ln>
             <a:extLst>
               <a:ext uri="{91240B29-F687-4f45-9708-019B960494DF}">
-                <a14:hiddenLine xmlns="" xmlns:a16="http://schemas.microsoft.com/office/drawing/2014/main" xmlns:p14="http://schemas.microsoft.com/office/powerpoint/2010/main" xmlns:a14="http://schemas.microsoft.com/office/drawing/2010/main" w="9525">
+                <a14:hiddenLine xmlns:a14="http://schemas.microsoft.com/office/drawing/2010/main" xmlns:p14="http://schemas.microsoft.com/office/powerpoint/2010/main" xmlns:a16="http://schemas.microsoft.com/office/drawing/2014/main" xmlns="" w="9525">
                   <a:solidFill>
                     <a:srgbClr val="000000"/>
                   </a:solidFill>
@@ -26797,7 +21724,7 @@
             </a:ln>
             <a:extLst>
               <a:ext uri="{91240B29-F687-4f45-9708-019B960494DF}">
-                <a14:hiddenLine xmlns="" xmlns:a16="http://schemas.microsoft.com/office/drawing/2014/main" xmlns:p14="http://schemas.microsoft.com/office/powerpoint/2010/main" xmlns:a14="http://schemas.microsoft.com/office/drawing/2010/main" w="9525">
+                <a14:hiddenLine xmlns:a14="http://schemas.microsoft.com/office/drawing/2010/main" xmlns:p14="http://schemas.microsoft.com/office/powerpoint/2010/main" xmlns:a16="http://schemas.microsoft.com/office/drawing/2014/main" xmlns="" w="9525">
                   <a:solidFill>
                     <a:srgbClr val="000000"/>
                   </a:solidFill>
@@ -26902,7 +21829,7 @@
             </a:ln>
             <a:extLst>
               <a:ext uri="{91240B29-F687-4f45-9708-019B960494DF}">
-                <a14:hiddenLine xmlns="" xmlns:a16="http://schemas.microsoft.com/office/drawing/2014/main" xmlns:p14="http://schemas.microsoft.com/office/powerpoint/2010/main" xmlns:a14="http://schemas.microsoft.com/office/drawing/2010/main" w="9525">
+                <a14:hiddenLine xmlns:a14="http://schemas.microsoft.com/office/drawing/2010/main" xmlns:p14="http://schemas.microsoft.com/office/powerpoint/2010/main" xmlns:a16="http://schemas.microsoft.com/office/drawing/2014/main" xmlns="" w="9525">
                   <a:solidFill>
                     <a:srgbClr val="000000"/>
                   </a:solidFill>
@@ -27007,7 +21934,7 @@
             </a:ln>
             <a:extLst>
               <a:ext uri="{91240B29-F687-4f45-9708-019B960494DF}">
-                <a14:hiddenLine xmlns="" xmlns:a16="http://schemas.microsoft.com/office/drawing/2014/main" xmlns:p14="http://schemas.microsoft.com/office/powerpoint/2010/main" xmlns:a14="http://schemas.microsoft.com/office/drawing/2010/main" w="9525">
+                <a14:hiddenLine xmlns:a14="http://schemas.microsoft.com/office/drawing/2010/main" xmlns:p14="http://schemas.microsoft.com/office/powerpoint/2010/main" xmlns:a16="http://schemas.microsoft.com/office/drawing/2014/main" xmlns="" w="9525">
                   <a:solidFill>
                     <a:srgbClr val="000000"/>
                   </a:solidFill>
@@ -27087,7 +22014,7 @@
             </a:ln>
             <a:extLst>
               <a:ext uri="{91240B29-F687-4f45-9708-019B960494DF}">
-                <a14:hiddenLine xmlns="" xmlns:a16="http://schemas.microsoft.com/office/drawing/2014/main" xmlns:p14="http://schemas.microsoft.com/office/powerpoint/2010/main" xmlns:a14="http://schemas.microsoft.com/office/drawing/2010/main" w="9525">
+                <a14:hiddenLine xmlns:a14="http://schemas.microsoft.com/office/drawing/2010/main" xmlns:p14="http://schemas.microsoft.com/office/powerpoint/2010/main" xmlns:a16="http://schemas.microsoft.com/office/drawing/2014/main" xmlns="" w="9525">
                   <a:solidFill>
                     <a:srgbClr val="000000"/>
                   </a:solidFill>
@@ -27164,7 +22091,7 @@
             </a:ln>
             <a:extLst>
               <a:ext uri="{91240B29-F687-4f45-9708-019B960494DF}">
-                <a14:hiddenLine xmlns="" xmlns:a16="http://schemas.microsoft.com/office/drawing/2014/main" xmlns:p14="http://schemas.microsoft.com/office/powerpoint/2010/main" xmlns:a14="http://schemas.microsoft.com/office/drawing/2010/main" w="9525">
+                <a14:hiddenLine xmlns:a14="http://schemas.microsoft.com/office/drawing/2010/main" xmlns:p14="http://schemas.microsoft.com/office/powerpoint/2010/main" xmlns:a16="http://schemas.microsoft.com/office/drawing/2014/main" xmlns="" w="9525">
                   <a:solidFill>
                     <a:srgbClr val="000000"/>
                   </a:solidFill>
@@ -27269,7 +22196,7 @@
             </a:ln>
             <a:extLst>
               <a:ext uri="{91240B29-F687-4f45-9708-019B960494DF}">
-                <a14:hiddenLine xmlns="" xmlns:a16="http://schemas.microsoft.com/office/drawing/2014/main" xmlns:p14="http://schemas.microsoft.com/office/powerpoint/2010/main" xmlns:a14="http://schemas.microsoft.com/office/drawing/2010/main" w="9525">
+                <a14:hiddenLine xmlns:a14="http://schemas.microsoft.com/office/drawing/2010/main" xmlns:p14="http://schemas.microsoft.com/office/powerpoint/2010/main" xmlns:a16="http://schemas.microsoft.com/office/drawing/2014/main" xmlns="" w="9525">
                   <a:solidFill>
                     <a:srgbClr val="000000"/>
                   </a:solidFill>
@@ -27374,7 +22301,7 @@
             </a:ln>
             <a:extLst>
               <a:ext uri="{91240B29-F687-4f45-9708-019B960494DF}">
-                <a14:hiddenLine xmlns="" xmlns:a16="http://schemas.microsoft.com/office/drawing/2014/main" xmlns:p14="http://schemas.microsoft.com/office/powerpoint/2010/main" xmlns:a14="http://schemas.microsoft.com/office/drawing/2010/main" w="9525">
+                <a14:hiddenLine xmlns:a14="http://schemas.microsoft.com/office/drawing/2010/main" xmlns:p14="http://schemas.microsoft.com/office/powerpoint/2010/main" xmlns:a16="http://schemas.microsoft.com/office/drawing/2014/main" xmlns="" w="9525">
                   <a:solidFill>
                     <a:srgbClr val="000000"/>
                   </a:solidFill>
@@ -27451,7 +22378,7 @@
             </a:ln>
             <a:extLst>
               <a:ext uri="{91240B29-F687-4f45-9708-019B960494DF}">
-                <a14:hiddenLine xmlns="" xmlns:a16="http://schemas.microsoft.com/office/drawing/2014/main" xmlns:p14="http://schemas.microsoft.com/office/powerpoint/2010/main" xmlns:a14="http://schemas.microsoft.com/office/drawing/2010/main" w="9525">
+                <a14:hiddenLine xmlns:a14="http://schemas.microsoft.com/office/drawing/2010/main" xmlns:p14="http://schemas.microsoft.com/office/powerpoint/2010/main" xmlns:a16="http://schemas.microsoft.com/office/drawing/2014/main" xmlns="" w="9525">
                   <a:solidFill>
                     <a:srgbClr val="000000"/>
                   </a:solidFill>
@@ -27586,7 +22513,7 @@
             </a:ln>
             <a:extLst>
               <a:ext uri="{91240B29-F687-4f45-9708-019B960494DF}">
-                <a14:hiddenLine xmlns="" xmlns:a16="http://schemas.microsoft.com/office/drawing/2014/main" xmlns:p14="http://schemas.microsoft.com/office/powerpoint/2010/main" xmlns:a14="http://schemas.microsoft.com/office/drawing/2010/main" w="9525">
+                <a14:hiddenLine xmlns:a14="http://schemas.microsoft.com/office/drawing/2010/main" xmlns:p14="http://schemas.microsoft.com/office/powerpoint/2010/main" xmlns:a16="http://schemas.microsoft.com/office/drawing/2014/main" xmlns="" w="9525">
                   <a:solidFill>
                     <a:srgbClr val="000000"/>
                   </a:solidFill>
@@ -27669,7 +22596,7 @@
             </a:ln>
             <a:extLst>
               <a:ext uri="{91240B29-F687-4f45-9708-019B960494DF}">
-                <a14:hiddenLine xmlns="" xmlns:a16="http://schemas.microsoft.com/office/drawing/2014/main" xmlns:p14="http://schemas.microsoft.com/office/powerpoint/2010/main" xmlns:a14="http://schemas.microsoft.com/office/drawing/2010/main" w="9525">
+                <a14:hiddenLine xmlns:a14="http://schemas.microsoft.com/office/drawing/2010/main" xmlns:p14="http://schemas.microsoft.com/office/powerpoint/2010/main" xmlns:a16="http://schemas.microsoft.com/office/drawing/2014/main" xmlns="" w="9525">
                   <a:solidFill>
                     <a:srgbClr val="000000"/>
                   </a:solidFill>
@@ -27774,7 +22701,7 @@
             </a:ln>
             <a:extLst>
               <a:ext uri="{91240B29-F687-4f45-9708-019B960494DF}">
-                <a14:hiddenLine xmlns="" xmlns:a16="http://schemas.microsoft.com/office/drawing/2014/main" xmlns:p14="http://schemas.microsoft.com/office/powerpoint/2010/main" xmlns:a14="http://schemas.microsoft.com/office/drawing/2010/main" w="9525">
+                <a14:hiddenLine xmlns:a14="http://schemas.microsoft.com/office/drawing/2010/main" xmlns:p14="http://schemas.microsoft.com/office/powerpoint/2010/main" xmlns:a16="http://schemas.microsoft.com/office/drawing/2014/main" xmlns="" w="9525">
                   <a:solidFill>
                     <a:srgbClr val="000000"/>
                   </a:solidFill>
@@ -27805,7 +22732,7 @@
         </p:nvSpPr>
         <p:spPr>
           <a:xfrm>
-            <a:off x="1828801" y="2505075"/>
+            <a:off x="1787396" y="2782635"/>
             <a:ext cx="8791575" cy="1301673"/>
           </a:xfrm>
         </p:spPr>
@@ -27841,8 +22768,8 @@
         </p:blipFill>
         <p:spPr bwMode="auto">
           <a:xfrm>
-            <a:off x="5275155" y="1816101"/>
-            <a:ext cx="5954818" cy="2893808"/>
+            <a:off x="4329404" y="1816100"/>
+            <a:ext cx="6900569" cy="3430587"/>
           </a:xfrm>
           <a:prstGeom prst="round2DiagRect">
             <a:avLst>
@@ -27976,7 +22903,7 @@
           <a:noFill/>
           <a:extLst>
             <a:ext uri="{909E8E84-426E-40dd-AFC4-6F175D3DCCD1}">
-              <a14:hiddenFill xmlns="" xmlns:a16="http://schemas.microsoft.com/office/drawing/2014/main" xmlns:a14="http://schemas.microsoft.com/office/drawing/2010/main" xmlns:p14="http://schemas.microsoft.com/office/powerpoint/2010/main">
+              <a14:hiddenFill xmlns:p14="http://schemas.microsoft.com/office/powerpoint/2010/main" xmlns:a14="http://schemas.microsoft.com/office/drawing/2010/main" xmlns:a16="http://schemas.microsoft.com/office/drawing/2014/main" xmlns="">
                 <a:solidFill>
                   <a:srgbClr val="FFFFFF"/>
                 </a:solidFill>
@@ -28068,7 +22995,7 @@
             </a:ln>
             <a:extLst>
               <a:ext uri="{91240B29-F687-4f45-9708-019B960494DF}">
-                <a14:hiddenLine xmlns="" xmlns:a16="http://schemas.microsoft.com/office/drawing/2014/main" xmlns:a14="http://schemas.microsoft.com/office/drawing/2010/main" xmlns:p14="http://schemas.microsoft.com/office/powerpoint/2010/main" w="9525">
+                <a14:hiddenLine xmlns:p14="http://schemas.microsoft.com/office/powerpoint/2010/main" xmlns:a14="http://schemas.microsoft.com/office/drawing/2010/main" xmlns:a16="http://schemas.microsoft.com/office/drawing/2014/main" xmlns="" w="9525">
                   <a:solidFill>
                     <a:srgbClr val="000000"/>
                   </a:solidFill>
@@ -28173,7 +23100,7 @@
             </a:ln>
             <a:extLst>
               <a:ext uri="{91240B29-F687-4f45-9708-019B960494DF}">
-                <a14:hiddenLine xmlns="" xmlns:a16="http://schemas.microsoft.com/office/drawing/2014/main" xmlns:a14="http://schemas.microsoft.com/office/drawing/2010/main" xmlns:p14="http://schemas.microsoft.com/office/powerpoint/2010/main" w="9525">
+                <a14:hiddenLine xmlns:p14="http://schemas.microsoft.com/office/powerpoint/2010/main" xmlns:a14="http://schemas.microsoft.com/office/drawing/2010/main" xmlns:a16="http://schemas.microsoft.com/office/drawing/2014/main" xmlns="" w="9525">
                   <a:solidFill>
                     <a:srgbClr val="000000"/>
                   </a:solidFill>
@@ -28278,7 +23205,7 @@
             </a:ln>
             <a:extLst>
               <a:ext uri="{91240B29-F687-4f45-9708-019B960494DF}">
-                <a14:hiddenLine xmlns="" xmlns:a16="http://schemas.microsoft.com/office/drawing/2014/main" xmlns:a14="http://schemas.microsoft.com/office/drawing/2010/main" xmlns:p14="http://schemas.microsoft.com/office/powerpoint/2010/main" w="9525">
+                <a14:hiddenLine xmlns:p14="http://schemas.microsoft.com/office/powerpoint/2010/main" xmlns:a14="http://schemas.microsoft.com/office/drawing/2010/main" xmlns:a16="http://schemas.microsoft.com/office/drawing/2014/main" xmlns="" w="9525">
                   <a:solidFill>
                     <a:srgbClr val="000000"/>
                   </a:solidFill>
@@ -28327,7 +23254,7 @@
             </a:ln>
             <a:extLst>
               <a:ext uri="{91240B29-F687-4f45-9708-019B960494DF}">
-                <a14:hiddenLine xmlns="" xmlns:a16="http://schemas.microsoft.com/office/drawing/2014/main" xmlns:a14="http://schemas.microsoft.com/office/drawing/2010/main" xmlns:p14="http://schemas.microsoft.com/office/powerpoint/2010/main" w="9525">
+                <a14:hiddenLine xmlns:p14="http://schemas.microsoft.com/office/powerpoint/2010/main" xmlns:a14="http://schemas.microsoft.com/office/drawing/2010/main" xmlns:a16="http://schemas.microsoft.com/office/drawing/2014/main" xmlns="" w="9525">
                   <a:solidFill>
                     <a:srgbClr val="000000"/>
                   </a:solidFill>
@@ -28432,7 +23359,7 @@
             </a:ln>
             <a:extLst>
               <a:ext uri="{91240B29-F687-4f45-9708-019B960494DF}">
-                <a14:hiddenLine xmlns="" xmlns:a16="http://schemas.microsoft.com/office/drawing/2014/main" xmlns:a14="http://schemas.microsoft.com/office/drawing/2010/main" xmlns:p14="http://schemas.microsoft.com/office/powerpoint/2010/main" w="9525">
+                <a14:hiddenLine xmlns:p14="http://schemas.microsoft.com/office/powerpoint/2010/main" xmlns:a14="http://schemas.microsoft.com/office/drawing/2010/main" xmlns:a16="http://schemas.microsoft.com/office/drawing/2014/main" xmlns="" w="9525">
                   <a:solidFill>
                     <a:srgbClr val="000000"/>
                   </a:solidFill>
@@ -28509,7 +23436,7 @@
             </a:ln>
             <a:extLst>
               <a:ext uri="{91240B29-F687-4f45-9708-019B960494DF}">
-                <a14:hiddenLine xmlns="" xmlns:a16="http://schemas.microsoft.com/office/drawing/2014/main" xmlns:a14="http://schemas.microsoft.com/office/drawing/2010/main" xmlns:p14="http://schemas.microsoft.com/office/powerpoint/2010/main" w="9525">
+                <a14:hiddenLine xmlns:p14="http://schemas.microsoft.com/office/powerpoint/2010/main" xmlns:a14="http://schemas.microsoft.com/office/drawing/2010/main" xmlns:a16="http://schemas.microsoft.com/office/drawing/2014/main" xmlns="" w="9525">
                   <a:solidFill>
                     <a:srgbClr val="000000"/>
                   </a:solidFill>
@@ -28586,7 +23513,7 @@
             </a:ln>
             <a:extLst>
               <a:ext uri="{91240B29-F687-4f45-9708-019B960494DF}">
-                <a14:hiddenLine xmlns="" xmlns:a16="http://schemas.microsoft.com/office/drawing/2014/main" xmlns:a14="http://schemas.microsoft.com/office/drawing/2010/main" xmlns:p14="http://schemas.microsoft.com/office/powerpoint/2010/main" w="9525">
+                <a14:hiddenLine xmlns:p14="http://schemas.microsoft.com/office/powerpoint/2010/main" xmlns:a14="http://schemas.microsoft.com/office/drawing/2010/main" xmlns:a16="http://schemas.microsoft.com/office/drawing/2014/main" xmlns="" w="9525">
                   <a:solidFill>
                     <a:srgbClr val="000000"/>
                   </a:solidFill>
@@ -28691,7 +23618,7 @@
             </a:ln>
             <a:extLst>
               <a:ext uri="{91240B29-F687-4f45-9708-019B960494DF}">
-                <a14:hiddenLine xmlns="" xmlns:a16="http://schemas.microsoft.com/office/drawing/2014/main" xmlns:a14="http://schemas.microsoft.com/office/drawing/2010/main" xmlns:p14="http://schemas.microsoft.com/office/powerpoint/2010/main" w="9525">
+                <a14:hiddenLine xmlns:p14="http://schemas.microsoft.com/office/powerpoint/2010/main" xmlns:a14="http://schemas.microsoft.com/office/drawing/2010/main" xmlns:a16="http://schemas.microsoft.com/office/drawing/2014/main" xmlns="" w="9525">
                   <a:solidFill>
                     <a:srgbClr val="000000"/>
                   </a:solidFill>
@@ -28768,7 +23695,7 @@
             </a:ln>
             <a:extLst>
               <a:ext uri="{91240B29-F687-4f45-9708-019B960494DF}">
-                <a14:hiddenLine xmlns="" xmlns:a16="http://schemas.microsoft.com/office/drawing/2014/main" xmlns:a14="http://schemas.microsoft.com/office/drawing/2010/main" xmlns:p14="http://schemas.microsoft.com/office/powerpoint/2010/main" w="9525">
+                <a14:hiddenLine xmlns:p14="http://schemas.microsoft.com/office/powerpoint/2010/main" xmlns:a14="http://schemas.microsoft.com/office/drawing/2010/main" xmlns:a16="http://schemas.microsoft.com/office/drawing/2014/main" xmlns="" w="9525">
                   <a:solidFill>
                     <a:srgbClr val="000000"/>
                   </a:solidFill>
@@ -28845,7 +23772,7 @@
             </a:ln>
             <a:extLst>
               <a:ext uri="{91240B29-F687-4f45-9708-019B960494DF}">
-                <a14:hiddenLine xmlns="" xmlns:a16="http://schemas.microsoft.com/office/drawing/2014/main" xmlns:a14="http://schemas.microsoft.com/office/drawing/2010/main" xmlns:p14="http://schemas.microsoft.com/office/powerpoint/2010/main" w="9525">
+                <a14:hiddenLine xmlns:p14="http://schemas.microsoft.com/office/powerpoint/2010/main" xmlns:a14="http://schemas.microsoft.com/office/drawing/2010/main" xmlns:a16="http://schemas.microsoft.com/office/drawing/2014/main" xmlns="" w="9525">
                   <a:solidFill>
                     <a:srgbClr val="000000"/>
                   </a:solidFill>
@@ -28950,7 +23877,7 @@
             </a:ln>
             <a:extLst>
               <a:ext uri="{91240B29-F687-4f45-9708-019B960494DF}">
-                <a14:hiddenLine xmlns="" xmlns:a16="http://schemas.microsoft.com/office/drawing/2014/main" xmlns:a14="http://schemas.microsoft.com/office/drawing/2010/main" xmlns:p14="http://schemas.microsoft.com/office/powerpoint/2010/main" w="9525">
+                <a14:hiddenLine xmlns:p14="http://schemas.microsoft.com/office/powerpoint/2010/main" xmlns:a14="http://schemas.microsoft.com/office/drawing/2010/main" xmlns:a16="http://schemas.microsoft.com/office/drawing/2014/main" xmlns="" w="9525">
                   <a:solidFill>
                     <a:srgbClr val="000000"/>
                   </a:solidFill>
@@ -29055,7 +23982,7 @@
             </a:ln>
             <a:extLst>
               <a:ext uri="{91240B29-F687-4f45-9708-019B960494DF}">
-                <a14:hiddenLine xmlns="" xmlns:a16="http://schemas.microsoft.com/office/drawing/2014/main" xmlns:a14="http://schemas.microsoft.com/office/drawing/2010/main" xmlns:p14="http://schemas.microsoft.com/office/powerpoint/2010/main" w="9525">
+                <a14:hiddenLine xmlns:p14="http://schemas.microsoft.com/office/powerpoint/2010/main" xmlns:a14="http://schemas.microsoft.com/office/drawing/2010/main" xmlns:a16="http://schemas.microsoft.com/office/drawing/2014/main" xmlns="" w="9525">
                   <a:solidFill>
                     <a:srgbClr val="000000"/>
                   </a:solidFill>
@@ -29132,7 +24059,7 @@
             </a:ln>
             <a:extLst>
               <a:ext uri="{91240B29-F687-4f45-9708-019B960494DF}">
-                <a14:hiddenLine xmlns="" xmlns:a16="http://schemas.microsoft.com/office/drawing/2014/main" xmlns:a14="http://schemas.microsoft.com/office/drawing/2010/main" xmlns:p14="http://schemas.microsoft.com/office/powerpoint/2010/main" w="9525">
+                <a14:hiddenLine xmlns:p14="http://schemas.microsoft.com/office/powerpoint/2010/main" xmlns:a14="http://schemas.microsoft.com/office/drawing/2010/main" xmlns:a16="http://schemas.microsoft.com/office/drawing/2014/main" xmlns="" w="9525">
                   <a:solidFill>
                     <a:srgbClr val="000000"/>
                   </a:solidFill>
@@ -29257,7 +24184,7 @@
             </a:ln>
             <a:extLst>
               <a:ext uri="{91240B29-F687-4f45-9708-019B960494DF}">
-                <a14:hiddenLine xmlns="" xmlns:a16="http://schemas.microsoft.com/office/drawing/2014/main" xmlns:a14="http://schemas.microsoft.com/office/drawing/2010/main" xmlns:p14="http://schemas.microsoft.com/office/powerpoint/2010/main" w="9525">
+                <a14:hiddenLine xmlns:p14="http://schemas.microsoft.com/office/powerpoint/2010/main" xmlns:a14="http://schemas.microsoft.com/office/drawing/2010/main" xmlns:a16="http://schemas.microsoft.com/office/drawing/2014/main" xmlns="" w="9525">
                   <a:solidFill>
                     <a:srgbClr val="000000"/>
                   </a:solidFill>
@@ -29334,7 +24261,7 @@
             </a:ln>
             <a:extLst>
               <a:ext uri="{91240B29-F687-4f45-9708-019B960494DF}">
-                <a14:hiddenLine xmlns="" xmlns:a16="http://schemas.microsoft.com/office/drawing/2014/main" xmlns:a14="http://schemas.microsoft.com/office/drawing/2010/main" xmlns:p14="http://schemas.microsoft.com/office/powerpoint/2010/main" w="9525">
+                <a14:hiddenLine xmlns:p14="http://schemas.microsoft.com/office/powerpoint/2010/main" xmlns:a14="http://schemas.microsoft.com/office/drawing/2010/main" xmlns:a16="http://schemas.microsoft.com/office/drawing/2014/main" xmlns="" w="9525">
                   <a:solidFill>
                     <a:srgbClr val="000000"/>
                   </a:solidFill>
@@ -29439,7 +24366,7 @@
             </a:ln>
             <a:extLst>
               <a:ext uri="{91240B29-F687-4f45-9708-019B960494DF}">
-                <a14:hiddenLine xmlns="" xmlns:a16="http://schemas.microsoft.com/office/drawing/2014/main" xmlns:a14="http://schemas.microsoft.com/office/drawing/2010/main" xmlns:p14="http://schemas.microsoft.com/office/powerpoint/2010/main" w="9525">
+                <a14:hiddenLine xmlns:p14="http://schemas.microsoft.com/office/powerpoint/2010/main" xmlns:a14="http://schemas.microsoft.com/office/drawing/2010/main" xmlns:a16="http://schemas.microsoft.com/office/drawing/2014/main" xmlns="" w="9525">
                   <a:solidFill>
                     <a:srgbClr val="000000"/>
                   </a:solidFill>
@@ -29544,7 +24471,7 @@
             </a:ln>
             <a:extLst>
               <a:ext uri="{91240B29-F687-4f45-9708-019B960494DF}">
-                <a14:hiddenLine xmlns="" xmlns:a16="http://schemas.microsoft.com/office/drawing/2014/main" xmlns:a14="http://schemas.microsoft.com/office/drawing/2010/main" xmlns:p14="http://schemas.microsoft.com/office/powerpoint/2010/main" w="9525">
+                <a14:hiddenLine xmlns:p14="http://schemas.microsoft.com/office/powerpoint/2010/main" xmlns:a14="http://schemas.microsoft.com/office/drawing/2010/main" xmlns:a16="http://schemas.microsoft.com/office/drawing/2014/main" xmlns="" w="9525">
                   <a:solidFill>
                     <a:srgbClr val="000000"/>
                   </a:solidFill>
@@ -29621,7 +24548,7 @@
             </a:ln>
             <a:extLst>
               <a:ext uri="{91240B29-F687-4f45-9708-019B960494DF}">
-                <a14:hiddenLine xmlns="" xmlns:a16="http://schemas.microsoft.com/office/drawing/2014/main" xmlns:a14="http://schemas.microsoft.com/office/drawing/2010/main" xmlns:p14="http://schemas.microsoft.com/office/powerpoint/2010/main" w="9525">
+                <a14:hiddenLine xmlns:p14="http://schemas.microsoft.com/office/powerpoint/2010/main" xmlns:a14="http://schemas.microsoft.com/office/drawing/2010/main" xmlns:a16="http://schemas.microsoft.com/office/drawing/2014/main" xmlns="" w="9525">
                   <a:solidFill>
                     <a:srgbClr val="000000"/>
                   </a:solidFill>
@@ -29726,7 +24653,7 @@
             </a:ln>
             <a:extLst>
               <a:ext uri="{91240B29-F687-4f45-9708-019B960494DF}">
-                <a14:hiddenLine xmlns="" xmlns:a16="http://schemas.microsoft.com/office/drawing/2014/main" xmlns:a14="http://schemas.microsoft.com/office/drawing/2010/main" xmlns:p14="http://schemas.microsoft.com/office/powerpoint/2010/main" w="9525">
+                <a14:hiddenLine xmlns:p14="http://schemas.microsoft.com/office/powerpoint/2010/main" xmlns:a14="http://schemas.microsoft.com/office/drawing/2010/main" xmlns:a16="http://schemas.microsoft.com/office/drawing/2014/main" xmlns="" w="9525">
                   <a:solidFill>
                     <a:srgbClr val="000000"/>
                   </a:solidFill>
@@ -29831,7 +24758,7 @@
             </a:ln>
             <a:extLst>
               <a:ext uri="{91240B29-F687-4f45-9708-019B960494DF}">
-                <a14:hiddenLine xmlns="" xmlns:a16="http://schemas.microsoft.com/office/drawing/2014/main" xmlns:a14="http://schemas.microsoft.com/office/drawing/2010/main" xmlns:p14="http://schemas.microsoft.com/office/powerpoint/2010/main" w="9525">
+                <a14:hiddenLine xmlns:p14="http://schemas.microsoft.com/office/powerpoint/2010/main" xmlns:a14="http://schemas.microsoft.com/office/drawing/2010/main" xmlns:a16="http://schemas.microsoft.com/office/drawing/2014/main" xmlns="" w="9525">
                   <a:solidFill>
                     <a:srgbClr val="000000"/>
                   </a:solidFill>
@@ -29902,7 +24829,7 @@
             </a:ln>
             <a:extLst>
               <a:ext uri="{91240B29-F687-4f45-9708-019B960494DF}">
-                <a14:hiddenLine xmlns="" xmlns:a16="http://schemas.microsoft.com/office/drawing/2014/main" xmlns:a14="http://schemas.microsoft.com/office/drawing/2010/main" xmlns:p14="http://schemas.microsoft.com/office/powerpoint/2010/main" w="9525">
+                <a14:hiddenLine xmlns:p14="http://schemas.microsoft.com/office/powerpoint/2010/main" xmlns:a14="http://schemas.microsoft.com/office/drawing/2010/main" xmlns:a16="http://schemas.microsoft.com/office/drawing/2014/main" xmlns="" w="9525">
                   <a:solidFill>
                     <a:srgbClr val="000000"/>
                   </a:solidFill>
@@ -30007,7 +24934,7 @@
             </a:ln>
             <a:extLst>
               <a:ext uri="{91240B29-F687-4f45-9708-019B960494DF}">
-                <a14:hiddenLine xmlns="" xmlns:a16="http://schemas.microsoft.com/office/drawing/2014/main" xmlns:a14="http://schemas.microsoft.com/office/drawing/2010/main" xmlns:p14="http://schemas.microsoft.com/office/powerpoint/2010/main" w="9525">
+                <a14:hiddenLine xmlns:p14="http://schemas.microsoft.com/office/powerpoint/2010/main" xmlns:a14="http://schemas.microsoft.com/office/drawing/2010/main" xmlns:a16="http://schemas.microsoft.com/office/drawing/2014/main" xmlns="" w="9525">
                   <a:solidFill>
                     <a:srgbClr val="000000"/>
                   </a:solidFill>
@@ -30078,7 +25005,7 @@
             </a:ln>
             <a:extLst>
               <a:ext uri="{91240B29-F687-4f45-9708-019B960494DF}">
-                <a14:hiddenLine xmlns="" xmlns:a16="http://schemas.microsoft.com/office/drawing/2014/main" xmlns:a14="http://schemas.microsoft.com/office/drawing/2010/main" xmlns:p14="http://schemas.microsoft.com/office/powerpoint/2010/main" w="9525">
+                <a14:hiddenLine xmlns:p14="http://schemas.microsoft.com/office/powerpoint/2010/main" xmlns:a14="http://schemas.microsoft.com/office/drawing/2010/main" xmlns:a16="http://schemas.microsoft.com/office/drawing/2014/main" xmlns="" w="9525">
                   <a:solidFill>
                     <a:srgbClr val="000000"/>
                   </a:solidFill>
@@ -30183,7 +25110,7 @@
             </a:ln>
             <a:extLst>
               <a:ext uri="{91240B29-F687-4f45-9708-019B960494DF}">
-                <a14:hiddenLine xmlns="" xmlns:a16="http://schemas.microsoft.com/office/drawing/2014/main" xmlns:a14="http://schemas.microsoft.com/office/drawing/2010/main" xmlns:p14="http://schemas.microsoft.com/office/powerpoint/2010/main" w="9525">
+                <a14:hiddenLine xmlns:p14="http://schemas.microsoft.com/office/powerpoint/2010/main" xmlns:a14="http://schemas.microsoft.com/office/drawing/2010/main" xmlns:a16="http://schemas.microsoft.com/office/drawing/2014/main" xmlns="" w="9525">
                   <a:solidFill>
                     <a:srgbClr val="000000"/>
                   </a:solidFill>
@@ -30266,7 +25193,7 @@
             </a:ln>
             <a:extLst>
               <a:ext uri="{91240B29-F687-4f45-9708-019B960494DF}">
-                <a14:hiddenLine xmlns="" xmlns:a16="http://schemas.microsoft.com/office/drawing/2014/main" xmlns:a14="http://schemas.microsoft.com/office/drawing/2010/main" xmlns:p14="http://schemas.microsoft.com/office/powerpoint/2010/main" w="9525">
+                <a14:hiddenLine xmlns:p14="http://schemas.microsoft.com/office/powerpoint/2010/main" xmlns:a14="http://schemas.microsoft.com/office/drawing/2010/main" xmlns:a16="http://schemas.microsoft.com/office/drawing/2014/main" xmlns="" w="9525">
                   <a:solidFill>
                     <a:srgbClr val="000000"/>
                   </a:solidFill>
@@ -30371,7 +25298,7 @@
             </a:ln>
             <a:extLst>
               <a:ext uri="{91240B29-F687-4f45-9708-019B960494DF}">
-                <a14:hiddenLine xmlns="" xmlns:a16="http://schemas.microsoft.com/office/drawing/2014/main" xmlns:a14="http://schemas.microsoft.com/office/drawing/2010/main" xmlns:p14="http://schemas.microsoft.com/office/powerpoint/2010/main" w="9525">
+                <a14:hiddenLine xmlns:p14="http://schemas.microsoft.com/office/powerpoint/2010/main" xmlns:a14="http://schemas.microsoft.com/office/drawing/2010/main" xmlns:a16="http://schemas.microsoft.com/office/drawing/2014/main" xmlns="" w="9525">
                   <a:solidFill>
                     <a:srgbClr val="000000"/>
                   </a:solidFill>
@@ -30454,7 +25381,7 @@
             </a:ln>
             <a:extLst>
               <a:ext uri="{91240B29-F687-4f45-9708-019B960494DF}">
-                <a14:hiddenLine xmlns="" xmlns:a16="http://schemas.microsoft.com/office/drawing/2014/main" xmlns:a14="http://schemas.microsoft.com/office/drawing/2010/main" xmlns:p14="http://schemas.microsoft.com/office/powerpoint/2010/main" w="9525">
+                <a14:hiddenLine xmlns:p14="http://schemas.microsoft.com/office/powerpoint/2010/main" xmlns:a14="http://schemas.microsoft.com/office/drawing/2010/main" xmlns:a16="http://schemas.microsoft.com/office/drawing/2014/main" xmlns="" w="9525">
                   <a:solidFill>
                     <a:srgbClr val="000000"/>
                   </a:solidFill>
@@ -30559,7 +25486,7 @@
             </a:ln>
             <a:extLst>
               <a:ext uri="{91240B29-F687-4f45-9708-019B960494DF}">
-                <a14:hiddenLine xmlns="" xmlns:a16="http://schemas.microsoft.com/office/drawing/2014/main" xmlns:a14="http://schemas.microsoft.com/office/drawing/2010/main" xmlns:p14="http://schemas.microsoft.com/office/powerpoint/2010/main" w="9525">
+                <a14:hiddenLine xmlns:p14="http://schemas.microsoft.com/office/powerpoint/2010/main" xmlns:a14="http://schemas.microsoft.com/office/drawing/2010/main" xmlns:a16="http://schemas.microsoft.com/office/drawing/2014/main" xmlns="" w="9525">
                   <a:solidFill>
                     <a:srgbClr val="000000"/>
                   </a:solidFill>
@@ -30608,7 +25535,7 @@
             </a:ln>
             <a:extLst>
               <a:ext uri="{91240B29-F687-4f45-9708-019B960494DF}">
-                <a14:hiddenLine xmlns="" xmlns:a16="http://schemas.microsoft.com/office/drawing/2014/main" xmlns:a14="http://schemas.microsoft.com/office/drawing/2010/main" xmlns:p14="http://schemas.microsoft.com/office/powerpoint/2010/main" w="9525">
+                <a14:hiddenLine xmlns:p14="http://schemas.microsoft.com/office/powerpoint/2010/main" xmlns:a14="http://schemas.microsoft.com/office/drawing/2010/main" xmlns:a16="http://schemas.microsoft.com/office/drawing/2014/main" xmlns="" w="9525">
                   <a:solidFill>
                     <a:srgbClr val="000000"/>
                   </a:solidFill>
@@ -30713,7 +25640,7 @@
             </a:ln>
             <a:extLst>
               <a:ext uri="{91240B29-F687-4f45-9708-019B960494DF}">
-                <a14:hiddenLine xmlns="" xmlns:a16="http://schemas.microsoft.com/office/drawing/2014/main" xmlns:a14="http://schemas.microsoft.com/office/drawing/2010/main" xmlns:p14="http://schemas.microsoft.com/office/powerpoint/2010/main" w="9525">
+                <a14:hiddenLine xmlns:p14="http://schemas.microsoft.com/office/powerpoint/2010/main" xmlns:a14="http://schemas.microsoft.com/office/drawing/2010/main" xmlns:a16="http://schemas.microsoft.com/office/drawing/2014/main" xmlns="" w="9525">
                   <a:solidFill>
                     <a:srgbClr val="000000"/>
                   </a:solidFill>
@@ -30790,7 +25717,7 @@
             </a:ln>
             <a:extLst>
               <a:ext uri="{91240B29-F687-4f45-9708-019B960494DF}">
-                <a14:hiddenLine xmlns="" xmlns:a16="http://schemas.microsoft.com/office/drawing/2014/main" xmlns:a14="http://schemas.microsoft.com/office/drawing/2010/main" xmlns:p14="http://schemas.microsoft.com/office/powerpoint/2010/main" w="9525">
+                <a14:hiddenLine xmlns:p14="http://schemas.microsoft.com/office/powerpoint/2010/main" xmlns:a14="http://schemas.microsoft.com/office/drawing/2010/main" xmlns:a16="http://schemas.microsoft.com/office/drawing/2014/main" xmlns="" w="9525">
                   <a:solidFill>
                     <a:srgbClr val="000000"/>
                   </a:solidFill>
@@ -30867,7 +25794,7 @@
             </a:ln>
             <a:extLst>
               <a:ext uri="{91240B29-F687-4f45-9708-019B960494DF}">
-                <a14:hiddenLine xmlns="" xmlns:a16="http://schemas.microsoft.com/office/drawing/2014/main" xmlns:a14="http://schemas.microsoft.com/office/drawing/2010/main" xmlns:p14="http://schemas.microsoft.com/office/powerpoint/2010/main" w="9525">
+                <a14:hiddenLine xmlns:p14="http://schemas.microsoft.com/office/powerpoint/2010/main" xmlns:a14="http://schemas.microsoft.com/office/drawing/2010/main" xmlns:a16="http://schemas.microsoft.com/office/drawing/2014/main" xmlns="" w="9525">
                   <a:solidFill>
                     <a:srgbClr val="000000"/>
                   </a:solidFill>
@@ -30972,7 +25899,7 @@
             </a:ln>
             <a:extLst>
               <a:ext uri="{91240B29-F687-4f45-9708-019B960494DF}">
-                <a14:hiddenLine xmlns="" xmlns:a16="http://schemas.microsoft.com/office/drawing/2014/main" xmlns:a14="http://schemas.microsoft.com/office/drawing/2010/main" xmlns:p14="http://schemas.microsoft.com/office/powerpoint/2010/main" w="9525">
+                <a14:hiddenLine xmlns:p14="http://schemas.microsoft.com/office/powerpoint/2010/main" xmlns:a14="http://schemas.microsoft.com/office/drawing/2010/main" xmlns:a16="http://schemas.microsoft.com/office/drawing/2014/main" xmlns="" w="9525">
                   <a:solidFill>
                     <a:srgbClr val="000000"/>
                   </a:solidFill>
@@ -31055,7 +25982,7 @@
             </a:ln>
             <a:extLst>
               <a:ext uri="{91240B29-F687-4f45-9708-019B960494DF}">
-                <a14:hiddenLine xmlns="" xmlns:a16="http://schemas.microsoft.com/office/drawing/2014/main" xmlns:a14="http://schemas.microsoft.com/office/drawing/2010/main" xmlns:p14="http://schemas.microsoft.com/office/powerpoint/2010/main" w="9525">
+                <a14:hiddenLine xmlns:p14="http://schemas.microsoft.com/office/powerpoint/2010/main" xmlns:a14="http://schemas.microsoft.com/office/drawing/2010/main" xmlns:a16="http://schemas.microsoft.com/office/drawing/2014/main" xmlns="" w="9525">
                   <a:solidFill>
                     <a:srgbClr val="000000"/>
                   </a:solidFill>
@@ -31132,7 +26059,7 @@
             </a:ln>
             <a:extLst>
               <a:ext uri="{91240B29-F687-4f45-9708-019B960494DF}">
-                <a14:hiddenLine xmlns="" xmlns:a16="http://schemas.microsoft.com/office/drawing/2014/main" xmlns:a14="http://schemas.microsoft.com/office/drawing/2010/main" xmlns:p14="http://schemas.microsoft.com/office/powerpoint/2010/main" w="9525">
+                <a14:hiddenLine xmlns:p14="http://schemas.microsoft.com/office/powerpoint/2010/main" xmlns:a14="http://schemas.microsoft.com/office/drawing/2010/main" xmlns:a16="http://schemas.microsoft.com/office/drawing/2014/main" xmlns="" w="9525">
                   <a:solidFill>
                     <a:srgbClr val="000000"/>
                   </a:solidFill>
@@ -31237,7 +26164,7 @@
             </a:ln>
             <a:extLst>
               <a:ext uri="{91240B29-F687-4f45-9708-019B960494DF}">
-                <a14:hiddenLine xmlns="" xmlns:a16="http://schemas.microsoft.com/office/drawing/2014/main" xmlns:a14="http://schemas.microsoft.com/office/drawing/2010/main" xmlns:p14="http://schemas.microsoft.com/office/powerpoint/2010/main" w="9525">
+                <a14:hiddenLine xmlns:p14="http://schemas.microsoft.com/office/powerpoint/2010/main" xmlns:a14="http://schemas.microsoft.com/office/drawing/2010/main" xmlns:a16="http://schemas.microsoft.com/office/drawing/2014/main" xmlns="" w="9525">
                   <a:solidFill>
                     <a:srgbClr val="000000"/>
                   </a:solidFill>
@@ -31314,7 +26241,7 @@
             </a:ln>
             <a:extLst>
               <a:ext uri="{91240B29-F687-4f45-9708-019B960494DF}">
-                <a14:hiddenLine xmlns="" xmlns:a16="http://schemas.microsoft.com/office/drawing/2014/main" xmlns:a14="http://schemas.microsoft.com/office/drawing/2010/main" xmlns:p14="http://schemas.microsoft.com/office/powerpoint/2010/main" w="9525">
+                <a14:hiddenLine xmlns:p14="http://schemas.microsoft.com/office/powerpoint/2010/main" xmlns:a14="http://schemas.microsoft.com/office/drawing/2010/main" xmlns:a16="http://schemas.microsoft.com/office/drawing/2014/main" xmlns="" w="9525">
                   <a:solidFill>
                     <a:srgbClr val="000000"/>
                   </a:solidFill>
@@ -31419,7 +26346,7 @@
             </a:ln>
             <a:extLst>
               <a:ext uri="{91240B29-F687-4f45-9708-019B960494DF}">
-                <a14:hiddenLine xmlns="" xmlns:a16="http://schemas.microsoft.com/office/drawing/2014/main" xmlns:a14="http://schemas.microsoft.com/office/drawing/2010/main" xmlns:p14="http://schemas.microsoft.com/office/powerpoint/2010/main" w="9525">
+                <a14:hiddenLine xmlns:p14="http://schemas.microsoft.com/office/powerpoint/2010/main" xmlns:a14="http://schemas.microsoft.com/office/drawing/2010/main" xmlns:a16="http://schemas.microsoft.com/office/drawing/2014/main" xmlns="" w="9525">
                   <a:solidFill>
                     <a:srgbClr val="000000"/>
                   </a:solidFill>
@@ -31496,7 +26423,7 @@
             </a:ln>
             <a:extLst>
               <a:ext uri="{91240B29-F687-4f45-9708-019B960494DF}">
-                <a14:hiddenLine xmlns="" xmlns:a16="http://schemas.microsoft.com/office/drawing/2014/main" xmlns:a14="http://schemas.microsoft.com/office/drawing/2010/main" xmlns:p14="http://schemas.microsoft.com/office/powerpoint/2010/main" w="9525">
+                <a14:hiddenLine xmlns:p14="http://schemas.microsoft.com/office/powerpoint/2010/main" xmlns:a14="http://schemas.microsoft.com/office/drawing/2010/main" xmlns:a16="http://schemas.microsoft.com/office/drawing/2014/main" xmlns="" w="9525">
                   <a:solidFill>
                     <a:srgbClr val="000000"/>
                   </a:solidFill>
@@ -31601,7 +26528,7 @@
             </a:ln>
             <a:extLst>
               <a:ext uri="{91240B29-F687-4f45-9708-019B960494DF}">
-                <a14:hiddenLine xmlns="" xmlns:a16="http://schemas.microsoft.com/office/drawing/2014/main" xmlns:a14="http://schemas.microsoft.com/office/drawing/2010/main" xmlns:p14="http://schemas.microsoft.com/office/powerpoint/2010/main" w="9525">
+                <a14:hiddenLine xmlns:p14="http://schemas.microsoft.com/office/powerpoint/2010/main" xmlns:a14="http://schemas.microsoft.com/office/drawing/2010/main" xmlns:a16="http://schemas.microsoft.com/office/drawing/2014/main" xmlns="" w="9525">
                   <a:solidFill>
                     <a:srgbClr val="000000"/>
                   </a:solidFill>
@@ -31650,7 +26577,7 @@
             </a:ln>
             <a:extLst>
               <a:ext uri="{91240B29-F687-4f45-9708-019B960494DF}">
-                <a14:hiddenLine xmlns="" xmlns:a16="http://schemas.microsoft.com/office/drawing/2014/main" xmlns:a14="http://schemas.microsoft.com/office/drawing/2010/main" xmlns:p14="http://schemas.microsoft.com/office/powerpoint/2010/main" w="9525">
+                <a14:hiddenLine xmlns:p14="http://schemas.microsoft.com/office/powerpoint/2010/main" xmlns:a14="http://schemas.microsoft.com/office/drawing/2010/main" xmlns:a16="http://schemas.microsoft.com/office/drawing/2014/main" xmlns="" w="9525">
                   <a:solidFill>
                     <a:srgbClr val="000000"/>
                   </a:solidFill>
@@ -31730,7 +26657,7 @@
             </a:ln>
             <a:extLst>
               <a:ext uri="{91240B29-F687-4f45-9708-019B960494DF}">
-                <a14:hiddenLine xmlns="" xmlns:a16="http://schemas.microsoft.com/office/drawing/2014/main" xmlns:a14="http://schemas.microsoft.com/office/drawing/2010/main" xmlns:p14="http://schemas.microsoft.com/office/powerpoint/2010/main" w="9525">
+                <a14:hiddenLine xmlns:p14="http://schemas.microsoft.com/office/powerpoint/2010/main" xmlns:a14="http://schemas.microsoft.com/office/drawing/2010/main" xmlns:a16="http://schemas.microsoft.com/office/drawing/2014/main" xmlns="" w="9525">
                   <a:solidFill>
                     <a:srgbClr val="000000"/>
                   </a:solidFill>
@@ -31835,7 +26762,7 @@
             </a:ln>
             <a:extLst>
               <a:ext uri="{91240B29-F687-4f45-9708-019B960494DF}">
-                <a14:hiddenLine xmlns="" xmlns:a16="http://schemas.microsoft.com/office/drawing/2014/main" xmlns:a14="http://schemas.microsoft.com/office/drawing/2010/main" xmlns:p14="http://schemas.microsoft.com/office/powerpoint/2010/main" w="9525">
+                <a14:hiddenLine xmlns:p14="http://schemas.microsoft.com/office/powerpoint/2010/main" xmlns:a14="http://schemas.microsoft.com/office/drawing/2010/main" xmlns:a16="http://schemas.microsoft.com/office/drawing/2014/main" xmlns="" w="9525">
                   <a:solidFill>
                     <a:srgbClr val="000000"/>
                   </a:solidFill>
@@ -31912,7 +26839,7 @@
             </a:ln>
             <a:extLst>
               <a:ext uri="{91240B29-F687-4f45-9708-019B960494DF}">
-                <a14:hiddenLine xmlns="" xmlns:a16="http://schemas.microsoft.com/office/drawing/2014/main" xmlns:a14="http://schemas.microsoft.com/office/drawing/2010/main" xmlns:p14="http://schemas.microsoft.com/office/powerpoint/2010/main" w="9525">
+                <a14:hiddenLine xmlns:p14="http://schemas.microsoft.com/office/powerpoint/2010/main" xmlns:a14="http://schemas.microsoft.com/office/drawing/2010/main" xmlns:a16="http://schemas.microsoft.com/office/drawing/2014/main" xmlns="" w="9525">
                   <a:solidFill>
                     <a:srgbClr val="000000"/>
                   </a:solidFill>
@@ -32017,7 +26944,7 @@
             </a:ln>
             <a:extLst>
               <a:ext uri="{91240B29-F687-4f45-9708-019B960494DF}">
-                <a14:hiddenLine xmlns="" xmlns:a16="http://schemas.microsoft.com/office/drawing/2014/main" xmlns:a14="http://schemas.microsoft.com/office/drawing/2010/main" xmlns:p14="http://schemas.microsoft.com/office/powerpoint/2010/main" w="9525">
+                <a14:hiddenLine xmlns:p14="http://schemas.microsoft.com/office/powerpoint/2010/main" xmlns:a14="http://schemas.microsoft.com/office/drawing/2010/main" xmlns:a16="http://schemas.microsoft.com/office/drawing/2014/main" xmlns="" w="9525">
                   <a:solidFill>
                     <a:srgbClr val="000000"/>
                   </a:solidFill>
@@ -32122,7 +27049,7 @@
             </a:ln>
             <a:extLst>
               <a:ext uri="{91240B29-F687-4f45-9708-019B960494DF}">
-                <a14:hiddenLine xmlns="" xmlns:a16="http://schemas.microsoft.com/office/drawing/2014/main" xmlns:a14="http://schemas.microsoft.com/office/drawing/2010/main" xmlns:p14="http://schemas.microsoft.com/office/powerpoint/2010/main" w="9525">
+                <a14:hiddenLine xmlns:p14="http://schemas.microsoft.com/office/powerpoint/2010/main" xmlns:a14="http://schemas.microsoft.com/office/drawing/2010/main" xmlns:a16="http://schemas.microsoft.com/office/drawing/2014/main" xmlns="" w="9525">
                   <a:solidFill>
                     <a:srgbClr val="000000"/>
                   </a:solidFill>
@@ -32202,7 +27129,7 @@
             </a:ln>
             <a:extLst>
               <a:ext uri="{91240B29-F687-4f45-9708-019B960494DF}">
-                <a14:hiddenLine xmlns="" xmlns:a16="http://schemas.microsoft.com/office/drawing/2014/main" xmlns:a14="http://schemas.microsoft.com/office/drawing/2010/main" xmlns:p14="http://schemas.microsoft.com/office/powerpoint/2010/main" w="9525">
+                <a14:hiddenLine xmlns:p14="http://schemas.microsoft.com/office/powerpoint/2010/main" xmlns:a14="http://schemas.microsoft.com/office/drawing/2010/main" xmlns:a16="http://schemas.microsoft.com/office/drawing/2014/main" xmlns="" w="9525">
                   <a:solidFill>
                     <a:srgbClr val="000000"/>
                   </a:solidFill>
@@ -32279,7 +27206,7 @@
             </a:ln>
             <a:extLst>
               <a:ext uri="{91240B29-F687-4f45-9708-019B960494DF}">
-                <a14:hiddenLine xmlns="" xmlns:a16="http://schemas.microsoft.com/office/drawing/2014/main" xmlns:a14="http://schemas.microsoft.com/office/drawing/2010/main" xmlns:p14="http://schemas.microsoft.com/office/powerpoint/2010/main" w="9525">
+                <a14:hiddenLine xmlns:p14="http://schemas.microsoft.com/office/powerpoint/2010/main" xmlns:a14="http://schemas.microsoft.com/office/drawing/2010/main" xmlns:a16="http://schemas.microsoft.com/office/drawing/2014/main" xmlns="" w="9525">
                   <a:solidFill>
                     <a:srgbClr val="000000"/>
                   </a:solidFill>
@@ -32384,7 +27311,7 @@
             </a:ln>
             <a:extLst>
               <a:ext uri="{91240B29-F687-4f45-9708-019B960494DF}">
-                <a14:hiddenLine xmlns="" xmlns:a16="http://schemas.microsoft.com/office/drawing/2014/main" xmlns:a14="http://schemas.microsoft.com/office/drawing/2010/main" xmlns:p14="http://schemas.microsoft.com/office/powerpoint/2010/main" w="9525">
+                <a14:hiddenLine xmlns:p14="http://schemas.microsoft.com/office/powerpoint/2010/main" xmlns:a14="http://schemas.microsoft.com/office/drawing/2010/main" xmlns:a16="http://schemas.microsoft.com/office/drawing/2014/main" xmlns="" w="9525">
                   <a:solidFill>
                     <a:srgbClr val="000000"/>
                   </a:solidFill>
@@ -32489,7 +27416,7 @@
             </a:ln>
             <a:extLst>
               <a:ext uri="{91240B29-F687-4f45-9708-019B960494DF}">
-                <a14:hiddenLine xmlns="" xmlns:a16="http://schemas.microsoft.com/office/drawing/2014/main" xmlns:a14="http://schemas.microsoft.com/office/drawing/2010/main" xmlns:p14="http://schemas.microsoft.com/office/powerpoint/2010/main" w="9525">
+                <a14:hiddenLine xmlns:p14="http://schemas.microsoft.com/office/powerpoint/2010/main" xmlns:a14="http://schemas.microsoft.com/office/drawing/2010/main" xmlns:a16="http://schemas.microsoft.com/office/drawing/2014/main" xmlns="" w="9525">
                   <a:solidFill>
                     <a:srgbClr val="000000"/>
                   </a:solidFill>
@@ -32566,7 +27493,7 @@
             </a:ln>
             <a:extLst>
               <a:ext uri="{91240B29-F687-4f45-9708-019B960494DF}">
-                <a14:hiddenLine xmlns="" xmlns:a16="http://schemas.microsoft.com/office/drawing/2014/main" xmlns:a14="http://schemas.microsoft.com/office/drawing/2010/main" xmlns:p14="http://schemas.microsoft.com/office/powerpoint/2010/main" w="9525">
+                <a14:hiddenLine xmlns:p14="http://schemas.microsoft.com/office/powerpoint/2010/main" xmlns:a14="http://schemas.microsoft.com/office/drawing/2010/main" xmlns:a16="http://schemas.microsoft.com/office/drawing/2014/main" xmlns="" w="9525">
                   <a:solidFill>
                     <a:srgbClr val="000000"/>
                   </a:solidFill>
@@ -32701,7 +27628,7 @@
             </a:ln>
             <a:extLst>
               <a:ext uri="{91240B29-F687-4f45-9708-019B960494DF}">
-                <a14:hiddenLine xmlns="" xmlns:a16="http://schemas.microsoft.com/office/drawing/2014/main" xmlns:a14="http://schemas.microsoft.com/office/drawing/2010/main" xmlns:p14="http://schemas.microsoft.com/office/powerpoint/2010/main" w="9525">
+                <a14:hiddenLine xmlns:p14="http://schemas.microsoft.com/office/powerpoint/2010/main" xmlns:a14="http://schemas.microsoft.com/office/drawing/2010/main" xmlns:a16="http://schemas.microsoft.com/office/drawing/2014/main" xmlns="" w="9525">
                   <a:solidFill>
                     <a:srgbClr val="000000"/>
                   </a:solidFill>
@@ -32784,7 +27711,7 @@
             </a:ln>
             <a:extLst>
               <a:ext uri="{91240B29-F687-4f45-9708-019B960494DF}">
-                <a14:hiddenLine xmlns="" xmlns:a16="http://schemas.microsoft.com/office/drawing/2014/main" xmlns:a14="http://schemas.microsoft.com/office/drawing/2010/main" xmlns:p14="http://schemas.microsoft.com/office/powerpoint/2010/main" w="9525">
+                <a14:hiddenLine xmlns:p14="http://schemas.microsoft.com/office/powerpoint/2010/main" xmlns:a14="http://schemas.microsoft.com/office/drawing/2010/main" xmlns:a16="http://schemas.microsoft.com/office/drawing/2014/main" xmlns="" w="9525">
                   <a:solidFill>
                     <a:srgbClr val="000000"/>
                   </a:solidFill>
@@ -32889,7 +27816,7 @@
             </a:ln>
             <a:extLst>
               <a:ext uri="{91240B29-F687-4f45-9708-019B960494DF}">
-                <a14:hiddenLine xmlns="" xmlns:a16="http://schemas.microsoft.com/office/drawing/2014/main" xmlns:a14="http://schemas.microsoft.com/office/drawing/2010/main" xmlns:p14="http://schemas.microsoft.com/office/powerpoint/2010/main" w="9525">
+                <a14:hiddenLine xmlns:p14="http://schemas.microsoft.com/office/powerpoint/2010/main" xmlns:a14="http://schemas.microsoft.com/office/drawing/2010/main" xmlns:a16="http://schemas.microsoft.com/office/drawing/2014/main" xmlns="" w="9525">
                   <a:solidFill>
                     <a:srgbClr val="000000"/>
                   </a:solidFill>
@@ -32920,7 +27847,7 @@
         </p:nvSpPr>
         <p:spPr>
           <a:xfrm>
-            <a:off x="1876425" y="1113282"/>
+            <a:off x="1689546" y="1144588"/>
             <a:ext cx="3734941" cy="2396681"/>
           </a:xfrm>
         </p:spPr>
@@ -32931,7 +27858,7 @@
           <a:lstStyle/>
           <a:p>
             <a:r>
-              <a:rPr lang="en-US" sz="4100"/>
+              <a:rPr lang="en-US" sz="4100" dirty="0"/>
               <a:t>CONTROLADOR</a:t>
             </a:r>
           </a:p>
